--- a/JavaScript/JS UI & DOM/07. DOM Operations/DOM Operations.pptx
+++ b/JavaScript/JS UI & DOM/07. DOM Operations/DOM Operations.pptx
@@ -5,19 +5,13 @@
     <p:sldMasterId id="2147483660" r:id="rId1"/>
   </p:sldMasterIdLst>
   <p:notesMasterIdLst>
-    <p:notesMasterId r:id="rId12"/>
+    <p:notesMasterId r:id="rId6"/>
   </p:notesMasterIdLst>
   <p:sldIdLst>
-    <p:sldId id="314" r:id="rId2"/>
-    <p:sldId id="320" r:id="rId3"/>
-    <p:sldId id="327" r:id="rId4"/>
-    <p:sldId id="344" r:id="rId5"/>
-    <p:sldId id="345" r:id="rId6"/>
-    <p:sldId id="353" r:id="rId7"/>
-    <p:sldId id="330" r:id="rId8"/>
-    <p:sldId id="331" r:id="rId9"/>
-    <p:sldId id="332" r:id="rId10"/>
-    <p:sldId id="328" r:id="rId11"/>
+    <p:sldId id="330" r:id="rId2"/>
+    <p:sldId id="331" r:id="rId3"/>
+    <p:sldId id="332" r:id="rId4"/>
+    <p:sldId id="328" r:id="rId5"/>
   </p:sldIdLst>
   <p:sldSz cx="9144000" cy="6858000" type="screen4x3"/>
   <p:notesSz cx="6858000" cy="9144000"/>
@@ -118,7 +112,7 @@
   </p:defaultTextStyle>
   <p:extLst>
     <p:ext uri="{EFAFB233-063F-42B5-8137-9DF3F51BA10A}">
-      <p15:sldGuideLst xmlns="" xmlns:p15="http://schemas.microsoft.com/office/powerpoint/2012/main">
+      <p15:sldGuideLst xmlns:p15="http://schemas.microsoft.com/office/powerpoint/2012/main" xmlns="">
         <p15:guide id="1" orient="horz" pos="2160">
           <p15:clr>
             <a:srgbClr val="A4A3A4"/>
@@ -218,7 +212,7 @@
             <a:fld id="{FB79C81D-72B0-42C7-BF91-A4119E6021E9}" type="datetimeFigureOut">
               <a:rPr lang="en-US" smtClean="0"/>
               <a:pPr/>
-              <a:t>6/5/2014</a:t>
+              <a:t>6/14/2014</a:t>
             </a:fld>
             <a:endParaRPr lang="en-US"/>
           </a:p>
@@ -387,7 +381,7 @@
     </p:spTree>
     <p:extLst>
       <p:ext uri="{BB962C8B-B14F-4D97-AF65-F5344CB8AC3E}">
-        <p14:creationId xmlns="" xmlns:p14="http://schemas.microsoft.com/office/powerpoint/2010/main" val="15776679"/>
+        <p14:creationId xmlns:p14="http://schemas.microsoft.com/office/powerpoint/2010/main" xmlns="" val="15776679"/>
       </p:ext>
     </p:extLst>
   </p:cSld>
@@ -488,7 +482,7 @@
 </file>
 
 <file path=ppt/slideLayouts/slideLayout1.xml><?xml version="1.0" encoding="utf-8"?>
-<p:sldLayout xmlns:a="http://schemas.openxmlformats.org/drawingml/2006/main" xmlns:r="http://schemas.openxmlformats.org/officeDocument/2006/relationships" xmlns:p="http://schemas.openxmlformats.org/presentationml/2006/main" preserve="1">
+<p:sldLayout xmlns:a="http://schemas.openxmlformats.org/drawingml/2006/main" xmlns:r="http://schemas.openxmlformats.org/officeDocument/2006/relationships" xmlns:p="http://schemas.openxmlformats.org/presentationml/2006/main" showMasterSp="0" preserve="1">
   <p:cSld name="Presentation Title Slide">
     <p:spTree>
       <p:nvGrpSpPr>
@@ -1089,7 +1083,7 @@
 </file>
 
 <file path=ppt/slideLayouts/slideLayout2.xml><?xml version="1.0" encoding="utf-8"?>
-<p:sldLayout xmlns:a="http://schemas.openxmlformats.org/drawingml/2006/main" xmlns:r="http://schemas.openxmlformats.org/officeDocument/2006/relationships" xmlns:p="http://schemas.openxmlformats.org/presentationml/2006/main" type="obj" preserve="1">
+<p:sldLayout xmlns:a="http://schemas.openxmlformats.org/drawingml/2006/main" xmlns:r="http://schemas.openxmlformats.org/officeDocument/2006/relationships" xmlns:p="http://schemas.openxmlformats.org/presentationml/2006/main" showMasterSp="0" type="obj" preserve="1">
   <p:cSld name="Title and Content">
     <p:spTree>
       <p:nvGrpSpPr>
@@ -1389,7 +1383,7 @@
 </file>
 
 <file path=ppt/slideLayouts/slideLayout3.xml><?xml version="1.0" encoding="utf-8"?>
-<p:sldLayout xmlns:a="http://schemas.openxmlformats.org/drawingml/2006/main" xmlns:r="http://schemas.openxmlformats.org/officeDocument/2006/relationships" xmlns:p="http://schemas.openxmlformats.org/presentationml/2006/main" preserve="1">
+<p:sldLayout xmlns:a="http://schemas.openxmlformats.org/drawingml/2006/main" xmlns:r="http://schemas.openxmlformats.org/officeDocument/2006/relationships" xmlns:p="http://schemas.openxmlformats.org/presentationml/2006/main" showMasterSp="0" preserve="1">
   <p:cSld name="Custom Layout">
     <p:spTree>
       <p:nvGrpSpPr>
@@ -1802,7 +1796,7 @@
     </p:spTree>
     <p:extLst>
       <p:ext uri="{BB962C8B-B14F-4D97-AF65-F5344CB8AC3E}">
-        <p14:creationId xmlns="" xmlns:p14="http://schemas.microsoft.com/office/powerpoint/2010/main" val="3141685506"/>
+        <p14:creationId xmlns:p14="http://schemas.microsoft.com/office/powerpoint/2010/main" xmlns="" val="3141685506"/>
       </p:ext>
     </p:extLst>
   </p:cSld>
@@ -1813,7 +1807,7 @@
 </file>
 
 <file path=ppt/slideLayouts/slideLayout4.xml><?xml version="1.0" encoding="utf-8"?>
-<p:sldLayout xmlns:a="http://schemas.openxmlformats.org/drawingml/2006/main" xmlns:r="http://schemas.openxmlformats.org/officeDocument/2006/relationships" xmlns:p="http://schemas.openxmlformats.org/presentationml/2006/main" type="title" preserve="1">
+<p:sldLayout xmlns:a="http://schemas.openxmlformats.org/drawingml/2006/main" xmlns:r="http://schemas.openxmlformats.org/officeDocument/2006/relationships" xmlns:p="http://schemas.openxmlformats.org/presentationml/2006/main" showMasterSp="0" type="title" preserve="1">
   <p:cSld name="Title Slide">
     <p:spTree>
       <p:nvGrpSpPr>
@@ -1982,7 +1976,7 @@
 </file>
 
 <file path=ppt/slideLayouts/slideLayout5.xml><?xml version="1.0" encoding="utf-8"?>
-<p:sldLayout xmlns:a="http://schemas.openxmlformats.org/drawingml/2006/main" xmlns:r="http://schemas.openxmlformats.org/officeDocument/2006/relationships" xmlns:p="http://schemas.openxmlformats.org/presentationml/2006/main" preserve="1">
+<p:sldLayout xmlns:a="http://schemas.openxmlformats.org/drawingml/2006/main" xmlns:r="http://schemas.openxmlformats.org/officeDocument/2006/relationships" xmlns:p="http://schemas.openxmlformats.org/presentationml/2006/main" showMasterSp="0" preserve="1">
   <p:cSld name="Questions Slide">
     <p:spTree>
       <p:nvGrpSpPr>
@@ -4670,7 +4664,7 @@
           <a:blip r:embed="rId26">
             <a:extLst>
               <a:ext uri="{28A0092B-C50C-407E-A947-70E740481C1C}">
-                <a14:useLocalDpi xmlns="" xmlns:a14="http://schemas.microsoft.com/office/drawing/2010/main"/>
+                <a14:useLocalDpi xmlns:a14="http://schemas.microsoft.com/office/drawing/2010/main" xmlns=""/>
               </a:ext>
             </a:extLst>
           </a:blip>
@@ -4690,7 +4684,7 @@
           <a:noFill/>
           <a:extLst>
             <a:ext uri="{909E8E84-426E-40DD-AFC4-6F175D3DCCD1}">
-              <a14:hiddenFill xmlns="" xmlns:a14="http://schemas.microsoft.com/office/drawing/2010/main">
+              <a14:hiddenFill xmlns:a14="http://schemas.microsoft.com/office/drawing/2010/main" xmlns="">
                 <a:solidFill>
                   <a:srgbClr val="FFFFFF"/>
                 </a:solidFill>
@@ -4711,7 +4705,7 @@
           <a:blip r:embed="rId27" cstate="email">
             <a:extLst>
               <a:ext uri="{28A0092B-C50C-407E-A947-70E740481C1C}">
-                <a14:useLocalDpi xmlns="" xmlns:a14="http://schemas.microsoft.com/office/drawing/2010/main"/>
+                <a14:useLocalDpi xmlns:a14="http://schemas.microsoft.com/office/drawing/2010/main" xmlns=""/>
               </a:ext>
             </a:extLst>
           </a:blip>
@@ -4735,14 +4729,14 @@
           <a:effectLst/>
           <a:extLst>
             <a:ext uri="{909E8E84-426E-40DD-AFC4-6F175D3DCCD1}">
-              <a14:hiddenFill xmlns="" xmlns:a14="http://schemas.microsoft.com/office/drawing/2010/main">
+              <a14:hiddenFill xmlns:a14="http://schemas.microsoft.com/office/drawing/2010/main" xmlns="">
                 <a:solidFill>
                   <a:schemeClr val="accent1"/>
                 </a:solidFill>
               </a14:hiddenFill>
             </a:ext>
             <a:ext uri="{91240B29-F687-4F45-9708-019B960494DF}">
-              <a14:hiddenLine xmlns="" xmlns:a14="http://schemas.microsoft.com/office/drawing/2010/main" w="9525">
+              <a14:hiddenLine xmlns:a14="http://schemas.microsoft.com/office/drawing/2010/main" xmlns="" w="9525">
                 <a:solidFill>
                   <a:schemeClr val="tx1"/>
                 </a:solidFill>
@@ -4752,7 +4746,7 @@
               </a14:hiddenLine>
             </a:ext>
             <a:ext uri="{AF507438-7753-43E0-B8FC-AC1667EBCBE1}">
-              <a14:hiddenEffects xmlns="" xmlns:a14="http://schemas.microsoft.com/office/drawing/2010/main">
+              <a14:hiddenEffects xmlns:a14="http://schemas.microsoft.com/office/drawing/2010/main" xmlns="">
                 <a:effectLst>
                   <a:outerShdw dist="35921" dir="2700000" algn="ctr" rotWithShape="0">
                     <a:schemeClr val="bg2"/>
@@ -4775,7 +4769,7 @@
           <a:blip r:embed="rId28" cstate="email">
             <a:extLst>
               <a:ext uri="{28A0092B-C50C-407E-A947-70E740481C1C}">
-                <a14:useLocalDpi xmlns="" xmlns:a14="http://schemas.microsoft.com/office/drawing/2010/main"/>
+                <a14:useLocalDpi xmlns:a14="http://schemas.microsoft.com/office/drawing/2010/main" xmlns=""/>
               </a:ext>
             </a:extLst>
           </a:blip>
@@ -4799,14 +4793,14 @@
           <a:effectLst/>
           <a:extLst>
             <a:ext uri="{909E8E84-426E-40DD-AFC4-6F175D3DCCD1}">
-              <a14:hiddenFill xmlns="" xmlns:a14="http://schemas.microsoft.com/office/drawing/2010/main">
+              <a14:hiddenFill xmlns:a14="http://schemas.microsoft.com/office/drawing/2010/main" xmlns="">
                 <a:solidFill>
                   <a:schemeClr val="accent1"/>
                 </a:solidFill>
               </a14:hiddenFill>
             </a:ext>
             <a:ext uri="{91240B29-F687-4F45-9708-019B960494DF}">
-              <a14:hiddenLine xmlns="" xmlns:a14="http://schemas.microsoft.com/office/drawing/2010/main" w="9525">
+              <a14:hiddenLine xmlns:a14="http://schemas.microsoft.com/office/drawing/2010/main" xmlns="" w="9525">
                 <a:solidFill>
                   <a:schemeClr val="tx1"/>
                 </a:solidFill>
@@ -4816,7 +4810,7 @@
               </a14:hiddenLine>
             </a:ext>
             <a:ext uri="{AF507438-7753-43E0-B8FC-AC1667EBCBE1}">
-              <a14:hiddenEffects xmlns="" xmlns:a14="http://schemas.microsoft.com/office/drawing/2010/main">
+              <a14:hiddenEffects xmlns:a14="http://schemas.microsoft.com/office/drawing/2010/main" xmlns="">
                 <a:effectLst>
                   <a:outerShdw dist="35921" dir="2700000" algn="ctr" rotWithShape="0">
                     <a:schemeClr val="bg2"/>
@@ -4839,7 +4833,7 @@
           <a:blip r:embed="rId29">
             <a:extLst>
               <a:ext uri="{BEBA8EAE-BF5A-486C-A8C5-ECC9F3942E4B}">
-                <a14:imgProps xmlns="" xmlns:a14="http://schemas.microsoft.com/office/drawing/2010/main">
+                <a14:imgProps xmlns:a14="http://schemas.microsoft.com/office/drawing/2010/main" xmlns="">
                   <a14:imgLayer r:embed="rId30">
                     <a14:imgEffect>
                       <a14:brightnessContrast bright="20000"/>
@@ -4848,7 +4842,7 @@
                 </a14:imgProps>
               </a:ext>
               <a:ext uri="{28A0092B-C50C-407E-A947-70E740481C1C}">
-                <a14:useLocalDpi xmlns="" xmlns:a14="http://schemas.microsoft.com/office/drawing/2010/main"/>
+                <a14:useLocalDpi xmlns:a14="http://schemas.microsoft.com/office/drawing/2010/main" xmlns=""/>
               </a:ext>
             </a:extLst>
           </a:blip>
@@ -4876,7 +4870,7 @@
           </a:effectLst>
           <a:extLst>
             <a:ext uri="{909E8E84-426E-40DD-AFC4-6F175D3DCCD1}">
-              <a14:hiddenFill xmlns="" xmlns:a14="http://schemas.microsoft.com/office/drawing/2010/main">
+              <a14:hiddenFill xmlns:a14="http://schemas.microsoft.com/office/drawing/2010/main" xmlns="">
                 <a:solidFill>
                   <a:srgbClr val="FFFFFF"/>
                 </a:solidFill>
@@ -5382,7 +5376,7 @@
 </file>
 
 <file path=ppt/slides/slide1.xml><?xml version="1.0" encoding="utf-8"?>
-<p:sld xmlns:a="http://schemas.openxmlformats.org/drawingml/2006/main" xmlns:r="http://schemas.openxmlformats.org/officeDocument/2006/relationships" xmlns:p="http://schemas.openxmlformats.org/presentationml/2006/main">
+<p:sld xmlns:a="http://schemas.openxmlformats.org/drawingml/2006/main" xmlns:r="http://schemas.openxmlformats.org/officeDocument/2006/relationships" xmlns:p="http://schemas.openxmlformats.org/presentationml/2006/main" showMasterSp="0">
   <p:cSld>
     <p:spTree>
       <p:nvGrpSpPr>
@@ -5400,7 +5394,30 @@
       </p:grpSpPr>
       <p:sp>
         <p:nvSpPr>
-          <p:cNvPr id="3" name="Content Placeholder 2"/>
+          <p:cNvPr id="4" name="Title 3"/>
+          <p:cNvSpPr>
+            <a:spLocks noGrp="1"/>
+          </p:cNvSpPr>
+          <p:nvPr>
+            <p:ph type="title"/>
+          </p:nvPr>
+        </p:nvSpPr>
+        <p:spPr/>
+        <p:txBody>
+          <a:bodyPr/>
+          <a:lstStyle/>
+          <a:p>
+            <a:r>
+              <a:rPr lang="en-US" dirty="0" smtClean="0"/>
+              <a:t>Homework</a:t>
+            </a:r>
+            <a:endParaRPr lang="en-US" dirty="0"/>
+          </a:p>
+        </p:txBody>
+      </p:sp>
+      <p:sp>
+        <p:nvSpPr>
+          <p:cNvPr id="5" name="Content Placeholder 4"/>
           <p:cNvSpPr>
             <a:spLocks noGrp="1"/>
           </p:cNvSpPr>
@@ -5410,463 +5427,221 @@
         </p:nvSpPr>
         <p:spPr>
           <a:xfrm>
-            <a:off x="228600" y="838200"/>
-            <a:ext cx="8686800" cy="5715000"/>
+            <a:off x="228600" y="762000"/>
+            <a:ext cx="8686800" cy="5791200"/>
           </a:xfrm>
         </p:spPr>
         <p:txBody>
           <a:bodyPr/>
           <a:lstStyle/>
           <a:p>
-            <a:pPr>
+            <a:pPr marL="342900" indent="-285750">
               <a:lnSpc>
                 <a:spcPct val="100000"/>
               </a:lnSpc>
+              <a:buFont typeface="+mj-lt"/>
+              <a:buAutoNum type="arabicPeriod"/>
+              <a:tabLst>
+                <a:tab pos="282575" algn="l"/>
+                <a:tab pos="404813" algn="l"/>
+              </a:tabLst>
             </a:pPr>
             <a:r>
-              <a:rPr lang="en-US" sz="1700" dirty="0" err="1" smtClean="0"/>
-              <a:t>element.</a:t>
-            </a:r>
-            <a:r>
-              <a:rPr lang="en-US" sz="1700" dirty="0" err="1" smtClean="0">
-                <a:solidFill>
-                  <a:schemeClr val="accent5">
-                    <a:lumMod val="20000"/>
-                    <a:lumOff val="80000"/>
-                  </a:schemeClr>
-                </a:solidFill>
-              </a:rPr>
-              <a:t>parentNode</a:t>
-            </a:r>
-            <a:r>
-              <a:rPr lang="en-US" sz="1700" dirty="0" smtClean="0">
-                <a:solidFill>
-                  <a:schemeClr val="accent5">
-                    <a:lumMod val="20000"/>
-                    <a:lumOff val="80000"/>
-                  </a:schemeClr>
-                </a:solidFill>
-              </a:rPr>
-              <a:t> - </a:t>
-            </a:r>
-            <a:r>
-              <a:rPr lang="en-US" sz="1700" dirty="0" smtClean="0"/>
-              <a:t>returns the direct </a:t>
-            </a:r>
-            <a:r>
-              <a:rPr lang="en-US" sz="1700" dirty="0" smtClean="0">
-                <a:solidFill>
-                  <a:schemeClr val="accent5">
-                    <a:lumMod val="20000"/>
-                    <a:lumOff val="80000"/>
-                  </a:schemeClr>
-                </a:solidFill>
-              </a:rPr>
-              <a:t>parent</a:t>
-            </a:r>
-            <a:endParaRPr lang="en-US" sz="1700" dirty="0" smtClean="0"/>
-          </a:p>
-          <a:p>
-            <a:pPr>
+              <a:rPr lang="en-US" sz="2800" dirty="0" smtClean="0"/>
+              <a:t>Write a script that creates a number of div elements. Each div element must have the following</a:t>
+            </a:r>
+          </a:p>
+          <a:p>
+            <a:pPr marL="685800" lvl="1" indent="-280988">
               <a:lnSpc>
                 <a:spcPct val="100000"/>
               </a:lnSpc>
+              <a:tabLst>
+                <a:tab pos="282575" algn="l"/>
+                <a:tab pos="404813" algn="l"/>
+              </a:tabLst>
             </a:pPr>
             <a:r>
-              <a:rPr lang="en-US" sz="1700" dirty="0" err="1" smtClean="0"/>
-              <a:t>element.</a:t>
-            </a:r>
-            <a:r>
-              <a:rPr lang="en-US" sz="1700" dirty="0" err="1" smtClean="0">
-                <a:solidFill>
-                  <a:schemeClr val="accent5">
-                    <a:lumMod val="20000"/>
-                    <a:lumOff val="80000"/>
-                  </a:schemeClr>
-                </a:solidFill>
+              <a:rPr lang="en-US" sz="2600" dirty="0" smtClean="0"/>
+              <a:t>Random width and height between </a:t>
+            </a:r>
+            <a:r>
+              <a:rPr lang="en-US" sz="2600" dirty="0" smtClean="0">
+                <a:latin typeface="Consolas" panose="020B0609020204030204" pitchFamily="49" charset="0"/>
+                <a:cs typeface="Consolas" panose="020B0609020204030204" pitchFamily="49" charset="0"/>
               </a:rPr>
-              <a:t>childNodes</a:t>
-            </a:r>
-            <a:r>
-              <a:rPr lang="en-US" sz="1700" dirty="0" smtClean="0">
-                <a:solidFill>
-                  <a:schemeClr val="accent5">
-                    <a:lumMod val="20000"/>
-                    <a:lumOff val="80000"/>
-                  </a:schemeClr>
-                </a:solidFill>
+              <a:t>20</a:t>
+            </a:r>
+            <a:r>
+              <a:rPr lang="en-US" sz="2600" dirty="0" smtClean="0"/>
+              <a:t>px and </a:t>
+            </a:r>
+            <a:r>
+              <a:rPr lang="en-US" sz="2600" dirty="0" smtClean="0">
+                <a:latin typeface="Consolas" panose="020B0609020204030204" pitchFamily="49" charset="0"/>
+                <a:cs typeface="Consolas" panose="020B0609020204030204" pitchFamily="49" charset="0"/>
               </a:rPr>
-              <a:t> - </a:t>
-            </a:r>
-            <a:r>
-              <a:rPr lang="en-US" sz="1700" dirty="0" smtClean="0"/>
-              <a:t>returns a nodeList of all the </a:t>
-            </a:r>
-            <a:r>
-              <a:rPr lang="en-US" sz="1700" dirty="0" smtClean="0">
-                <a:solidFill>
-                  <a:schemeClr val="accent5">
-                    <a:lumMod val="20000"/>
-                    <a:lumOff val="80000"/>
-                  </a:schemeClr>
-                </a:solidFill>
-              </a:rPr>
-              <a:t>child nodes </a:t>
-            </a:r>
-            <a:r>
-              <a:rPr lang="en-US" sz="1700" dirty="0" smtClean="0"/>
-              <a:t>including the whitespaces</a:t>
-            </a:r>
-          </a:p>
-          <a:p>
-            <a:pPr lvl="2">
+              <a:t>100</a:t>
+            </a:r>
+            <a:r>
+              <a:rPr lang="en-US" sz="2600" dirty="0" smtClean="0"/>
+              <a:t>px</a:t>
+            </a:r>
+          </a:p>
+          <a:p>
+            <a:pPr marL="685800" lvl="1" indent="-280988">
               <a:lnSpc>
                 <a:spcPct val="100000"/>
               </a:lnSpc>
+              <a:tabLst>
+                <a:tab pos="282575" algn="l"/>
+                <a:tab pos="404813" algn="l"/>
+              </a:tabLst>
             </a:pPr>
             <a:r>
-              <a:rPr lang="en-US" sz="1400" dirty="0" smtClean="0"/>
-              <a:t>.</a:t>
-            </a:r>
-            <a:r>
-              <a:rPr lang="en-US" sz="1400" dirty="0" err="1" smtClean="0"/>
-              <a:t>nodeType</a:t>
-            </a:r>
-            <a:r>
-              <a:rPr lang="en-US" sz="1400" dirty="0" smtClean="0"/>
-              <a:t>; -</a:t>
-            </a:r>
-            <a:r>
-              <a:rPr lang="en-US" sz="1400" dirty="0" smtClean="0">
-                <a:solidFill>
-                  <a:schemeClr val="accent5">
-                    <a:lumMod val="40000"/>
-                    <a:lumOff val="60000"/>
-                  </a:schemeClr>
-                </a:solidFill>
-              </a:rPr>
-              <a:t>check it!</a:t>
-            </a:r>
-            <a:endParaRPr lang="en-US" sz="1300" dirty="0" smtClean="0">
-              <a:solidFill>
-                <a:schemeClr val="accent5">
-                  <a:lumMod val="40000"/>
-                  <a:lumOff val="60000"/>
-                </a:schemeClr>
-              </a:solidFill>
-            </a:endParaRPr>
-          </a:p>
-          <a:p>
-            <a:r>
-              <a:rPr lang="en-US" sz="1700" dirty="0" smtClean="0"/>
-              <a:t>The named elements are:</a:t>
-            </a:r>
-          </a:p>
-          <a:p>
-            <a:pPr lvl="1"/>
-            <a:r>
-              <a:rPr lang="en-US" sz="1700" dirty="0" err="1" smtClean="0"/>
-              <a:t>firstChild</a:t>
-            </a:r>
-            <a:r>
-              <a:rPr lang="en-US" sz="1700" dirty="0" smtClean="0"/>
-              <a:t> and </a:t>
-            </a:r>
-            <a:r>
-              <a:rPr lang="en-US" sz="1700" dirty="0" err="1" smtClean="0"/>
-              <a:t>lastChild</a:t>
-            </a:r>
-            <a:endParaRPr lang="bg-BG" sz="1700" dirty="0" smtClean="0"/>
-          </a:p>
-          <a:p>
-            <a:pPr lvl="1"/>
-            <a:r>
-              <a:rPr lang="en-US" sz="1700" dirty="0" err="1" smtClean="0"/>
-              <a:t>nextSibling</a:t>
-            </a:r>
-            <a:r>
-              <a:rPr lang="en-US" sz="1700" dirty="0" smtClean="0"/>
-              <a:t> / </a:t>
-            </a:r>
-            <a:r>
-              <a:rPr lang="en-US" sz="1700" dirty="0" err="1" smtClean="0"/>
-              <a:t>nextElementSibling</a:t>
-            </a:r>
-            <a:endParaRPr lang="en-US" sz="1700" dirty="0" smtClean="0"/>
-          </a:p>
-          <a:p>
-            <a:pPr lvl="1"/>
-            <a:r>
-              <a:rPr lang="en-US" sz="1700" dirty="0" err="1" smtClean="0"/>
-              <a:t>previousSibling</a:t>
-            </a:r>
-            <a:r>
-              <a:rPr lang="en-US" sz="1700" dirty="0" smtClean="0"/>
-              <a:t> / </a:t>
-            </a:r>
-            <a:r>
-              <a:rPr lang="en-US" sz="1700" dirty="0" err="1" smtClean="0"/>
-              <a:t>previousElementSibling</a:t>
-            </a:r>
-            <a:endParaRPr lang="en-US" sz="1700" dirty="0" smtClean="0"/>
-          </a:p>
-          <a:p>
-            <a:pPr>
-              <a:defRPr/>
+              <a:rPr lang="en-US" sz="2600" dirty="0" smtClean="0"/>
+              <a:t>Random background color</a:t>
+            </a:r>
+          </a:p>
+          <a:p>
+            <a:pPr marL="685800" lvl="1" indent="-280988">
+              <a:lnSpc>
+                <a:spcPct val="100000"/>
+              </a:lnSpc>
+              <a:tabLst>
+                <a:tab pos="282575" algn="l"/>
+                <a:tab pos="404813" algn="l"/>
+              </a:tabLst>
             </a:pPr>
             <a:r>
-              <a:rPr lang="en-US" sz="1700" noProof="1" smtClean="0">
-                <a:sym typeface="Wingdings" pitchFamily="2" charset="2"/>
-              </a:rPr>
-              <a:t>Create Element:</a:t>
-            </a:r>
-          </a:p>
-          <a:p>
-            <a:pPr lvl="1" eaLnBrk="0" hangingPunct="0">
-              <a:defRPr/>
+              <a:rPr lang="en-US" sz="2600" dirty="0" smtClean="0"/>
+              <a:t>Random font color</a:t>
+            </a:r>
+          </a:p>
+          <a:p>
+            <a:pPr marL="685800" lvl="1" indent="-280988">
+              <a:lnSpc>
+                <a:spcPct val="100000"/>
+              </a:lnSpc>
+              <a:tabLst>
+                <a:tab pos="282575" algn="l"/>
+                <a:tab pos="404813" algn="l"/>
+              </a:tabLst>
             </a:pPr>
             <a:r>
-              <a:rPr lang="en-US" sz="1300" noProof="1" smtClean="0">
-                <a:solidFill>
-                  <a:srgbClr val="8CF4F2"/>
-                </a:solidFill>
-                <a:latin typeface="Consolas" pitchFamily="49" charset="0"/>
-                <a:cs typeface="Consolas" pitchFamily="49" charset="0"/>
-                <a:sym typeface="Wingdings" pitchFamily="2" charset="2"/>
-              </a:rPr>
-              <a:t>var test = document.createElement(“div") </a:t>
-            </a:r>
-            <a:r>
-              <a:rPr lang="en-US" sz="1300" dirty="0" smtClean="0">
-                <a:solidFill>
-                  <a:schemeClr val="accent5">
-                    <a:lumMod val="20000"/>
-                    <a:lumOff val="80000"/>
-                  </a:schemeClr>
-                </a:solidFill>
+              <a:rPr lang="en-US" sz="2600" dirty="0" smtClean="0"/>
+              <a:t>Random position on the screen (</a:t>
+            </a:r>
+            <a:r>
+              <a:rPr lang="en-US" sz="2600" dirty="0" err="1" smtClean="0"/>
+              <a:t>position:absolute</a:t>
+            </a:r>
+            <a:r>
+              <a:rPr lang="en-US" sz="2600" dirty="0" smtClean="0"/>
+              <a:t>)</a:t>
+            </a:r>
+          </a:p>
+          <a:p>
+            <a:pPr marL="685800" lvl="1" indent="-280988">
+              <a:lnSpc>
+                <a:spcPct val="100000"/>
+              </a:lnSpc>
+              <a:tabLst>
+                <a:tab pos="282575" algn="l"/>
+                <a:tab pos="404813" algn="l"/>
+              </a:tabLst>
+            </a:pPr>
+            <a:r>
+              <a:rPr lang="en-US" sz="2600" dirty="0" smtClean="0"/>
+              <a:t>A strong element with text "div" inside the div</a:t>
+            </a:r>
+          </a:p>
+          <a:p>
+            <a:pPr marL="685800" lvl="1" indent="-280988">
+              <a:lnSpc>
+                <a:spcPct val="100000"/>
+              </a:lnSpc>
+              <a:tabLst>
+                <a:tab pos="282575" algn="l"/>
+                <a:tab pos="404813" algn="l"/>
+              </a:tabLst>
+            </a:pPr>
+            <a:r>
+              <a:rPr lang="en-US" sz="2600" dirty="0" smtClean="0"/>
+              <a:t>Random border radius</a:t>
+            </a:r>
+          </a:p>
+          <a:p>
+            <a:pPr marL="685800" lvl="1" indent="-280988">
+              <a:lnSpc>
+                <a:spcPct val="100000"/>
+              </a:lnSpc>
+              <a:tabLst>
+                <a:tab pos="282575" algn="l"/>
+                <a:tab pos="404813" algn="l"/>
+              </a:tabLst>
+            </a:pPr>
+            <a:r>
+              <a:rPr lang="en-US" sz="2600" dirty="0" smtClean="0"/>
+              <a:t>Random border color</a:t>
+            </a:r>
+          </a:p>
+          <a:p>
+            <a:pPr marL="685800" lvl="1" indent="-280988">
+              <a:lnSpc>
+                <a:spcPct val="100000"/>
+              </a:lnSpc>
+              <a:tabLst>
+                <a:tab pos="282575" algn="l"/>
+                <a:tab pos="404813" algn="l"/>
+              </a:tabLst>
+            </a:pPr>
+            <a:r>
+              <a:rPr lang="en-US" sz="2600" dirty="0" smtClean="0"/>
+              <a:t>Random border width between </a:t>
+            </a:r>
+            <a:r>
+              <a:rPr lang="en-US" sz="2600" dirty="0" smtClean="0">
                 <a:latin typeface="Consolas" panose="020B0609020204030204" pitchFamily="49" charset="0"/>
                 <a:cs typeface="Consolas" panose="020B0609020204030204" pitchFamily="49" charset="0"/>
               </a:rPr>
-              <a:t>- </a:t>
-            </a:r>
-            <a:r>
-              <a:rPr lang="en-US" sz="1300" dirty="0" smtClean="0"/>
-              <a:t>creates new DIV element (not added to DOM)</a:t>
-            </a:r>
-            <a:endParaRPr lang="en-US" sz="1300" noProof="1" smtClean="0">
-              <a:solidFill>
-                <a:srgbClr val="8CF4F2"/>
-              </a:solidFill>
-              <a:latin typeface="Consolas" pitchFamily="49" charset="0"/>
-              <a:cs typeface="Consolas" pitchFamily="49" charset="0"/>
-              <a:sym typeface="Wingdings" pitchFamily="2" charset="2"/>
-            </a:endParaRPr>
-          </a:p>
-          <a:p>
-            <a:pPr lvl="1" eaLnBrk="0" hangingPunct="0">
-              <a:defRPr/>
-            </a:pPr>
-            <a:r>
-              <a:rPr lang="en-US" sz="1300" noProof="1" smtClean="0">
-                <a:solidFill>
-                  <a:srgbClr val="8CF4F2"/>
-                </a:solidFill>
-                <a:latin typeface="Consolas" pitchFamily="49" charset="0"/>
-                <a:cs typeface="Consolas" pitchFamily="49" charset="0"/>
-                <a:sym typeface="Wingdings" pitchFamily="2" charset="2"/>
+              <a:t>1</a:t>
+            </a:r>
+            <a:r>
+              <a:rPr lang="en-US" sz="2600" dirty="0" smtClean="0"/>
+              <a:t>px and </a:t>
+            </a:r>
+            <a:r>
+              <a:rPr lang="en-US" sz="2600" dirty="0" smtClean="0">
+                <a:latin typeface="Consolas" panose="020B0609020204030204" pitchFamily="49" charset="0"/>
+                <a:cs typeface="Consolas" panose="020B0609020204030204" pitchFamily="49" charset="0"/>
               </a:rPr>
-              <a:t>document.body.</a:t>
-            </a:r>
-            <a:r>
-              <a:rPr lang="en-US" sz="1300" noProof="1" smtClean="0">
-                <a:solidFill>
-                  <a:schemeClr val="tx1">
-                    <a:lumMod val="20000"/>
-                    <a:lumOff val="80000"/>
-                  </a:schemeClr>
-                </a:solidFill>
-                <a:latin typeface="Consolas" pitchFamily="49" charset="0"/>
-                <a:cs typeface="Consolas" pitchFamily="49" charset="0"/>
-                <a:sym typeface="Wingdings" pitchFamily="2" charset="2"/>
-              </a:rPr>
-              <a:t>appendChild</a:t>
-            </a:r>
-            <a:r>
-              <a:rPr lang="en-US" sz="1300" noProof="1" smtClean="0">
-                <a:solidFill>
-                  <a:srgbClr val="8CF4F2"/>
-                </a:solidFill>
-                <a:latin typeface="Consolas" pitchFamily="49" charset="0"/>
-                <a:cs typeface="Consolas" pitchFamily="49" charset="0"/>
-                <a:sym typeface="Wingdings" pitchFamily="2" charset="2"/>
-              </a:rPr>
-              <a:t>(test);</a:t>
-            </a:r>
-            <a:r>
-              <a:rPr lang="en-US" sz="1400" dirty="0" smtClean="0"/>
-              <a:t> - inserts the element always at the end of the DOM element</a:t>
-            </a:r>
-          </a:p>
-          <a:p>
-            <a:pPr lvl="2"/>
-            <a:r>
-              <a:rPr lang="en-US" sz="1200" dirty="0" err="1" smtClean="0">
-                <a:solidFill>
-                  <a:schemeClr val="accent5">
-                    <a:lumMod val="20000"/>
-                    <a:lumOff val="80000"/>
-                  </a:schemeClr>
-                </a:solidFill>
-              </a:rPr>
-              <a:t>parent.insertBefore</a:t>
-            </a:r>
-            <a:r>
-              <a:rPr lang="en-US" sz="1200" dirty="0" smtClean="0">
-                <a:solidFill>
-                  <a:schemeClr val="accent5">
-                    <a:lumMod val="20000"/>
-                    <a:lumOff val="80000"/>
-                  </a:schemeClr>
-                </a:solidFill>
-              </a:rPr>
-              <a:t>(</a:t>
-            </a:r>
-            <a:r>
-              <a:rPr lang="en-US" sz="1200" dirty="0" err="1" smtClean="0">
-                <a:solidFill>
-                  <a:schemeClr val="accent5">
-                    <a:lumMod val="20000"/>
-                    <a:lumOff val="80000"/>
-                  </a:schemeClr>
-                </a:solidFill>
-              </a:rPr>
-              <a:t>newNode</a:t>
-            </a:r>
-            <a:r>
-              <a:rPr lang="en-US" sz="1200" dirty="0" smtClean="0">
-                <a:solidFill>
-                  <a:schemeClr val="accent5">
-                    <a:lumMod val="20000"/>
-                    <a:lumOff val="80000"/>
-                  </a:schemeClr>
-                </a:solidFill>
-              </a:rPr>
-              <a:t>, </a:t>
-            </a:r>
-            <a:r>
-              <a:rPr lang="en-US" sz="1200" dirty="0" err="1" smtClean="0">
-                <a:solidFill>
-                  <a:schemeClr val="accent5">
-                    <a:lumMod val="20000"/>
-                    <a:lumOff val="80000"/>
-                  </a:schemeClr>
-                </a:solidFill>
-              </a:rPr>
-              <a:t>specificElement</a:t>
-            </a:r>
-            <a:r>
-              <a:rPr lang="en-US" sz="1200" dirty="0" smtClean="0">
-                <a:solidFill>
-                  <a:schemeClr val="accent5">
-                    <a:lumMod val="20000"/>
-                    <a:lumOff val="80000"/>
-                  </a:schemeClr>
-                </a:solidFill>
-              </a:rPr>
-              <a:t>)</a:t>
-            </a:r>
-          </a:p>
-          <a:p>
-            <a:pPr lvl="2"/>
-            <a:r>
-              <a:rPr lang="en-US" sz="1200" dirty="0" err="1" smtClean="0">
-                <a:solidFill>
-                  <a:schemeClr val="accent5">
-                    <a:lumMod val="20000"/>
-                    <a:lumOff val="80000"/>
-                  </a:schemeClr>
-                </a:solidFill>
-              </a:rPr>
-              <a:t>parent.insertAfter</a:t>
-            </a:r>
-            <a:r>
-              <a:rPr lang="en-US" sz="1200" dirty="0" smtClean="0">
-                <a:solidFill>
-                  <a:schemeClr val="accent5">
-                    <a:lumMod val="20000"/>
-                    <a:lumOff val="80000"/>
-                  </a:schemeClr>
-                </a:solidFill>
-              </a:rPr>
-              <a:t>(</a:t>
-            </a:r>
-            <a:r>
-              <a:rPr lang="en-US" sz="1200" dirty="0" err="1" smtClean="0">
-                <a:solidFill>
-                  <a:schemeClr val="accent5">
-                    <a:lumMod val="20000"/>
-                    <a:lumOff val="80000"/>
-                  </a:schemeClr>
-                </a:solidFill>
-              </a:rPr>
-              <a:t>newNode</a:t>
-            </a:r>
-            <a:r>
-              <a:rPr lang="en-US" sz="1200" dirty="0" smtClean="0">
-                <a:solidFill>
-                  <a:schemeClr val="accent5">
-                    <a:lumMod val="20000"/>
-                    <a:lumOff val="80000"/>
-                  </a:schemeClr>
-                </a:solidFill>
-              </a:rPr>
-              <a:t>, </a:t>
-            </a:r>
-            <a:r>
-              <a:rPr lang="en-US" sz="1200" dirty="0" err="1" smtClean="0">
-                <a:solidFill>
-                  <a:schemeClr val="accent5">
-                    <a:lumMod val="20000"/>
-                    <a:lumOff val="80000"/>
-                  </a:schemeClr>
-                </a:solidFill>
-              </a:rPr>
-              <a:t>specificElement</a:t>
-            </a:r>
-            <a:r>
-              <a:rPr lang="en-US" sz="1200" dirty="0" smtClean="0">
-                <a:solidFill>
-                  <a:schemeClr val="accent5">
-                    <a:lumMod val="20000"/>
-                    <a:lumOff val="80000"/>
-                  </a:schemeClr>
-                </a:solidFill>
-              </a:rPr>
-              <a:t>)</a:t>
-            </a:r>
-          </a:p>
-          <a:p>
-            <a:pPr lvl="1" eaLnBrk="0" hangingPunct="0">
-              <a:defRPr/>
-            </a:pPr>
-            <a:endParaRPr lang="en-US" sz="1300" noProof="1" smtClean="0">
-              <a:sym typeface="Wingdings" pitchFamily="2" charset="2"/>
-            </a:endParaRPr>
-          </a:p>
-          <a:p>
-            <a:pPr>
+              <a:t>20</a:t>
+            </a:r>
+            <a:r>
+              <a:rPr lang="en-US" sz="2600" dirty="0" smtClean="0"/>
+              <a:t>px</a:t>
+            </a:r>
+            <a:endParaRPr lang="en-US" sz="2600" dirty="0"/>
+          </a:p>
+          <a:p>
+            <a:pPr marL="685800" lvl="1" indent="-280988">
               <a:lnSpc>
                 <a:spcPct val="100000"/>
               </a:lnSpc>
+              <a:tabLst>
+                <a:tab pos="282575" algn="l"/>
+                <a:tab pos="404813" algn="l"/>
+              </a:tabLst>
             </a:pPr>
-            <a:endParaRPr lang="en-US" sz="1700" dirty="0" smtClean="0"/>
+            <a:endParaRPr lang="en-US" sz="2600" dirty="0" smtClean="0"/>
           </a:p>
         </p:txBody>
       </p:sp>
     </p:spTree>
     <p:extLst>
       <p:ext uri="{BB962C8B-B14F-4D97-AF65-F5344CB8AC3E}">
-        <p14:creationId xmlns="" xmlns:p14="http://schemas.microsoft.com/office/powerpoint/2010/main" val="835567282"/>
+        <p14:creationId xmlns:p14="http://schemas.microsoft.com/office/powerpoint/2010/main" xmlns="" val="4077870162"/>
       </p:ext>
     </p:extLst>
   </p:cSld>
@@ -5883,8 +5658,938 @@
 </p:sld>
 </file>
 
-<file path=ppt/slides/slide10.xml><?xml version="1.0" encoding="utf-8"?>
-<p:sld xmlns:a="http://schemas.openxmlformats.org/drawingml/2006/main" xmlns:r="http://schemas.openxmlformats.org/officeDocument/2006/relationships" xmlns:p="http://schemas.openxmlformats.org/presentationml/2006/main">
+<file path=ppt/slides/slide2.xml><?xml version="1.0" encoding="utf-8"?>
+<p:sld xmlns:a="http://schemas.openxmlformats.org/drawingml/2006/main" xmlns:r="http://schemas.openxmlformats.org/officeDocument/2006/relationships" xmlns:p="http://schemas.openxmlformats.org/presentationml/2006/main" showMasterSp="0">
+  <p:cSld>
+    <p:spTree>
+      <p:nvGrpSpPr>
+        <p:cNvPr id="1" name=""/>
+        <p:cNvGrpSpPr/>
+        <p:nvPr/>
+      </p:nvGrpSpPr>
+      <p:grpSpPr>
+        <a:xfrm>
+          <a:off x="0" y="0"/>
+          <a:ext cx="0" cy="0"/>
+          <a:chOff x="0" y="0"/>
+          <a:chExt cx="0" cy="0"/>
+        </a:xfrm>
+      </p:grpSpPr>
+      <p:sp>
+        <p:nvSpPr>
+          <p:cNvPr id="4" name="Title 3"/>
+          <p:cNvSpPr>
+            <a:spLocks noGrp="1"/>
+          </p:cNvSpPr>
+          <p:nvPr>
+            <p:ph type="title"/>
+          </p:nvPr>
+        </p:nvSpPr>
+        <p:spPr/>
+        <p:txBody>
+          <a:bodyPr/>
+          <a:lstStyle/>
+          <a:p>
+            <a:r>
+              <a:rPr lang="en-US" dirty="0" smtClean="0"/>
+              <a:t>Homework (2)</a:t>
+            </a:r>
+            <a:endParaRPr lang="en-US" dirty="0"/>
+          </a:p>
+        </p:txBody>
+      </p:sp>
+      <p:sp>
+        <p:nvSpPr>
+          <p:cNvPr id="5" name="Content Placeholder 4"/>
+          <p:cNvSpPr>
+            <a:spLocks noGrp="1"/>
+          </p:cNvSpPr>
+          <p:nvPr>
+            <p:ph idx="1"/>
+          </p:nvPr>
+        </p:nvSpPr>
+        <p:spPr>
+          <a:xfrm>
+            <a:off x="228600" y="762000"/>
+            <a:ext cx="8686800" cy="5791200"/>
+          </a:xfrm>
+        </p:spPr>
+        <p:txBody>
+          <a:bodyPr/>
+          <a:lstStyle/>
+          <a:p>
+            <a:pPr marL="342900" indent="-285750">
+              <a:lnSpc>
+                <a:spcPct val="100000"/>
+              </a:lnSpc>
+              <a:buFont typeface="+mj-lt"/>
+              <a:buAutoNum type="arabicPeriod" startAt="2"/>
+              <a:tabLst>
+                <a:tab pos="282575" algn="l"/>
+                <a:tab pos="404813" algn="l"/>
+              </a:tabLst>
+            </a:pPr>
+            <a:r>
+              <a:rPr lang="en-US" sz="2800" dirty="0" smtClean="0"/>
+              <a:t>Write a script that creates 5 div elements and moves them in circular path with interval of 100 milliseconds</a:t>
+            </a:r>
+          </a:p>
+          <a:p>
+            <a:pPr marL="342900" indent="-285750">
+              <a:lnSpc>
+                <a:spcPct val="100000"/>
+              </a:lnSpc>
+              <a:buFont typeface="+mj-lt"/>
+              <a:buAutoNum type="arabicPeriod" startAt="2"/>
+              <a:tabLst>
+                <a:tab pos="282575" algn="l"/>
+                <a:tab pos="404813" algn="l"/>
+              </a:tabLst>
+            </a:pPr>
+            <a:r>
+              <a:rPr lang="en-US" sz="2800" dirty="0" smtClean="0"/>
+              <a:t>Create a text area and two inputs with type="color"</a:t>
+            </a:r>
+          </a:p>
+          <a:p>
+            <a:pPr marL="685800" lvl="1" indent="-280988">
+              <a:lnSpc>
+                <a:spcPct val="100000"/>
+              </a:lnSpc>
+              <a:tabLst>
+                <a:tab pos="282575" algn="l"/>
+                <a:tab pos="404813" algn="l"/>
+              </a:tabLst>
+            </a:pPr>
+            <a:r>
+              <a:rPr lang="en-US" sz="2600" dirty="0" smtClean="0">
+                <a:solidFill>
+                  <a:srgbClr val="CCFF66">
+                    <a:lumMod val="40000"/>
+                    <a:lumOff val="60000"/>
+                  </a:srgbClr>
+                </a:solidFill>
+              </a:rPr>
+              <a:t>Make the font color of the text area as the value of the first color input</a:t>
+            </a:r>
+          </a:p>
+          <a:p>
+            <a:pPr marL="685800" lvl="1" indent="-280988">
+              <a:lnSpc>
+                <a:spcPct val="100000"/>
+              </a:lnSpc>
+              <a:tabLst>
+                <a:tab pos="282575" algn="l"/>
+                <a:tab pos="404813" algn="l"/>
+              </a:tabLst>
+            </a:pPr>
+            <a:r>
+              <a:rPr lang="en-US" sz="2600" dirty="0" smtClean="0">
+                <a:solidFill>
+                  <a:srgbClr val="CCFF66">
+                    <a:lumMod val="40000"/>
+                    <a:lumOff val="60000"/>
+                  </a:srgbClr>
+                </a:solidFill>
+              </a:rPr>
+              <a:t>Make the background color of the text area as the value of the second input</a:t>
+            </a:r>
+            <a:endParaRPr lang="en-US" sz="2600" dirty="0" smtClean="0"/>
+          </a:p>
+        </p:txBody>
+      </p:sp>
+    </p:spTree>
+    <p:extLst>
+      <p:ext uri="{BB962C8B-B14F-4D97-AF65-F5344CB8AC3E}">
+        <p14:creationId xmlns:p14="http://schemas.microsoft.com/office/powerpoint/2010/main" xmlns="" val="1056160077"/>
+      </p:ext>
+    </p:extLst>
+  </p:cSld>
+  <p:clrMapOvr>
+    <a:masterClrMapping/>
+  </p:clrMapOvr>
+  <p:timing>
+    <p:tnLst>
+      <p:par>
+        <p:cTn id="1" dur="indefinite" restart="never" nodeType="tmRoot"/>
+      </p:par>
+    </p:tnLst>
+  </p:timing>
+</p:sld>
+</file>
+
+<file path=ppt/slides/slide3.xml><?xml version="1.0" encoding="utf-8"?>
+<p:sld xmlns:a="http://schemas.openxmlformats.org/drawingml/2006/main" xmlns:r="http://schemas.openxmlformats.org/officeDocument/2006/relationships" xmlns:p="http://schemas.openxmlformats.org/presentationml/2006/main" showMasterSp="0">
+  <p:cSld>
+    <p:spTree>
+      <p:nvGrpSpPr>
+        <p:cNvPr id="1" name=""/>
+        <p:cNvGrpSpPr/>
+        <p:nvPr/>
+      </p:nvGrpSpPr>
+      <p:grpSpPr>
+        <a:xfrm>
+          <a:off x="0" y="0"/>
+          <a:ext cx="0" cy="0"/>
+          <a:chOff x="0" y="0"/>
+          <a:chExt cx="0" cy="0"/>
+        </a:xfrm>
+      </p:grpSpPr>
+      <p:sp>
+        <p:nvSpPr>
+          <p:cNvPr id="4" name="Title 3"/>
+          <p:cNvSpPr>
+            <a:spLocks noGrp="1"/>
+          </p:cNvSpPr>
+          <p:nvPr>
+            <p:ph type="title"/>
+          </p:nvPr>
+        </p:nvSpPr>
+        <p:spPr/>
+        <p:txBody>
+          <a:bodyPr/>
+          <a:lstStyle/>
+          <a:p>
+            <a:r>
+              <a:rPr lang="en-US" dirty="0" smtClean="0"/>
+              <a:t>Homework (3)</a:t>
+            </a:r>
+            <a:endParaRPr lang="en-US" dirty="0"/>
+          </a:p>
+        </p:txBody>
+      </p:sp>
+      <p:sp>
+        <p:nvSpPr>
+          <p:cNvPr id="5" name="Content Placeholder 4"/>
+          <p:cNvSpPr>
+            <a:spLocks noGrp="1"/>
+          </p:cNvSpPr>
+          <p:nvPr>
+            <p:ph idx="1"/>
+          </p:nvPr>
+        </p:nvSpPr>
+        <p:spPr>
+          <a:xfrm>
+            <a:off x="228600" y="762000"/>
+            <a:ext cx="8686800" cy="5791200"/>
+          </a:xfrm>
+        </p:spPr>
+        <p:txBody>
+          <a:bodyPr/>
+          <a:lstStyle/>
+          <a:p>
+            <a:pPr marL="400050" indent="-342900">
+              <a:lnSpc>
+                <a:spcPct val="100000"/>
+              </a:lnSpc>
+              <a:buFont typeface="+mj-lt"/>
+              <a:buAutoNum type="arabicPeriod" startAt="4"/>
+              <a:tabLst>
+                <a:tab pos="282575" algn="l"/>
+                <a:tab pos="404813" algn="l"/>
+              </a:tabLst>
+            </a:pPr>
+            <a:r>
+              <a:rPr lang="en-US" sz="2800" dirty="0" smtClean="0"/>
+              <a:t>Create a tag cloud:</a:t>
+            </a:r>
+          </a:p>
+          <a:p>
+            <a:pPr marL="685800" lvl="1" indent="-280988">
+              <a:lnSpc>
+                <a:spcPct val="100000"/>
+              </a:lnSpc>
+              <a:tabLst>
+                <a:tab pos="282575" algn="l"/>
+                <a:tab pos="404813" algn="l"/>
+              </a:tabLst>
+            </a:pPr>
+            <a:r>
+              <a:rPr lang="en-US" sz="2600" dirty="0" smtClean="0">
+                <a:solidFill>
+                  <a:srgbClr val="CCFF66">
+                    <a:lumMod val="40000"/>
+                    <a:lumOff val="60000"/>
+                  </a:srgbClr>
+                </a:solidFill>
+              </a:rPr>
+              <a:t>Visualize a string of tags (strings) in a given container</a:t>
+            </a:r>
+          </a:p>
+          <a:p>
+            <a:pPr marL="685800" lvl="1" indent="-280988">
+              <a:lnSpc>
+                <a:spcPct val="100000"/>
+              </a:lnSpc>
+              <a:tabLst>
+                <a:tab pos="282575" algn="l"/>
+                <a:tab pos="404813" algn="l"/>
+              </a:tabLst>
+            </a:pPr>
+            <a:r>
+              <a:rPr lang="en-US" sz="2600" dirty="0" smtClean="0">
+                <a:solidFill>
+                  <a:srgbClr val="CCFF66">
+                    <a:lumMod val="40000"/>
+                    <a:lumOff val="60000"/>
+                  </a:srgbClr>
+                </a:solidFill>
+              </a:rPr>
+              <a:t>By given </a:t>
+            </a:r>
+            <a:r>
+              <a:rPr lang="en-US" sz="2600" dirty="0" err="1" smtClean="0">
+                <a:solidFill>
+                  <a:srgbClr val="CCFF66">
+                    <a:lumMod val="40000"/>
+                    <a:lumOff val="60000"/>
+                  </a:srgbClr>
+                </a:solidFill>
+              </a:rPr>
+              <a:t>minFontSize</a:t>
+            </a:r>
+            <a:r>
+              <a:rPr lang="en-US" sz="2600" dirty="0" smtClean="0">
+                <a:solidFill>
+                  <a:srgbClr val="CCFF66">
+                    <a:lumMod val="40000"/>
+                    <a:lumOff val="60000"/>
+                  </a:srgbClr>
+                </a:solidFill>
+              </a:rPr>
+              <a:t> and </a:t>
+            </a:r>
+            <a:r>
+              <a:rPr lang="en-US" sz="2600" dirty="0" err="1" smtClean="0">
+                <a:solidFill>
+                  <a:srgbClr val="CCFF66">
+                    <a:lumMod val="40000"/>
+                    <a:lumOff val="60000"/>
+                  </a:srgbClr>
+                </a:solidFill>
+              </a:rPr>
+              <a:t>maxFontSize</a:t>
+            </a:r>
+            <a:r>
+              <a:rPr lang="en-US" sz="2600" dirty="0" smtClean="0">
+                <a:solidFill>
+                  <a:srgbClr val="CCFF66">
+                    <a:lumMod val="40000"/>
+                    <a:lumOff val="60000"/>
+                  </a:srgbClr>
+                </a:solidFill>
+              </a:rPr>
+              <a:t>, generate the tags with different font-size, depending on the number of occurrences</a:t>
+            </a:r>
+          </a:p>
+        </p:txBody>
+      </p:sp>
+      <p:sp>
+        <p:nvSpPr>
+          <p:cNvPr id="6" name="Rectangle 5"/>
+          <p:cNvSpPr>
+            <a:spLocks noChangeArrowheads="1"/>
+          </p:cNvSpPr>
+          <p:nvPr/>
+        </p:nvSpPr>
+        <p:spPr bwMode="auto">
+          <a:xfrm>
+            <a:off x="603250" y="3429000"/>
+            <a:ext cx="7931150" cy="2862322"/>
+          </a:xfrm>
+          <a:prstGeom prst="rect">
+            <a:avLst/>
+          </a:prstGeom>
+          <a:solidFill>
+            <a:schemeClr val="accent5">
+              <a:lumMod val="40000"/>
+              <a:lumOff val="60000"/>
+              <a:alpha val="15000"/>
+            </a:schemeClr>
+          </a:solidFill>
+          <a:ln w="12700">
+            <a:solidFill>
+              <a:schemeClr val="accent5">
+                <a:lumMod val="60000"/>
+                <a:lumOff val="40000"/>
+              </a:schemeClr>
+            </a:solidFill>
+          </a:ln>
+        </p:spPr>
+        <p:txBody>
+          <a:bodyPr wrap="square">
+            <a:spAutoFit/>
+          </a:bodyPr>
+          <a:lstStyle/>
+          <a:p>
+            <a:pPr eaLnBrk="0" hangingPunct="0">
+              <a:buClr>
+                <a:schemeClr val="accent5">
+                  <a:lumMod val="40000"/>
+                  <a:lumOff val="60000"/>
+                </a:schemeClr>
+              </a:buClr>
+              <a:buSzPct val="70000"/>
+              <a:defRPr/>
+            </a:pPr>
+            <a:r>
+              <a:rPr lang="en-US" sz="2000" b="1" noProof="1">
+                <a:solidFill>
+                  <a:srgbClr val="8CF4F2"/>
+                </a:solidFill>
+                <a:effectLst>
+                  <a:outerShdw blurRad="38100" dist="38100" dir="2700000" algn="tl">
+                    <a:srgbClr val="000000">
+                      <a:alpha val="43137"/>
+                    </a:srgbClr>
+                  </a:outerShdw>
+                </a:effectLst>
+                <a:latin typeface="Consolas" pitchFamily="49" charset="0"/>
+                <a:cs typeface="Consolas" pitchFamily="49" charset="0"/>
+                <a:sym typeface="Wingdings" pitchFamily="2" charset="2"/>
+              </a:rPr>
+              <a:t>var </a:t>
+            </a:r>
+            <a:r>
+              <a:rPr lang="en-US" sz="2000" b="1" noProof="1" smtClean="0">
+                <a:solidFill>
+                  <a:srgbClr val="8CF4F2"/>
+                </a:solidFill>
+                <a:effectLst>
+                  <a:outerShdw blurRad="38100" dist="38100" dir="2700000" algn="tl">
+                    <a:srgbClr val="000000">
+                      <a:alpha val="43137"/>
+                    </a:srgbClr>
+                  </a:outerShdw>
+                </a:effectLst>
+                <a:latin typeface="Consolas" pitchFamily="49" charset="0"/>
+                <a:cs typeface="Consolas" pitchFamily="49" charset="0"/>
+                <a:sym typeface="Wingdings" pitchFamily="2" charset="2"/>
+              </a:rPr>
+              <a:t>tags </a:t>
+            </a:r>
+            <a:r>
+              <a:rPr lang="en-US" sz="2000" b="1" noProof="1">
+                <a:solidFill>
+                  <a:srgbClr val="8CF4F2"/>
+                </a:solidFill>
+                <a:effectLst>
+                  <a:outerShdw blurRad="38100" dist="38100" dir="2700000" algn="tl">
+                    <a:srgbClr val="000000">
+                      <a:alpha val="43137"/>
+                    </a:srgbClr>
+                  </a:outerShdw>
+                </a:effectLst>
+                <a:latin typeface="Consolas" pitchFamily="49" charset="0"/>
+                <a:cs typeface="Consolas" pitchFamily="49" charset="0"/>
+                <a:sym typeface="Wingdings" pitchFamily="2" charset="2"/>
+              </a:rPr>
+              <a:t>= ["cms", "javascript", "js", </a:t>
+            </a:r>
+            <a:r>
+              <a:rPr lang="en-US" sz="2000" b="1" noProof="1" smtClean="0">
+                <a:solidFill>
+                  <a:srgbClr val="8CF4F2"/>
+                </a:solidFill>
+                <a:effectLst>
+                  <a:outerShdw blurRad="38100" dist="38100" dir="2700000" algn="tl">
+                    <a:srgbClr val="000000">
+                      <a:alpha val="43137"/>
+                    </a:srgbClr>
+                  </a:outerShdw>
+                </a:effectLst>
+                <a:latin typeface="Consolas" pitchFamily="49" charset="0"/>
+                <a:cs typeface="Consolas" pitchFamily="49" charset="0"/>
+                <a:sym typeface="Wingdings" pitchFamily="2" charset="2"/>
+              </a:rPr>
+              <a:t/>
+            </a:r>
+            <a:br>
+              <a:rPr lang="en-US" sz="2000" b="1" noProof="1" smtClean="0">
+                <a:solidFill>
+                  <a:srgbClr val="8CF4F2"/>
+                </a:solidFill>
+                <a:effectLst>
+                  <a:outerShdw blurRad="38100" dist="38100" dir="2700000" algn="tl">
+                    <a:srgbClr val="000000">
+                      <a:alpha val="43137"/>
+                    </a:srgbClr>
+                  </a:outerShdw>
+                </a:effectLst>
+                <a:latin typeface="Consolas" pitchFamily="49" charset="0"/>
+                <a:cs typeface="Consolas" pitchFamily="49" charset="0"/>
+                <a:sym typeface="Wingdings" pitchFamily="2" charset="2"/>
+              </a:rPr>
+            </a:br>
+            <a:r>
+              <a:rPr lang="en-US" sz="2000" b="1" noProof="1" smtClean="0">
+                <a:solidFill>
+                  <a:srgbClr val="8CF4F2"/>
+                </a:solidFill>
+                <a:effectLst>
+                  <a:outerShdw blurRad="38100" dist="38100" dir="2700000" algn="tl">
+                    <a:srgbClr val="000000">
+                      <a:alpha val="43137"/>
+                    </a:srgbClr>
+                  </a:outerShdw>
+                </a:effectLst>
+                <a:latin typeface="Consolas" pitchFamily="49" charset="0"/>
+                <a:cs typeface="Consolas" pitchFamily="49" charset="0"/>
+                <a:sym typeface="Wingdings" pitchFamily="2" charset="2"/>
+              </a:rPr>
+              <a:t>"</a:t>
+            </a:r>
+            <a:r>
+              <a:rPr lang="en-US" sz="2000" b="1" noProof="1">
+                <a:solidFill>
+                  <a:srgbClr val="8CF4F2"/>
+                </a:solidFill>
+                <a:effectLst>
+                  <a:outerShdw blurRad="38100" dist="38100" dir="2700000" algn="tl">
+                    <a:srgbClr val="000000">
+                      <a:alpha val="43137"/>
+                    </a:srgbClr>
+                  </a:outerShdw>
+                </a:effectLst>
+                <a:latin typeface="Consolas" pitchFamily="49" charset="0"/>
+                <a:cs typeface="Consolas" pitchFamily="49" charset="0"/>
+                <a:sym typeface="Wingdings" pitchFamily="2" charset="2"/>
+              </a:rPr>
+              <a:t>ASP.NET MVC", ".net", ".net", "css", </a:t>
+            </a:r>
+            <a:r>
+              <a:rPr lang="en-US" sz="2000" b="1" noProof="1" smtClean="0">
+                <a:solidFill>
+                  <a:srgbClr val="8CF4F2"/>
+                </a:solidFill>
+                <a:effectLst>
+                  <a:outerShdw blurRad="38100" dist="38100" dir="2700000" algn="tl">
+                    <a:srgbClr val="000000">
+                      <a:alpha val="43137"/>
+                    </a:srgbClr>
+                  </a:outerShdw>
+                </a:effectLst>
+                <a:latin typeface="Consolas" pitchFamily="49" charset="0"/>
+                <a:cs typeface="Consolas" pitchFamily="49" charset="0"/>
+                <a:sym typeface="Wingdings" pitchFamily="2" charset="2"/>
+              </a:rPr>
+              <a:t/>
+            </a:r>
+            <a:br>
+              <a:rPr lang="en-US" sz="2000" b="1" noProof="1" smtClean="0">
+                <a:solidFill>
+                  <a:srgbClr val="8CF4F2"/>
+                </a:solidFill>
+                <a:effectLst>
+                  <a:outerShdw blurRad="38100" dist="38100" dir="2700000" algn="tl">
+                    <a:srgbClr val="000000">
+                      <a:alpha val="43137"/>
+                    </a:srgbClr>
+                  </a:outerShdw>
+                </a:effectLst>
+                <a:latin typeface="Consolas" pitchFamily="49" charset="0"/>
+                <a:cs typeface="Consolas" pitchFamily="49" charset="0"/>
+                <a:sym typeface="Wingdings" pitchFamily="2" charset="2"/>
+              </a:rPr>
+            </a:br>
+            <a:r>
+              <a:rPr lang="en-US" sz="2000" b="1" noProof="1" smtClean="0">
+                <a:solidFill>
+                  <a:srgbClr val="8CF4F2"/>
+                </a:solidFill>
+                <a:effectLst>
+                  <a:outerShdw blurRad="38100" dist="38100" dir="2700000" algn="tl">
+                    <a:srgbClr val="000000">
+                      <a:alpha val="43137"/>
+                    </a:srgbClr>
+                  </a:outerShdw>
+                </a:effectLst>
+                <a:latin typeface="Consolas" pitchFamily="49" charset="0"/>
+                <a:cs typeface="Consolas" pitchFamily="49" charset="0"/>
+                <a:sym typeface="Wingdings" pitchFamily="2" charset="2"/>
+              </a:rPr>
+              <a:t>"</a:t>
+            </a:r>
+            <a:r>
+              <a:rPr lang="en-US" sz="2000" b="1" noProof="1">
+                <a:solidFill>
+                  <a:srgbClr val="8CF4F2"/>
+                </a:solidFill>
+                <a:effectLst>
+                  <a:outerShdw blurRad="38100" dist="38100" dir="2700000" algn="tl">
+                    <a:srgbClr val="000000">
+                      <a:alpha val="43137"/>
+                    </a:srgbClr>
+                  </a:outerShdw>
+                </a:effectLst>
+                <a:latin typeface="Consolas" pitchFamily="49" charset="0"/>
+                <a:cs typeface="Consolas" pitchFamily="49" charset="0"/>
+                <a:sym typeface="Wingdings" pitchFamily="2" charset="2"/>
+              </a:rPr>
+              <a:t>wordpress", "xaml", "js", "http", "web", </a:t>
+            </a:r>
+            <a:r>
+              <a:rPr lang="en-US" sz="2000" b="1" noProof="1" smtClean="0">
+                <a:solidFill>
+                  <a:srgbClr val="8CF4F2"/>
+                </a:solidFill>
+                <a:effectLst>
+                  <a:outerShdw blurRad="38100" dist="38100" dir="2700000" algn="tl">
+                    <a:srgbClr val="000000">
+                      <a:alpha val="43137"/>
+                    </a:srgbClr>
+                  </a:outerShdw>
+                </a:effectLst>
+                <a:latin typeface="Consolas" pitchFamily="49" charset="0"/>
+                <a:cs typeface="Consolas" pitchFamily="49" charset="0"/>
+                <a:sym typeface="Wingdings" pitchFamily="2" charset="2"/>
+              </a:rPr>
+              <a:t/>
+            </a:r>
+            <a:br>
+              <a:rPr lang="en-US" sz="2000" b="1" noProof="1" smtClean="0">
+                <a:solidFill>
+                  <a:srgbClr val="8CF4F2"/>
+                </a:solidFill>
+                <a:effectLst>
+                  <a:outerShdw blurRad="38100" dist="38100" dir="2700000" algn="tl">
+                    <a:srgbClr val="000000">
+                      <a:alpha val="43137"/>
+                    </a:srgbClr>
+                  </a:outerShdw>
+                </a:effectLst>
+                <a:latin typeface="Consolas" pitchFamily="49" charset="0"/>
+                <a:cs typeface="Consolas" pitchFamily="49" charset="0"/>
+                <a:sym typeface="Wingdings" pitchFamily="2" charset="2"/>
+              </a:rPr>
+            </a:br>
+            <a:r>
+              <a:rPr lang="en-US" sz="2000" b="1" noProof="1" smtClean="0">
+                <a:solidFill>
+                  <a:srgbClr val="8CF4F2"/>
+                </a:solidFill>
+                <a:effectLst>
+                  <a:outerShdw blurRad="38100" dist="38100" dir="2700000" algn="tl">
+                    <a:srgbClr val="000000">
+                      <a:alpha val="43137"/>
+                    </a:srgbClr>
+                  </a:outerShdw>
+                </a:effectLst>
+                <a:latin typeface="Consolas" pitchFamily="49" charset="0"/>
+                <a:cs typeface="Consolas" pitchFamily="49" charset="0"/>
+                <a:sym typeface="Wingdings" pitchFamily="2" charset="2"/>
+              </a:rPr>
+              <a:t>"</a:t>
+            </a:r>
+            <a:r>
+              <a:rPr lang="en-US" sz="2000" b="1" noProof="1">
+                <a:solidFill>
+                  <a:srgbClr val="8CF4F2"/>
+                </a:solidFill>
+                <a:effectLst>
+                  <a:outerShdw blurRad="38100" dist="38100" dir="2700000" algn="tl">
+                    <a:srgbClr val="000000">
+                      <a:alpha val="43137"/>
+                    </a:srgbClr>
+                  </a:outerShdw>
+                </a:effectLst>
+                <a:latin typeface="Consolas" pitchFamily="49" charset="0"/>
+                <a:cs typeface="Consolas" pitchFamily="49" charset="0"/>
+                <a:sym typeface="Wingdings" pitchFamily="2" charset="2"/>
+              </a:rPr>
+              <a:t>asp.net", "asp.net MVC", "ASP.NET MVC", </a:t>
+            </a:r>
+            <a:r>
+              <a:rPr lang="en-US" sz="2000" b="1" noProof="1" smtClean="0">
+                <a:solidFill>
+                  <a:srgbClr val="8CF4F2"/>
+                </a:solidFill>
+                <a:effectLst>
+                  <a:outerShdw blurRad="38100" dist="38100" dir="2700000" algn="tl">
+                    <a:srgbClr val="000000">
+                      <a:alpha val="43137"/>
+                    </a:srgbClr>
+                  </a:outerShdw>
+                </a:effectLst>
+                <a:latin typeface="Consolas" pitchFamily="49" charset="0"/>
+                <a:cs typeface="Consolas" pitchFamily="49" charset="0"/>
+                <a:sym typeface="Wingdings" pitchFamily="2" charset="2"/>
+              </a:rPr>
+              <a:t/>
+            </a:r>
+            <a:br>
+              <a:rPr lang="en-US" sz="2000" b="1" noProof="1" smtClean="0">
+                <a:solidFill>
+                  <a:srgbClr val="8CF4F2"/>
+                </a:solidFill>
+                <a:effectLst>
+                  <a:outerShdw blurRad="38100" dist="38100" dir="2700000" algn="tl">
+                    <a:srgbClr val="000000">
+                      <a:alpha val="43137"/>
+                    </a:srgbClr>
+                  </a:outerShdw>
+                </a:effectLst>
+                <a:latin typeface="Consolas" pitchFamily="49" charset="0"/>
+                <a:cs typeface="Consolas" pitchFamily="49" charset="0"/>
+                <a:sym typeface="Wingdings" pitchFamily="2" charset="2"/>
+              </a:rPr>
+            </a:br>
+            <a:r>
+              <a:rPr lang="en-US" sz="2000" b="1" noProof="1" smtClean="0">
+                <a:solidFill>
+                  <a:srgbClr val="8CF4F2"/>
+                </a:solidFill>
+                <a:effectLst>
+                  <a:outerShdw blurRad="38100" dist="38100" dir="2700000" algn="tl">
+                    <a:srgbClr val="000000">
+                      <a:alpha val="43137"/>
+                    </a:srgbClr>
+                  </a:outerShdw>
+                </a:effectLst>
+                <a:latin typeface="Consolas" pitchFamily="49" charset="0"/>
+                <a:cs typeface="Consolas" pitchFamily="49" charset="0"/>
+                <a:sym typeface="Wingdings" pitchFamily="2" charset="2"/>
+              </a:rPr>
+              <a:t>"</a:t>
+            </a:r>
+            <a:r>
+              <a:rPr lang="en-US" sz="2000" b="1" noProof="1">
+                <a:solidFill>
+                  <a:srgbClr val="8CF4F2"/>
+                </a:solidFill>
+                <a:effectLst>
+                  <a:outerShdw blurRad="38100" dist="38100" dir="2700000" algn="tl">
+                    <a:srgbClr val="000000">
+                      <a:alpha val="43137"/>
+                    </a:srgbClr>
+                  </a:outerShdw>
+                </a:effectLst>
+                <a:latin typeface="Consolas" pitchFamily="49" charset="0"/>
+                <a:cs typeface="Consolas" pitchFamily="49" charset="0"/>
+                <a:sym typeface="Wingdings" pitchFamily="2" charset="2"/>
+              </a:rPr>
+              <a:t>wp", "javascript", "js", "cms", "html", </a:t>
+            </a:r>
+            <a:r>
+              <a:rPr lang="en-US" sz="2000" b="1" noProof="1" smtClean="0">
+                <a:solidFill>
+                  <a:srgbClr val="8CF4F2"/>
+                </a:solidFill>
+                <a:effectLst>
+                  <a:outerShdw blurRad="38100" dist="38100" dir="2700000" algn="tl">
+                    <a:srgbClr val="000000">
+                      <a:alpha val="43137"/>
+                    </a:srgbClr>
+                  </a:outerShdw>
+                </a:effectLst>
+                <a:latin typeface="Consolas" pitchFamily="49" charset="0"/>
+                <a:cs typeface="Consolas" pitchFamily="49" charset="0"/>
+                <a:sym typeface="Wingdings" pitchFamily="2" charset="2"/>
+              </a:rPr>
+              <a:t/>
+            </a:r>
+            <a:br>
+              <a:rPr lang="en-US" sz="2000" b="1" noProof="1" smtClean="0">
+                <a:solidFill>
+                  <a:srgbClr val="8CF4F2"/>
+                </a:solidFill>
+                <a:effectLst>
+                  <a:outerShdw blurRad="38100" dist="38100" dir="2700000" algn="tl">
+                    <a:srgbClr val="000000">
+                      <a:alpha val="43137"/>
+                    </a:srgbClr>
+                  </a:outerShdw>
+                </a:effectLst>
+                <a:latin typeface="Consolas" pitchFamily="49" charset="0"/>
+                <a:cs typeface="Consolas" pitchFamily="49" charset="0"/>
+                <a:sym typeface="Wingdings" pitchFamily="2" charset="2"/>
+              </a:rPr>
+            </a:br>
+            <a:r>
+              <a:rPr lang="en-US" sz="2000" b="1" noProof="1" smtClean="0">
+                <a:solidFill>
+                  <a:srgbClr val="8CF4F2"/>
+                </a:solidFill>
+                <a:effectLst>
+                  <a:outerShdw blurRad="38100" dist="38100" dir="2700000" algn="tl">
+                    <a:srgbClr val="000000">
+                      <a:alpha val="43137"/>
+                    </a:srgbClr>
+                  </a:outerShdw>
+                </a:effectLst>
+                <a:latin typeface="Consolas" pitchFamily="49" charset="0"/>
+                <a:cs typeface="Consolas" pitchFamily="49" charset="0"/>
+                <a:sym typeface="Wingdings" pitchFamily="2" charset="2"/>
+              </a:rPr>
+              <a:t>"</a:t>
+            </a:r>
+            <a:r>
+              <a:rPr lang="en-US" sz="2000" b="1" noProof="1">
+                <a:solidFill>
+                  <a:srgbClr val="8CF4F2"/>
+                </a:solidFill>
+                <a:effectLst>
+                  <a:outerShdw blurRad="38100" dist="38100" dir="2700000" algn="tl">
+                    <a:srgbClr val="000000">
+                      <a:alpha val="43137"/>
+                    </a:srgbClr>
+                  </a:outerShdw>
+                </a:effectLst>
+                <a:latin typeface="Consolas" pitchFamily="49" charset="0"/>
+                <a:cs typeface="Consolas" pitchFamily="49" charset="0"/>
+                <a:sym typeface="Wingdings" pitchFamily="2" charset="2"/>
+              </a:rPr>
+              <a:t>javascript", "http", "http", "CMS"]</a:t>
+            </a:r>
+          </a:p>
+          <a:p>
+            <a:pPr eaLnBrk="0" hangingPunct="0">
+              <a:buClr>
+                <a:schemeClr val="accent5">
+                  <a:lumMod val="40000"/>
+                  <a:lumOff val="60000"/>
+                </a:schemeClr>
+              </a:buClr>
+              <a:buSzPct val="70000"/>
+              <a:defRPr/>
+            </a:pPr>
+            <a:endParaRPr lang="en-US" sz="2000" b="1" noProof="1" smtClean="0">
+              <a:solidFill>
+                <a:srgbClr val="8CF4F2"/>
+              </a:solidFill>
+              <a:effectLst>
+                <a:outerShdw blurRad="38100" dist="38100" dir="2700000" algn="tl">
+                  <a:srgbClr val="000000">
+                    <a:alpha val="43137"/>
+                  </a:srgbClr>
+                </a:outerShdw>
+              </a:effectLst>
+              <a:latin typeface="Consolas" pitchFamily="49" charset="0"/>
+              <a:cs typeface="Consolas" pitchFamily="49" charset="0"/>
+              <a:sym typeface="Wingdings" pitchFamily="2" charset="2"/>
+            </a:endParaRPr>
+          </a:p>
+          <a:p>
+            <a:pPr eaLnBrk="0" hangingPunct="0">
+              <a:buClr>
+                <a:schemeClr val="accent5">
+                  <a:lumMod val="40000"/>
+                  <a:lumOff val="60000"/>
+                </a:schemeClr>
+              </a:buClr>
+              <a:buSzPct val="70000"/>
+              <a:defRPr/>
+            </a:pPr>
+            <a:r>
+              <a:rPr lang="en-US" sz="2000" b="1" noProof="1" smtClean="0">
+                <a:solidFill>
+                  <a:srgbClr val="8CF4F2"/>
+                </a:solidFill>
+                <a:effectLst>
+                  <a:outerShdw blurRad="38100" dist="38100" dir="2700000" algn="tl">
+                    <a:srgbClr val="000000">
+                      <a:alpha val="43137"/>
+                    </a:srgbClr>
+                  </a:outerShdw>
+                </a:effectLst>
+                <a:latin typeface="Consolas" pitchFamily="49" charset="0"/>
+                <a:cs typeface="Consolas" pitchFamily="49" charset="0"/>
+                <a:sym typeface="Wingdings" pitchFamily="2" charset="2"/>
+              </a:rPr>
+              <a:t>var tagCloud = generateTagCloud(tags,17,42);</a:t>
+            </a:r>
+          </a:p>
+          <a:p>
+            <a:pPr eaLnBrk="0" hangingPunct="0">
+              <a:buClr>
+                <a:schemeClr val="accent5">
+                  <a:lumMod val="40000"/>
+                  <a:lumOff val="60000"/>
+                </a:schemeClr>
+              </a:buClr>
+              <a:buSzPct val="70000"/>
+              <a:defRPr/>
+            </a:pPr>
+            <a:endParaRPr lang="en-US" sz="2000" b="1" noProof="1" smtClean="0">
+              <a:solidFill>
+                <a:srgbClr val="8CF4F2"/>
+              </a:solidFill>
+              <a:effectLst>
+                <a:outerShdw blurRad="38100" dist="38100" dir="2700000" algn="tl">
+                  <a:srgbClr val="000000">
+                    <a:alpha val="43137"/>
+                  </a:srgbClr>
+                </a:outerShdw>
+              </a:effectLst>
+              <a:latin typeface="Consolas" pitchFamily="49" charset="0"/>
+              <a:cs typeface="Consolas" pitchFamily="49" charset="0"/>
+              <a:sym typeface="Wingdings" pitchFamily="2" charset="2"/>
+            </a:endParaRPr>
+          </a:p>
+        </p:txBody>
+      </p:sp>
+      <p:pic>
+        <p:nvPicPr>
+          <p:cNvPr id="3" name="Picture 2"/>
+          <p:cNvPicPr>
+            <a:picLocks noChangeAspect="1"/>
+          </p:cNvPicPr>
+          <p:nvPr/>
+        </p:nvPicPr>
+        <p:blipFill>
+          <a:blip r:embed="rId2">
+            <a:extLst>
+              <a:ext uri="{28A0092B-C50C-407E-A947-70E740481C1C}">
+                <a14:useLocalDpi xmlns:a14="http://schemas.microsoft.com/office/drawing/2010/main" xmlns=""/>
+              </a:ext>
+            </a:extLst>
+          </a:blip>
+          <a:stretch>
+            <a:fillRect/>
+          </a:stretch>
+        </p:blipFill>
+        <p:spPr>
+          <a:xfrm>
+            <a:off x="6533110" y="3048000"/>
+            <a:ext cx="2191790" cy="2313556"/>
+          </a:xfrm>
+          <a:prstGeom prst="roundRect">
+            <a:avLst>
+              <a:gd name="adj" fmla="val 1825"/>
+            </a:avLst>
+          </a:prstGeom>
+          <a:ln w="12700">
+            <a:solidFill>
+              <a:schemeClr val="accent5">
+                <a:lumMod val="20000"/>
+                <a:lumOff val="80000"/>
+              </a:schemeClr>
+            </a:solidFill>
+          </a:ln>
+        </p:spPr>
+      </p:pic>
+    </p:spTree>
+    <p:extLst>
+      <p:ext uri="{BB962C8B-B14F-4D97-AF65-F5344CB8AC3E}">
+        <p14:creationId xmlns:p14="http://schemas.microsoft.com/office/powerpoint/2010/main" xmlns="" val="907983291"/>
+      </p:ext>
+    </p:extLst>
+  </p:cSld>
+  <p:clrMapOvr>
+    <a:masterClrMapping/>
+  </p:clrMapOvr>
+  <p:timing>
+    <p:tnLst>
+      <p:par>
+        <p:cTn id="1" dur="indefinite" restart="never" nodeType="tmRoot"/>
+      </p:par>
+    </p:tnLst>
+  </p:timing>
+</p:sld>
+</file>
+
+<file path=ppt/slides/slide4.xml><?xml version="1.0" encoding="utf-8"?>
+<p:sld xmlns:a="http://schemas.openxmlformats.org/drawingml/2006/main" xmlns:r="http://schemas.openxmlformats.org/officeDocument/2006/relationships" xmlns:p="http://schemas.openxmlformats.org/presentationml/2006/main" showMasterSp="0">
   <p:cSld>
     <p:spTree>
       <p:nvGrpSpPr>
@@ -6302,7 +7007,7 @@
           <a:blip r:embed="rId2">
             <a:extLst>
               <a:ext uri="{28A0092B-C50C-407E-A947-70E740481C1C}">
-                <a14:useLocalDpi xmlns="" xmlns:a14="http://schemas.microsoft.com/office/drawing/2010/main"/>
+                <a14:useLocalDpi xmlns:a14="http://schemas.microsoft.com/office/drawing/2010/main" xmlns=""/>
               </a:ext>
             </a:extLst>
           </a:blip>
@@ -6342,7 +7047,7 @@
           <a:blip r:embed="rId3">
             <a:extLst>
               <a:ext uri="{28A0092B-C50C-407E-A947-70E740481C1C}">
-                <a14:useLocalDpi xmlns="" xmlns:a14="http://schemas.microsoft.com/office/drawing/2010/main"/>
+                <a14:useLocalDpi xmlns:a14="http://schemas.microsoft.com/office/drawing/2010/main" xmlns=""/>
               </a:ext>
             </a:extLst>
           </a:blip>
@@ -6382,7 +7087,7 @@
           <a:blip r:embed="rId4">
             <a:extLst>
               <a:ext uri="{28A0092B-C50C-407E-A947-70E740481C1C}">
-                <a14:useLocalDpi xmlns="" xmlns:a14="http://schemas.microsoft.com/office/drawing/2010/main"/>
+                <a14:useLocalDpi xmlns:a14="http://schemas.microsoft.com/office/drawing/2010/main" xmlns=""/>
               </a:ext>
             </a:extLst>
           </a:blip>
@@ -6413,3560 +7118,7 @@
     </p:spTree>
     <p:extLst>
       <p:ext uri="{BB962C8B-B14F-4D97-AF65-F5344CB8AC3E}">
-        <p14:creationId xmlns="" xmlns:p14="http://schemas.microsoft.com/office/powerpoint/2010/main" val="3660661022"/>
-      </p:ext>
-    </p:extLst>
-  </p:cSld>
-  <p:clrMapOvr>
-    <a:masterClrMapping/>
-  </p:clrMapOvr>
-  <p:timing>
-    <p:tnLst>
-      <p:par>
-        <p:cTn id="1" dur="indefinite" restart="never" nodeType="tmRoot"/>
-      </p:par>
-    </p:tnLst>
-  </p:timing>
-</p:sld>
-</file>
-
-<file path=ppt/slides/slide2.xml><?xml version="1.0" encoding="utf-8"?>
-<p:sld xmlns:a="http://schemas.openxmlformats.org/drawingml/2006/main" xmlns:r="http://schemas.openxmlformats.org/officeDocument/2006/relationships" xmlns:p="http://schemas.openxmlformats.org/presentationml/2006/main">
-  <p:cSld>
-    <p:spTree>
-      <p:nvGrpSpPr>
-        <p:cNvPr id="1" name=""/>
-        <p:cNvGrpSpPr/>
-        <p:nvPr/>
-      </p:nvGrpSpPr>
-      <p:grpSpPr>
-        <a:xfrm>
-          <a:off x="0" y="0"/>
-          <a:ext cx="0" cy="0"/>
-          <a:chOff x="0" y="0"/>
-          <a:chExt cx="0" cy="0"/>
-        </a:xfrm>
-      </p:grpSpPr>
-      <p:sp>
-        <p:nvSpPr>
-          <p:cNvPr id="5" name="Content Placeholder 4"/>
-          <p:cNvSpPr>
-            <a:spLocks noGrp="1"/>
-          </p:cNvSpPr>
-          <p:nvPr>
-            <p:ph idx="1"/>
-          </p:nvPr>
-        </p:nvSpPr>
-        <p:spPr>
-          <a:xfrm>
-            <a:off x="228600" y="685800"/>
-            <a:ext cx="8686800" cy="1371600"/>
-          </a:xfrm>
-        </p:spPr>
-        <p:txBody>
-          <a:bodyPr/>
-          <a:lstStyle/>
-          <a:p>
-            <a:r>
-              <a:rPr lang="en-US" sz="1700" dirty="0" smtClean="0"/>
-              <a:t>Elements can be removed from the DOM</a:t>
-            </a:r>
-          </a:p>
-          <a:p>
-            <a:pPr lvl="1"/>
-            <a:r>
-              <a:rPr lang="en-US" sz="1700" dirty="0" smtClean="0"/>
-              <a:t>Using </a:t>
-            </a:r>
-            <a:r>
-              <a:rPr lang="en-US" sz="1700" dirty="0" err="1" smtClean="0">
-                <a:solidFill>
-                  <a:schemeClr val="accent5">
-                    <a:lumMod val="20000"/>
-                    <a:lumOff val="80000"/>
-                  </a:schemeClr>
-                </a:solidFill>
-                <a:latin typeface="Consolas" panose="020B0609020204030204" pitchFamily="49" charset="0"/>
-                <a:cs typeface="Consolas" panose="020B0609020204030204" pitchFamily="49" charset="0"/>
-              </a:rPr>
-              <a:t>element.removeChild</a:t>
-            </a:r>
-            <a:r>
-              <a:rPr lang="en-US" sz="1700" dirty="0" smtClean="0">
-                <a:solidFill>
-                  <a:schemeClr val="accent5">
-                    <a:lumMod val="20000"/>
-                    <a:lumOff val="80000"/>
-                  </a:schemeClr>
-                </a:solidFill>
-                <a:latin typeface="Consolas" panose="020B0609020204030204" pitchFamily="49" charset="0"/>
-                <a:cs typeface="Consolas" panose="020B0609020204030204" pitchFamily="49" charset="0"/>
-              </a:rPr>
-              <a:t>(</a:t>
-            </a:r>
-            <a:r>
-              <a:rPr lang="en-US" sz="1700" dirty="0" err="1" smtClean="0">
-                <a:solidFill>
-                  <a:schemeClr val="accent5">
-                    <a:lumMod val="20000"/>
-                    <a:lumOff val="80000"/>
-                  </a:schemeClr>
-                </a:solidFill>
-                <a:latin typeface="Consolas" panose="020B0609020204030204" pitchFamily="49" charset="0"/>
-                <a:cs typeface="Consolas" panose="020B0609020204030204" pitchFamily="49" charset="0"/>
-              </a:rPr>
-              <a:t>elToRemove</a:t>
-            </a:r>
-            <a:r>
-              <a:rPr lang="en-US" sz="1700" dirty="0" smtClean="0">
-                <a:solidFill>
-                  <a:schemeClr val="accent5">
-                    <a:lumMod val="20000"/>
-                    <a:lumOff val="80000"/>
-                  </a:schemeClr>
-                </a:solidFill>
-                <a:latin typeface="Consolas" panose="020B0609020204030204" pitchFamily="49" charset="0"/>
-                <a:cs typeface="Consolas" panose="020B0609020204030204" pitchFamily="49" charset="0"/>
-              </a:rPr>
-              <a:t>)</a:t>
-            </a:r>
-          </a:p>
-          <a:p>
-            <a:pPr lvl="1"/>
-            <a:r>
-              <a:rPr lang="en-US" sz="1700" dirty="0" smtClean="0"/>
-              <a:t>Pass the element-to-remove to their parent</a:t>
-            </a:r>
-          </a:p>
-        </p:txBody>
-      </p:sp>
-      <p:sp>
-        <p:nvSpPr>
-          <p:cNvPr id="7" name="Rectangle 3"/>
-          <p:cNvSpPr>
-            <a:spLocks noChangeArrowheads="1"/>
-          </p:cNvSpPr>
-          <p:nvPr/>
-        </p:nvSpPr>
-        <p:spPr bwMode="auto">
-          <a:xfrm>
-            <a:off x="228600" y="2057400"/>
-            <a:ext cx="8610600" cy="1477328"/>
-          </a:xfrm>
-          <a:prstGeom prst="rect">
-            <a:avLst/>
-          </a:prstGeom>
-          <a:solidFill>
-            <a:schemeClr val="accent5">
-              <a:lumMod val="40000"/>
-              <a:lumOff val="60000"/>
-              <a:alpha val="15000"/>
-            </a:schemeClr>
-          </a:solidFill>
-          <a:ln w="12700">
-            <a:solidFill>
-              <a:schemeClr val="accent5">
-                <a:lumMod val="60000"/>
-                <a:lumOff val="40000"/>
-              </a:schemeClr>
-            </a:solidFill>
-          </a:ln>
-        </p:spPr>
-        <p:txBody>
-          <a:bodyPr wrap="square">
-            <a:spAutoFit/>
-          </a:bodyPr>
-          <a:lstStyle/>
-          <a:p>
-            <a:pPr eaLnBrk="0" hangingPunct="0">
-              <a:spcBef>
-                <a:spcPts val="900"/>
-              </a:spcBef>
-              <a:buClr>
-                <a:schemeClr val="accent5">
-                  <a:lumMod val="40000"/>
-                  <a:lumOff val="60000"/>
-                </a:schemeClr>
-              </a:buClr>
-              <a:buSzPct val="70000"/>
-              <a:defRPr/>
-            </a:pPr>
-            <a:r>
-              <a:rPr lang="en-US" sz="1500" b="1" noProof="1" smtClean="0">
-                <a:solidFill>
-                  <a:srgbClr val="8CF4F2"/>
-                </a:solidFill>
-                <a:effectLst>
-                  <a:outerShdw blurRad="38100" dist="38100" dir="2700000" algn="tl">
-                    <a:srgbClr val="000000">
-                      <a:alpha val="43137"/>
-                    </a:srgbClr>
-                  </a:outerShdw>
-                </a:effectLst>
-                <a:latin typeface="Consolas" pitchFamily="49" charset="0"/>
-                <a:cs typeface="Consolas" pitchFamily="49" charset="0"/>
-                <a:sym typeface="Wingdings" pitchFamily="2" charset="2"/>
-              </a:rPr>
-              <a:t>var trainers = document.getElementsByTagName("ul")[0];</a:t>
-            </a:r>
-          </a:p>
-          <a:p>
-            <a:pPr eaLnBrk="0" hangingPunct="0">
-              <a:buClr>
-                <a:schemeClr val="accent5">
-                  <a:lumMod val="40000"/>
-                  <a:lumOff val="60000"/>
-                </a:schemeClr>
-              </a:buClr>
-              <a:buSzPct val="70000"/>
-              <a:defRPr/>
-            </a:pPr>
-            <a:r>
-              <a:rPr lang="en-US" sz="1500" b="1" noProof="1" smtClean="0">
-                <a:solidFill>
-                  <a:srgbClr val="8CF4F2"/>
-                </a:solidFill>
-                <a:effectLst>
-                  <a:outerShdw blurRad="38100" dist="38100" dir="2700000" algn="tl">
-                    <a:srgbClr val="000000">
-                      <a:alpha val="43137"/>
-                    </a:srgbClr>
-                  </a:outerShdw>
-                </a:effectLst>
-                <a:latin typeface="Consolas" pitchFamily="49" charset="0"/>
-                <a:cs typeface="Consolas" pitchFamily="49" charset="0"/>
-                <a:sym typeface="Wingdings" pitchFamily="2" charset="2"/>
-              </a:rPr>
-              <a:t>var trainer = trainers.getElementsByTagName("li")[0];</a:t>
-            </a:r>
-          </a:p>
-          <a:p>
-            <a:pPr eaLnBrk="0" hangingPunct="0">
-              <a:buClr>
-                <a:schemeClr val="accent5">
-                  <a:lumMod val="40000"/>
-                  <a:lumOff val="60000"/>
-                </a:schemeClr>
-              </a:buClr>
-              <a:buSzPct val="70000"/>
-              <a:defRPr/>
-            </a:pPr>
-            <a:r>
-              <a:rPr lang="en-US" sz="1500" b="1" noProof="1" smtClean="0">
-                <a:solidFill>
-                  <a:srgbClr val="8CF4F2"/>
-                </a:solidFill>
-                <a:effectLst>
-                  <a:outerShdw blurRad="38100" dist="38100" dir="2700000" algn="tl">
-                    <a:srgbClr val="000000">
-                      <a:alpha val="43137"/>
-                    </a:srgbClr>
-                  </a:outerShdw>
-                </a:effectLst>
-                <a:latin typeface="Consolas" pitchFamily="49" charset="0"/>
-                <a:cs typeface="Consolas" pitchFamily="49" charset="0"/>
-                <a:sym typeface="Wingdings" pitchFamily="2" charset="2"/>
-              </a:rPr>
-              <a:t>trainers.removeChild(trainer);</a:t>
-            </a:r>
-          </a:p>
-          <a:p>
-            <a:pPr eaLnBrk="0" hangingPunct="0">
-              <a:buClr>
-                <a:schemeClr val="accent5">
-                  <a:lumMod val="40000"/>
-                  <a:lumOff val="60000"/>
-                </a:schemeClr>
-              </a:buClr>
-              <a:buSzPct val="70000"/>
-              <a:defRPr/>
-            </a:pPr>
-            <a:endParaRPr lang="en-US" sz="1500" b="1" noProof="1">
-              <a:solidFill>
-                <a:srgbClr val="8CF4F2"/>
-              </a:solidFill>
-              <a:effectLst>
-                <a:outerShdw blurRad="38100" dist="38100" dir="2700000" algn="tl">
-                  <a:srgbClr val="000000">
-                    <a:alpha val="43137"/>
-                  </a:srgbClr>
-                </a:outerShdw>
-              </a:effectLst>
-              <a:latin typeface="Consolas" pitchFamily="49" charset="0"/>
-              <a:cs typeface="Consolas" pitchFamily="49" charset="0"/>
-              <a:sym typeface="Wingdings" pitchFamily="2" charset="2"/>
-            </a:endParaRPr>
-          </a:p>
-          <a:p>
-            <a:pPr eaLnBrk="0" hangingPunct="0">
-              <a:buClr>
-                <a:schemeClr val="accent5">
-                  <a:lumMod val="40000"/>
-                  <a:lumOff val="60000"/>
-                </a:schemeClr>
-              </a:buClr>
-              <a:buSzPct val="70000"/>
-              <a:defRPr/>
-            </a:pPr>
-            <a:r>
-              <a:rPr lang="en-US" sz="1500" b="1" noProof="1" smtClean="0">
-                <a:solidFill>
-                  <a:srgbClr val="8CF4F2"/>
-                </a:solidFill>
-                <a:effectLst>
-                  <a:outerShdw blurRad="38100" dist="38100" dir="2700000" algn="tl">
-                    <a:srgbClr val="000000">
-                      <a:alpha val="43137"/>
-                    </a:srgbClr>
-                  </a:outerShdw>
-                </a:effectLst>
-                <a:latin typeface="Consolas" pitchFamily="49" charset="0"/>
-                <a:cs typeface="Consolas" pitchFamily="49" charset="0"/>
-                <a:sym typeface="Wingdings" pitchFamily="2" charset="2"/>
-              </a:rPr>
-              <a:t>//remove a selected element</a:t>
-            </a:r>
-          </a:p>
-          <a:p>
-            <a:pPr eaLnBrk="0" hangingPunct="0">
-              <a:buClr>
-                <a:schemeClr val="accent5">
-                  <a:lumMod val="40000"/>
-                  <a:lumOff val="60000"/>
-                </a:schemeClr>
-              </a:buClr>
-              <a:buSzPct val="70000"/>
-              <a:defRPr/>
-            </a:pPr>
-            <a:r>
-              <a:rPr lang="en-US" sz="1500" b="1" noProof="1" smtClean="0">
-                <a:solidFill>
-                  <a:srgbClr val="8CF4F2"/>
-                </a:solidFill>
-                <a:effectLst>
-                  <a:outerShdw blurRad="38100" dist="38100" dir="2700000" algn="tl">
-                    <a:srgbClr val="000000">
-                      <a:alpha val="43137"/>
-                    </a:srgbClr>
-                  </a:outerShdw>
-                </a:effectLst>
-                <a:latin typeface="Consolas" pitchFamily="49" charset="0"/>
-                <a:cs typeface="Consolas" pitchFamily="49" charset="0"/>
-                <a:sym typeface="Wingdings" pitchFamily="2" charset="2"/>
-              </a:rPr>
-              <a:t>var selectedElement = selectedElement.parentNode.removeChild(selectedElement);</a:t>
-            </a:r>
-            <a:endParaRPr lang="en-US" sz="1500" b="1" noProof="1">
-              <a:solidFill>
-                <a:srgbClr val="8CF4F2"/>
-              </a:solidFill>
-              <a:effectLst>
-                <a:outerShdw blurRad="38100" dist="38100" dir="2700000" algn="tl">
-                  <a:srgbClr val="000000">
-                    <a:alpha val="43137"/>
-                  </a:srgbClr>
-                </a:outerShdw>
-              </a:effectLst>
-              <a:latin typeface="Consolas" pitchFamily="49" charset="0"/>
-              <a:cs typeface="Consolas" pitchFamily="49" charset="0"/>
-              <a:sym typeface="Wingdings" pitchFamily="2" charset="2"/>
-            </a:endParaRPr>
-          </a:p>
-        </p:txBody>
-      </p:sp>
-      <p:sp>
-        <p:nvSpPr>
-          <p:cNvPr id="8" name="Rectangle 7"/>
-          <p:cNvSpPr>
-            <a:spLocks noChangeArrowheads="1"/>
-          </p:cNvSpPr>
-          <p:nvPr/>
-        </p:nvSpPr>
-        <p:spPr bwMode="auto">
-          <a:xfrm>
-            <a:off x="228600" y="3659356"/>
-            <a:ext cx="8610600" cy="2970044"/>
-          </a:xfrm>
-          <a:prstGeom prst="rect">
-            <a:avLst/>
-          </a:prstGeom>
-          <a:solidFill>
-            <a:schemeClr val="accent5">
-              <a:lumMod val="40000"/>
-              <a:lumOff val="60000"/>
-              <a:alpha val="15000"/>
-            </a:schemeClr>
-          </a:solidFill>
-          <a:ln w="12700">
-            <a:solidFill>
-              <a:schemeClr val="accent5">
-                <a:lumMod val="60000"/>
-                <a:lumOff val="40000"/>
-              </a:schemeClr>
-            </a:solidFill>
-          </a:ln>
-        </p:spPr>
-        <p:txBody>
-          <a:bodyPr wrap="square">
-            <a:spAutoFit/>
-          </a:bodyPr>
-          <a:lstStyle/>
-          <a:p>
-            <a:pPr eaLnBrk="0" hangingPunct="0">
-              <a:buClr>
-                <a:schemeClr val="accent5">
-                  <a:lumMod val="40000"/>
-                  <a:lumOff val="60000"/>
-                </a:schemeClr>
-              </a:buClr>
-              <a:buSzPct val="70000"/>
-              <a:defRPr/>
-            </a:pPr>
-            <a:r>
-              <a:rPr lang="en-US" sz="1700" b="1" noProof="1" smtClean="0">
-                <a:solidFill>
-                  <a:srgbClr val="8CF4F2"/>
-                </a:solidFill>
-                <a:effectLst>
-                  <a:outerShdw blurRad="38100" dist="38100" dir="2700000" algn="tl">
-                    <a:srgbClr val="000000">
-                      <a:alpha val="43137"/>
-                    </a:srgbClr>
-                  </a:outerShdw>
-                </a:effectLst>
-                <a:latin typeface="Consolas" pitchFamily="49" charset="0"/>
-                <a:cs typeface="Consolas" pitchFamily="49" charset="0"/>
-                <a:sym typeface="Wingdings" pitchFamily="2" charset="2"/>
-              </a:rPr>
-              <a:t>//</a:t>
-            </a:r>
-            <a:r>
-              <a:rPr lang="en-US" sz="1700" dirty="0" smtClean="0"/>
-              <a:t> Altering the Elements</a:t>
-            </a:r>
-            <a:endParaRPr lang="en-US" sz="1700" b="1" noProof="1" smtClean="0">
-              <a:solidFill>
-                <a:srgbClr val="8CF4F2"/>
-              </a:solidFill>
-              <a:effectLst>
-                <a:outerShdw blurRad="38100" dist="38100" dir="2700000" algn="tl">
-                  <a:srgbClr val="000000">
-                    <a:alpha val="43137"/>
-                  </a:srgbClr>
-                </a:outerShdw>
-              </a:effectLst>
-              <a:latin typeface="Consolas" pitchFamily="49" charset="0"/>
-              <a:cs typeface="Consolas" pitchFamily="49" charset="0"/>
-              <a:sym typeface="Wingdings" pitchFamily="2" charset="2"/>
-            </a:endParaRPr>
-          </a:p>
-          <a:p>
-            <a:pPr eaLnBrk="0" hangingPunct="0">
-              <a:buClr>
-                <a:schemeClr val="accent5">
-                  <a:lumMod val="40000"/>
-                  <a:lumOff val="60000"/>
-                </a:schemeClr>
-              </a:buClr>
-              <a:buSzPct val="70000"/>
-              <a:defRPr/>
-            </a:pPr>
-            <a:r>
-              <a:rPr lang="en-US" sz="1700" b="1" noProof="1" smtClean="0">
-                <a:solidFill>
-                  <a:srgbClr val="8CF4F2"/>
-                </a:solidFill>
-                <a:effectLst>
-                  <a:outerShdw blurRad="38100" dist="38100" dir="2700000" algn="tl">
-                    <a:srgbClr val="000000">
-                      <a:alpha val="43137"/>
-                    </a:srgbClr>
-                  </a:outerShdw>
-                </a:effectLst>
-                <a:latin typeface="Consolas" pitchFamily="49" charset="0"/>
-                <a:cs typeface="Consolas" pitchFamily="49" charset="0"/>
-                <a:sym typeface="Wingdings" pitchFamily="2" charset="2"/>
-              </a:rPr>
-              <a:t>&lt;div id="f"&gt;</a:t>
-            </a:r>
-            <a:r>
-              <a:rPr lang="en-US" sz="1700" b="1" noProof="1" smtClean="0">
-                <a:solidFill>
-                  <a:schemeClr val="tx1">
-                    <a:lumMod val="20000"/>
-                    <a:lumOff val="80000"/>
-                  </a:schemeClr>
-                </a:solidFill>
-                <a:effectLst>
-                  <a:outerShdw blurRad="38100" dist="38100" dir="2700000" algn="tl">
-                    <a:srgbClr val="000000">
-                      <a:alpha val="43137"/>
-                    </a:srgbClr>
-                  </a:outerShdw>
-                </a:effectLst>
-                <a:latin typeface="Consolas" pitchFamily="49" charset="0"/>
-                <a:cs typeface="Consolas" pitchFamily="49" charset="0"/>
-                <a:sym typeface="Wingdings" pitchFamily="2" charset="2"/>
-              </a:rPr>
-              <a:t>&lt;p id="the-p"&gt;text&lt;/p&gt;</a:t>
-            </a:r>
-            <a:r>
-              <a:rPr lang="en-US" sz="1700" b="1" noProof="1" smtClean="0">
-                <a:solidFill>
-                  <a:srgbClr val="8CF4F2"/>
-                </a:solidFill>
-                <a:effectLst>
-                  <a:outerShdw blurRad="38100" dist="38100" dir="2700000" algn="tl">
-                    <a:srgbClr val="000000">
-                      <a:alpha val="43137"/>
-                    </a:srgbClr>
-                  </a:outerShdw>
-                </a:effectLst>
-                <a:latin typeface="Consolas" pitchFamily="49" charset="0"/>
-                <a:cs typeface="Consolas" pitchFamily="49" charset="0"/>
-                <a:sym typeface="Wingdings" pitchFamily="2" charset="2"/>
-              </a:rPr>
-              <a:t>&lt;/div&gt;</a:t>
-            </a:r>
-          </a:p>
-          <a:p>
-            <a:pPr eaLnBrk="0" hangingPunct="0">
-              <a:buClr>
-                <a:schemeClr val="accent5">
-                  <a:lumMod val="40000"/>
-                  <a:lumOff val="60000"/>
-                </a:schemeClr>
-              </a:buClr>
-              <a:buSzPct val="70000"/>
-              <a:defRPr/>
-            </a:pPr>
-            <a:r>
-              <a:rPr lang="en-US" sz="1700" b="1" noProof="1" smtClean="0">
-                <a:solidFill>
-                  <a:srgbClr val="8CF4F2"/>
-                </a:solidFill>
-                <a:effectLst>
-                  <a:outerShdw blurRad="38100" dist="38100" dir="2700000" algn="tl">
-                    <a:srgbClr val="000000">
-                      <a:alpha val="43137"/>
-                    </a:srgbClr>
-                  </a:outerShdw>
-                </a:effectLst>
-                <a:latin typeface="Consolas" pitchFamily="49" charset="0"/>
-                <a:cs typeface="Consolas" pitchFamily="49" charset="0"/>
-                <a:sym typeface="Wingdings" pitchFamily="2" charset="2"/>
-              </a:rPr>
-              <a:t>&lt;div id="s"&gt;&lt;/div&gt;</a:t>
-            </a:r>
-          </a:p>
-          <a:p>
-            <a:pPr eaLnBrk="0" hangingPunct="0">
-              <a:buClr>
-                <a:schemeClr val="accent5">
-                  <a:lumMod val="40000"/>
-                  <a:lumOff val="60000"/>
-                </a:schemeClr>
-              </a:buClr>
-              <a:buSzPct val="70000"/>
-              <a:defRPr/>
-            </a:pPr>
-            <a:r>
-              <a:rPr lang="en-US" sz="1700" b="1" noProof="1" smtClean="0">
-                <a:solidFill>
-                  <a:srgbClr val="8CF4F2"/>
-                </a:solidFill>
-                <a:effectLst>
-                  <a:outerShdw blurRad="38100" dist="38100" dir="2700000" algn="tl">
-                    <a:srgbClr val="000000">
-                      <a:alpha val="43137"/>
-                    </a:srgbClr>
-                  </a:outerShdw>
-                </a:effectLst>
-                <a:latin typeface="Consolas" pitchFamily="49" charset="0"/>
-                <a:cs typeface="Consolas" pitchFamily="49" charset="0"/>
-                <a:sym typeface="Wingdings" pitchFamily="2" charset="2"/>
-              </a:rPr>
-              <a:t>…</a:t>
-            </a:r>
-          </a:p>
-          <a:p>
-            <a:pPr eaLnBrk="0" hangingPunct="0">
-              <a:buClr>
-                <a:schemeClr val="accent5">
-                  <a:lumMod val="40000"/>
-                  <a:lumOff val="60000"/>
-                </a:schemeClr>
-              </a:buClr>
-              <a:buSzPct val="70000"/>
-              <a:defRPr/>
-            </a:pPr>
-            <a:r>
-              <a:rPr lang="en-US" sz="1700" b="1" noProof="1" smtClean="0">
-                <a:solidFill>
-                  <a:srgbClr val="8CF4F2"/>
-                </a:solidFill>
-                <a:effectLst>
-                  <a:outerShdw blurRad="38100" dist="38100" dir="2700000" algn="tl">
-                    <a:srgbClr val="000000">
-                      <a:alpha val="43137"/>
-                    </a:srgbClr>
-                  </a:outerShdw>
-                </a:effectLst>
-                <a:latin typeface="Consolas" pitchFamily="49" charset="0"/>
-                <a:cs typeface="Consolas" pitchFamily="49" charset="0"/>
-                <a:sym typeface="Wingdings" pitchFamily="2" charset="2"/>
-              </a:rPr>
-              <a:t>var second = document.getElementById("s");</a:t>
-            </a:r>
-          </a:p>
-          <a:p>
-            <a:pPr eaLnBrk="0" hangingPunct="0">
-              <a:buClr>
-                <a:schemeClr val="accent5">
-                  <a:lumMod val="40000"/>
-                  <a:lumOff val="60000"/>
-                </a:schemeClr>
-              </a:buClr>
-              <a:buSzPct val="70000"/>
-              <a:defRPr/>
-            </a:pPr>
-            <a:r>
-              <a:rPr lang="en-US" sz="1700" b="1" noProof="1" smtClean="0">
-                <a:solidFill>
-                  <a:srgbClr val="8CF4F2"/>
-                </a:solidFill>
-                <a:effectLst>
-                  <a:outerShdw blurRad="38100" dist="38100" dir="2700000" algn="tl">
-                    <a:srgbClr val="000000">
-                      <a:alpha val="43137"/>
-                    </a:srgbClr>
-                  </a:outerShdw>
-                </a:effectLst>
-                <a:latin typeface="Consolas" pitchFamily="49" charset="0"/>
-                <a:cs typeface="Consolas" pitchFamily="49" charset="0"/>
-                <a:sym typeface="Wingdings" pitchFamily="2" charset="2"/>
-              </a:rPr>
-              <a:t>var theP = document.getElementById("the-p");</a:t>
-            </a:r>
-          </a:p>
-          <a:p>
-            <a:pPr eaLnBrk="0" hangingPunct="0">
-              <a:buClr>
-                <a:schemeClr val="accent5">
-                  <a:lumMod val="40000"/>
-                  <a:lumOff val="60000"/>
-                </a:schemeClr>
-              </a:buClr>
-              <a:buSzPct val="70000"/>
-              <a:defRPr/>
-            </a:pPr>
-            <a:r>
-              <a:rPr lang="en-US" sz="1700" b="1" noProof="1" smtClean="0">
-                <a:solidFill>
-                  <a:srgbClr val="8CF4F2"/>
-                </a:solidFill>
-                <a:effectLst>
-                  <a:outerShdw blurRad="38100" dist="38100" dir="2700000" algn="tl">
-                    <a:srgbClr val="000000">
-                      <a:alpha val="43137"/>
-                    </a:srgbClr>
-                  </a:outerShdw>
-                </a:effectLst>
-                <a:latin typeface="Consolas" pitchFamily="49" charset="0"/>
-                <a:cs typeface="Consolas" pitchFamily="49" charset="0"/>
-                <a:sym typeface="Wingdings" pitchFamily="2" charset="2"/>
-              </a:rPr>
-              <a:t>second.appendChild(theP);</a:t>
-            </a:r>
-          </a:p>
-          <a:p>
-            <a:pPr eaLnBrk="0" hangingPunct="0">
-              <a:buClr>
-                <a:schemeClr val="accent5">
-                  <a:lumMod val="40000"/>
-                  <a:lumOff val="60000"/>
-                </a:schemeClr>
-              </a:buClr>
-              <a:buSzPct val="70000"/>
-              <a:defRPr/>
-            </a:pPr>
-            <a:r>
-              <a:rPr lang="en-US" sz="1700" b="1" noProof="1" smtClean="0">
-                <a:solidFill>
-                  <a:srgbClr val="8CF4F2"/>
-                </a:solidFill>
-                <a:effectLst>
-                  <a:outerShdw blurRad="38100" dist="38100" dir="2700000" algn="tl">
-                    <a:srgbClr val="000000">
-                      <a:alpha val="43137"/>
-                    </a:srgbClr>
-                  </a:outerShdw>
-                </a:effectLst>
-                <a:latin typeface="Consolas" pitchFamily="49" charset="0"/>
-                <a:cs typeface="Consolas" pitchFamily="49" charset="0"/>
-                <a:sym typeface="Wingdings" pitchFamily="2" charset="2"/>
-              </a:rPr>
-              <a:t>…</a:t>
-            </a:r>
-          </a:p>
-          <a:p>
-            <a:pPr eaLnBrk="0" hangingPunct="0">
-              <a:buClr>
-                <a:schemeClr val="accent5">
-                  <a:lumMod val="40000"/>
-                  <a:lumOff val="60000"/>
-                </a:schemeClr>
-              </a:buClr>
-              <a:buSzPct val="70000"/>
-              <a:defRPr/>
-            </a:pPr>
-            <a:r>
-              <a:rPr lang="en-US" sz="1700" b="1" noProof="1" smtClean="0">
-                <a:solidFill>
-                  <a:srgbClr val="8CF4F2"/>
-                </a:solidFill>
-                <a:effectLst>
-                  <a:outerShdw blurRad="38100" dist="38100" dir="2700000" algn="tl">
-                    <a:srgbClr val="000000">
-                      <a:alpha val="43137"/>
-                    </a:srgbClr>
-                  </a:outerShdw>
-                </a:effectLst>
-                <a:latin typeface="Consolas" pitchFamily="49" charset="0"/>
-                <a:cs typeface="Consolas" pitchFamily="49" charset="0"/>
-                <a:sym typeface="Wingdings" pitchFamily="2" charset="2"/>
-              </a:rPr>
-              <a:t>//the DOM is:</a:t>
-            </a:r>
-          </a:p>
-          <a:p>
-            <a:pPr eaLnBrk="0" hangingPunct="0">
-              <a:buClr>
-                <a:schemeClr val="accent5">
-                  <a:lumMod val="40000"/>
-                  <a:lumOff val="60000"/>
-                </a:schemeClr>
-              </a:buClr>
-              <a:buSzPct val="70000"/>
-              <a:defRPr/>
-            </a:pPr>
-            <a:r>
-              <a:rPr lang="en-US" sz="1700" b="1" noProof="1">
-                <a:solidFill>
-                  <a:srgbClr val="8CF4F2"/>
-                </a:solidFill>
-                <a:effectLst>
-                  <a:outerShdw blurRad="38100" dist="38100" dir="2700000" algn="tl">
-                    <a:srgbClr val="000000">
-                      <a:alpha val="43137"/>
-                    </a:srgbClr>
-                  </a:outerShdw>
-                </a:effectLst>
-                <a:latin typeface="Consolas" pitchFamily="49" charset="0"/>
-                <a:cs typeface="Consolas" pitchFamily="49" charset="0"/>
-                <a:sym typeface="Wingdings" pitchFamily="2" charset="2"/>
-              </a:rPr>
-              <a:t>&lt;div id="f</a:t>
-            </a:r>
-            <a:r>
-              <a:rPr lang="en-US" sz="1700" b="1" noProof="1" smtClean="0">
-                <a:solidFill>
-                  <a:srgbClr val="8CF4F2"/>
-                </a:solidFill>
-                <a:effectLst>
-                  <a:outerShdw blurRad="38100" dist="38100" dir="2700000" algn="tl">
-                    <a:srgbClr val="000000">
-                      <a:alpha val="43137"/>
-                    </a:srgbClr>
-                  </a:outerShdw>
-                </a:effectLst>
-                <a:latin typeface="Consolas" pitchFamily="49" charset="0"/>
-                <a:cs typeface="Consolas" pitchFamily="49" charset="0"/>
-                <a:sym typeface="Wingdings" pitchFamily="2" charset="2"/>
-              </a:rPr>
-              <a:t>"&gt;&lt;/</a:t>
-            </a:r>
-            <a:r>
-              <a:rPr lang="en-US" sz="1700" b="1" noProof="1">
-                <a:solidFill>
-                  <a:srgbClr val="8CF4F2"/>
-                </a:solidFill>
-                <a:effectLst>
-                  <a:outerShdw blurRad="38100" dist="38100" dir="2700000" algn="tl">
-                    <a:srgbClr val="000000">
-                      <a:alpha val="43137"/>
-                    </a:srgbClr>
-                  </a:outerShdw>
-                </a:effectLst>
-                <a:latin typeface="Consolas" pitchFamily="49" charset="0"/>
-                <a:cs typeface="Consolas" pitchFamily="49" charset="0"/>
-                <a:sym typeface="Wingdings" pitchFamily="2" charset="2"/>
-              </a:rPr>
-              <a:t>div&gt;</a:t>
-            </a:r>
-          </a:p>
-          <a:p>
-            <a:pPr eaLnBrk="0" hangingPunct="0">
-              <a:buClr>
-                <a:schemeClr val="accent5">
-                  <a:lumMod val="40000"/>
-                  <a:lumOff val="60000"/>
-                </a:schemeClr>
-              </a:buClr>
-              <a:buSzPct val="70000"/>
-              <a:defRPr/>
-            </a:pPr>
-            <a:r>
-              <a:rPr lang="en-US" sz="1700" b="1" noProof="1">
-                <a:solidFill>
-                  <a:srgbClr val="8CF4F2"/>
-                </a:solidFill>
-                <a:effectLst>
-                  <a:outerShdw blurRad="38100" dist="38100" dir="2700000" algn="tl">
-                    <a:srgbClr val="000000">
-                      <a:alpha val="43137"/>
-                    </a:srgbClr>
-                  </a:outerShdw>
-                </a:effectLst>
-                <a:latin typeface="Consolas" pitchFamily="49" charset="0"/>
-                <a:cs typeface="Consolas" pitchFamily="49" charset="0"/>
-                <a:sym typeface="Wingdings" pitchFamily="2" charset="2"/>
-              </a:rPr>
-              <a:t>&lt;div id="s</a:t>
-            </a:r>
-            <a:r>
-              <a:rPr lang="en-US" sz="1700" b="1" noProof="1" smtClean="0">
-                <a:solidFill>
-                  <a:srgbClr val="8CF4F2"/>
-                </a:solidFill>
-                <a:effectLst>
-                  <a:outerShdw blurRad="38100" dist="38100" dir="2700000" algn="tl">
-                    <a:srgbClr val="000000">
-                      <a:alpha val="43137"/>
-                    </a:srgbClr>
-                  </a:outerShdw>
-                </a:effectLst>
-                <a:latin typeface="Consolas" pitchFamily="49" charset="0"/>
-                <a:cs typeface="Consolas" pitchFamily="49" charset="0"/>
-                <a:sym typeface="Wingdings" pitchFamily="2" charset="2"/>
-              </a:rPr>
-              <a:t>"&gt;</a:t>
-            </a:r>
-            <a:r>
-              <a:rPr lang="en-US" sz="1700" b="1" noProof="1">
-                <a:solidFill>
-                  <a:schemeClr val="tx1">
-                    <a:lumMod val="20000"/>
-                    <a:lumOff val="80000"/>
-                  </a:schemeClr>
-                </a:solidFill>
-                <a:effectLst>
-                  <a:outerShdw blurRad="38100" dist="38100" dir="2700000" algn="tl">
-                    <a:srgbClr val="000000">
-                      <a:alpha val="43137"/>
-                    </a:srgbClr>
-                  </a:outerShdw>
-                </a:effectLst>
-                <a:latin typeface="Consolas" pitchFamily="49" charset="0"/>
-                <a:cs typeface="Consolas" pitchFamily="49" charset="0"/>
-                <a:sym typeface="Wingdings" pitchFamily="2" charset="2"/>
-              </a:rPr>
-              <a:t>&lt;p id="the-p"&gt;text&lt;/p&gt;</a:t>
-            </a:r>
-            <a:r>
-              <a:rPr lang="en-US" sz="1700" b="1" noProof="1" smtClean="0">
-                <a:solidFill>
-                  <a:srgbClr val="8CF4F2"/>
-                </a:solidFill>
-                <a:effectLst>
-                  <a:outerShdw blurRad="38100" dist="38100" dir="2700000" algn="tl">
-                    <a:srgbClr val="000000">
-                      <a:alpha val="43137"/>
-                    </a:srgbClr>
-                  </a:outerShdw>
-                </a:effectLst>
-                <a:latin typeface="Consolas" pitchFamily="49" charset="0"/>
-                <a:cs typeface="Consolas" pitchFamily="49" charset="0"/>
-                <a:sym typeface="Wingdings" pitchFamily="2" charset="2"/>
-              </a:rPr>
-              <a:t>&lt;/</a:t>
-            </a:r>
-            <a:r>
-              <a:rPr lang="en-US" sz="1700" b="1" noProof="1">
-                <a:solidFill>
-                  <a:srgbClr val="8CF4F2"/>
-                </a:solidFill>
-                <a:effectLst>
-                  <a:outerShdw blurRad="38100" dist="38100" dir="2700000" algn="tl">
-                    <a:srgbClr val="000000">
-                      <a:alpha val="43137"/>
-                    </a:srgbClr>
-                  </a:outerShdw>
-                </a:effectLst>
-                <a:latin typeface="Consolas" pitchFamily="49" charset="0"/>
-                <a:cs typeface="Consolas" pitchFamily="49" charset="0"/>
-                <a:sym typeface="Wingdings" pitchFamily="2" charset="2"/>
-              </a:rPr>
-              <a:t>div</a:t>
-            </a:r>
-            <a:r>
-              <a:rPr lang="en-US" sz="1700" b="1" noProof="1" smtClean="0">
-                <a:solidFill>
-                  <a:srgbClr val="8CF4F2"/>
-                </a:solidFill>
-                <a:effectLst>
-                  <a:outerShdw blurRad="38100" dist="38100" dir="2700000" algn="tl">
-                    <a:srgbClr val="000000">
-                      <a:alpha val="43137"/>
-                    </a:srgbClr>
-                  </a:outerShdw>
-                </a:effectLst>
-                <a:latin typeface="Consolas" pitchFamily="49" charset="0"/>
-                <a:cs typeface="Consolas" pitchFamily="49" charset="0"/>
-                <a:sym typeface="Wingdings" pitchFamily="2" charset="2"/>
-              </a:rPr>
-              <a:t>&gt;</a:t>
-            </a:r>
-          </a:p>
-        </p:txBody>
-      </p:sp>
-    </p:spTree>
-    <p:extLst>
-      <p:ext uri="{BB962C8B-B14F-4D97-AF65-F5344CB8AC3E}">
-        <p14:creationId xmlns="" xmlns:p14="http://schemas.microsoft.com/office/powerpoint/2010/main" val="3380160940"/>
-      </p:ext>
-    </p:extLst>
-  </p:cSld>
-  <p:clrMapOvr>
-    <a:masterClrMapping/>
-  </p:clrMapOvr>
-</p:sld>
-</file>
-
-<file path=ppt/slides/slide3.xml><?xml version="1.0" encoding="utf-8"?>
-<p:sld xmlns:a="http://schemas.openxmlformats.org/drawingml/2006/main" xmlns:r="http://schemas.openxmlformats.org/officeDocument/2006/relationships" xmlns:p="http://schemas.openxmlformats.org/presentationml/2006/main">
-  <p:cSld>
-    <p:spTree>
-      <p:nvGrpSpPr>
-        <p:cNvPr id="1" name=""/>
-        <p:cNvGrpSpPr/>
-        <p:nvPr/>
-      </p:nvGrpSpPr>
-      <p:grpSpPr>
-        <a:xfrm>
-          <a:off x="0" y="0"/>
-          <a:ext cx="0" cy="0"/>
-          <a:chOff x="0" y="0"/>
-          <a:chExt cx="0" cy="0"/>
-        </a:xfrm>
-      </p:grpSpPr>
-      <p:sp>
-        <p:nvSpPr>
-          <p:cNvPr id="7" name="Content Placeholder 6"/>
-          <p:cNvSpPr>
-            <a:spLocks noGrp="1"/>
-          </p:cNvSpPr>
-          <p:nvPr>
-            <p:ph idx="1"/>
-          </p:nvPr>
-        </p:nvSpPr>
-        <p:spPr>
-          <a:xfrm>
-            <a:off x="228600" y="875347"/>
-            <a:ext cx="8686800" cy="496253"/>
-          </a:xfrm>
-        </p:spPr>
-        <p:txBody>
-          <a:bodyPr/>
-          <a:lstStyle/>
-          <a:p>
-            <a:r>
-              <a:rPr lang="en-US" sz="1700" dirty="0" smtClean="0"/>
-              <a:t>The inline style (not CSS) of each HTML element can be changed</a:t>
-            </a:r>
-          </a:p>
-        </p:txBody>
-      </p:sp>
-      <p:sp>
-        <p:nvSpPr>
-          <p:cNvPr id="8" name="Rectangle 7"/>
-          <p:cNvSpPr>
-            <a:spLocks noChangeArrowheads="1"/>
-          </p:cNvSpPr>
-          <p:nvPr/>
-        </p:nvSpPr>
-        <p:spPr bwMode="auto">
-          <a:xfrm>
-            <a:off x="457200" y="1447800"/>
-            <a:ext cx="8153400" cy="1015663"/>
-          </a:xfrm>
-          <a:prstGeom prst="rect">
-            <a:avLst/>
-          </a:prstGeom>
-          <a:solidFill>
-            <a:schemeClr val="accent5">
-              <a:lumMod val="40000"/>
-              <a:lumOff val="60000"/>
-              <a:alpha val="15000"/>
-            </a:schemeClr>
-          </a:solidFill>
-          <a:ln w="12700">
-            <a:solidFill>
-              <a:schemeClr val="accent5">
-                <a:lumMod val="60000"/>
-                <a:lumOff val="40000"/>
-              </a:schemeClr>
-            </a:solidFill>
-          </a:ln>
-        </p:spPr>
-        <p:txBody>
-          <a:bodyPr wrap="square">
-            <a:spAutoFit/>
-          </a:bodyPr>
-          <a:lstStyle/>
-          <a:p>
-            <a:pPr eaLnBrk="0" hangingPunct="0">
-              <a:buClr>
-                <a:schemeClr val="accent5">
-                  <a:lumMod val="40000"/>
-                  <a:lumOff val="60000"/>
-                </a:schemeClr>
-              </a:buClr>
-              <a:buSzPct val="70000"/>
-              <a:defRPr/>
-            </a:pPr>
-            <a:r>
-              <a:rPr lang="en-US" sz="2000" b="1" noProof="1" smtClean="0">
-                <a:solidFill>
-                  <a:srgbClr val="8CF4F2"/>
-                </a:solidFill>
-                <a:effectLst>
-                  <a:outerShdw blurRad="38100" dist="38100" dir="2700000" algn="tl">
-                    <a:srgbClr val="000000">
-                      <a:alpha val="43137"/>
-                    </a:srgbClr>
-                  </a:outerShdw>
-                </a:effectLst>
-                <a:latin typeface="Consolas" pitchFamily="49" charset="0"/>
-                <a:cs typeface="Consolas" pitchFamily="49" charset="0"/>
-                <a:sym typeface="Wingdings" pitchFamily="2" charset="2"/>
-              </a:rPr>
-              <a:t>var div = document.getElementById("content");</a:t>
-            </a:r>
-          </a:p>
-          <a:p>
-            <a:pPr eaLnBrk="0" hangingPunct="0">
-              <a:buClr>
-                <a:schemeClr val="accent5">
-                  <a:lumMod val="40000"/>
-                  <a:lumOff val="60000"/>
-                </a:schemeClr>
-              </a:buClr>
-              <a:buSzPct val="70000"/>
-              <a:defRPr/>
-            </a:pPr>
-            <a:r>
-              <a:rPr lang="en-US" sz="2000" b="1" noProof="1" smtClean="0">
-                <a:solidFill>
-                  <a:srgbClr val="8CF4F2"/>
-                </a:solidFill>
-                <a:effectLst>
-                  <a:outerShdw blurRad="38100" dist="38100" dir="2700000" algn="tl">
-                    <a:srgbClr val="000000">
-                      <a:alpha val="43137"/>
-                    </a:srgbClr>
-                  </a:outerShdw>
-                </a:effectLst>
-                <a:latin typeface="Consolas" pitchFamily="49" charset="0"/>
-                <a:cs typeface="Consolas" pitchFamily="49" charset="0"/>
-                <a:sym typeface="Wingdings" pitchFamily="2" charset="2"/>
-              </a:rPr>
-              <a:t>div.style.display = "block";</a:t>
-            </a:r>
-          </a:p>
-          <a:p>
-            <a:pPr eaLnBrk="0" hangingPunct="0">
-              <a:buClr>
-                <a:schemeClr val="accent5">
-                  <a:lumMod val="40000"/>
-                  <a:lumOff val="60000"/>
-                </a:schemeClr>
-              </a:buClr>
-              <a:buSzPct val="70000"/>
-              <a:defRPr/>
-            </a:pPr>
-            <a:r>
-              <a:rPr lang="en-US" sz="2000" b="1" noProof="1" smtClean="0">
-                <a:solidFill>
-                  <a:srgbClr val="8CF4F2"/>
-                </a:solidFill>
-                <a:effectLst>
-                  <a:outerShdw blurRad="38100" dist="38100" dir="2700000" algn="tl">
-                    <a:srgbClr val="000000">
-                      <a:alpha val="43137"/>
-                    </a:srgbClr>
-                  </a:outerShdw>
-                </a:effectLst>
-                <a:latin typeface="Consolas" pitchFamily="49" charset="0"/>
-                <a:cs typeface="Consolas" pitchFamily="49" charset="0"/>
-                <a:sym typeface="Wingdings" pitchFamily="2" charset="2"/>
-              </a:rPr>
-              <a:t>div.style.width = "</a:t>
-            </a:r>
-            <a:r>
-              <a:rPr lang="en-US" sz="2000" b="1" noProof="1">
-                <a:solidFill>
-                  <a:schemeClr val="tx1">
-                    <a:lumMod val="20000"/>
-                    <a:lumOff val="80000"/>
-                  </a:schemeClr>
-                </a:solidFill>
-                <a:effectLst>
-                  <a:outerShdw blurRad="38100" dist="38100" dir="2700000" algn="tl">
-                    <a:srgbClr val="000000">
-                      <a:alpha val="43137"/>
-                    </a:srgbClr>
-                  </a:outerShdw>
-                </a:effectLst>
-                <a:latin typeface="Consolas" pitchFamily="49" charset="0"/>
-                <a:cs typeface="Consolas" pitchFamily="49" charset="0"/>
-                <a:sym typeface="Wingdings" pitchFamily="2" charset="2"/>
-              </a:rPr>
-              <a:t>123</a:t>
-            </a:r>
-            <a:r>
-              <a:rPr lang="en-US" sz="2000" b="1" noProof="1" smtClean="0">
-                <a:solidFill>
-                  <a:schemeClr val="tx1">
-                    <a:lumMod val="20000"/>
-                    <a:lumOff val="80000"/>
-                  </a:schemeClr>
-                </a:solidFill>
-                <a:effectLst>
-                  <a:outerShdw blurRad="38100" dist="38100" dir="2700000" algn="tl">
-                    <a:srgbClr val="000000">
-                      <a:alpha val="43137"/>
-                    </a:srgbClr>
-                  </a:outerShdw>
-                </a:effectLst>
-                <a:latin typeface="Consolas" pitchFamily="49" charset="0"/>
-                <a:cs typeface="Consolas" pitchFamily="49" charset="0"/>
-                <a:sym typeface="Wingdings" pitchFamily="2" charset="2"/>
-              </a:rPr>
-              <a:t>px</a:t>
-            </a:r>
-            <a:r>
-              <a:rPr lang="en-US" sz="2000" b="1" noProof="1" smtClean="0">
-                <a:solidFill>
-                  <a:srgbClr val="8CF4F2"/>
-                </a:solidFill>
-                <a:effectLst>
-                  <a:outerShdw blurRad="38100" dist="38100" dir="2700000" algn="tl">
-                    <a:srgbClr val="000000">
-                      <a:alpha val="43137"/>
-                    </a:srgbClr>
-                  </a:outerShdw>
-                </a:effectLst>
-                <a:latin typeface="Consolas" pitchFamily="49" charset="0"/>
-                <a:cs typeface="Consolas" pitchFamily="49" charset="0"/>
-                <a:sym typeface="Wingdings" pitchFamily="2" charset="2"/>
-              </a:rPr>
-              <a:t>";</a:t>
-            </a:r>
-          </a:p>
-        </p:txBody>
-      </p:sp>
-      <p:sp>
-        <p:nvSpPr>
-          <p:cNvPr id="9" name="Content Placeholder 4"/>
-          <p:cNvSpPr txBox="1">
-            <a:spLocks/>
-          </p:cNvSpPr>
-          <p:nvPr/>
-        </p:nvSpPr>
-        <p:spPr>
-          <a:xfrm>
-            <a:off x="228600" y="2819400"/>
-            <a:ext cx="8686800" cy="1676400"/>
-          </a:xfrm>
-          <a:prstGeom prst="rect">
-            <a:avLst/>
-          </a:prstGeom>
-        </p:spPr>
-        <p:txBody>
-          <a:bodyPr/>
-          <a:lstStyle/>
-          <a:p>
-            <a:pPr marL="282575" marR="0" lvl="1" indent="-282575" algn="l" defTabSz="914400" rtl="0" eaLnBrk="1" fontAlgn="base" latinLnBrk="0" hangingPunct="1">
-              <a:lnSpc>
-                <a:spcPct val="105000"/>
-              </a:lnSpc>
-              <a:spcBef>
-                <a:spcPts val="600"/>
-              </a:spcBef>
-              <a:spcAft>
-                <a:spcPts val="600"/>
-              </a:spcAft>
-              <a:buClr>
-                <a:schemeClr val="accent5">
-                  <a:lumMod val="40000"/>
-                  <a:lumOff val="60000"/>
-                </a:schemeClr>
-              </a:buClr>
-              <a:buSzPct val="70000"/>
-              <a:buFont typeface="Wingdings 2" pitchFamily="18" charset="2"/>
-              <a:buChar char=""/>
-              <a:tabLst>
-                <a:tab pos="282575" algn="l"/>
-              </a:tabLst>
-              <a:defRPr/>
-            </a:pPr>
-            <a:r>
-              <a:rPr kumimoji="0" lang="en-US" sz="1700" b="1" i="0" u="none" strike="noStrike" kern="1200" cap="none" spc="0" normalizeH="0" baseline="0" noProof="0" smtClean="0">
-                <a:ln>
-                  <a:noFill/>
-                </a:ln>
-                <a:solidFill>
-                  <a:schemeClr val="accent5">
-                    <a:lumMod val="20000"/>
-                    <a:lumOff val="80000"/>
-                  </a:schemeClr>
-                </a:solidFill>
-                <a:effectLst>
-                  <a:outerShdw blurRad="38100" dist="38100" dir="2700000" algn="tl">
-                    <a:srgbClr val="000000">
-                      <a:alpha val="43137"/>
-                    </a:srgbClr>
-                  </a:outerShdw>
-                </a:effectLst>
-                <a:uLnTx/>
-                <a:uFillTx/>
-                <a:latin typeface="Consolas" panose="020B0609020204030204" pitchFamily="49" charset="0"/>
-                <a:ea typeface="+mn-ea"/>
-                <a:cs typeface="Consolas" panose="020B0609020204030204" pitchFamily="49" charset="0"/>
-              </a:rPr>
-              <a:t>appendChild() - </a:t>
-            </a:r>
-            <a:r>
-              <a:rPr kumimoji="0" lang="en-US" sz="1700" b="1" i="0" u="none" strike="noStrike" kern="1200" cap="none" spc="0" normalizeH="0" baseline="0" noProof="0" smtClean="0">
-                <a:ln>
-                  <a:noFill/>
-                </a:ln>
-                <a:solidFill>
-                  <a:srgbClr val="EBFFD2"/>
-                </a:solidFill>
-                <a:effectLst>
-                  <a:outerShdw blurRad="38100" dist="38100" dir="2700000" algn="tl">
-                    <a:srgbClr val="000000">
-                      <a:alpha val="43137"/>
-                    </a:srgbClr>
-                  </a:outerShdw>
-                </a:effectLst>
-                <a:uLnTx/>
-                <a:uFillTx/>
-                <a:latin typeface="+mn-lt"/>
-                <a:ea typeface="+mn-ea"/>
-                <a:cs typeface="+mn-cs"/>
-              </a:rPr>
-              <a:t>appending DOM elements to an element</a:t>
-            </a:r>
-          </a:p>
-          <a:p>
-            <a:pPr marL="282575" marR="0" lvl="0" indent="-282575" algn="l" defTabSz="914400" rtl="0" eaLnBrk="1" fontAlgn="base" latinLnBrk="0" hangingPunct="1">
-              <a:lnSpc>
-                <a:spcPct val="105000"/>
-              </a:lnSpc>
-              <a:spcBef>
-                <a:spcPts val="600"/>
-              </a:spcBef>
-              <a:spcAft>
-                <a:spcPts val="600"/>
-              </a:spcAft>
-              <a:buClr>
-                <a:schemeClr val="accent5">
-                  <a:lumMod val="40000"/>
-                  <a:lumOff val="60000"/>
-                </a:schemeClr>
-              </a:buClr>
-              <a:buSzPct val="70000"/>
-              <a:buFont typeface="Wingdings 2" pitchFamily="18" charset="2"/>
-              <a:buChar char=""/>
-              <a:tabLst>
-                <a:tab pos="282575" algn="l"/>
-              </a:tabLst>
-              <a:defRPr/>
-            </a:pPr>
-            <a:r>
-              <a:rPr kumimoji="0" lang="en-US" sz="1700" b="1" i="0" u="none" strike="noStrike" kern="1200" cap="none" spc="0" normalizeH="0" baseline="0" noProof="0" smtClean="0">
-                <a:ln>
-                  <a:noFill/>
-                </a:ln>
-                <a:solidFill>
-                  <a:schemeClr val="accent5">
-                    <a:lumMod val="20000"/>
-                    <a:lumOff val="80000"/>
-                  </a:schemeClr>
-                </a:solidFill>
-                <a:effectLst>
-                  <a:outerShdw blurRad="38100" dist="38100" dir="2700000" algn="tl">
-                    <a:srgbClr val="000000">
-                      <a:alpha val="43137"/>
-                    </a:srgbClr>
-                  </a:outerShdw>
-                </a:effectLst>
-                <a:uLnTx/>
-                <a:uFillTx/>
-                <a:latin typeface="Consolas" panose="020B0609020204030204" pitchFamily="49" charset="0"/>
-                <a:ea typeface="+mn-ea"/>
-                <a:cs typeface="Consolas" panose="020B0609020204030204" pitchFamily="49" charset="0"/>
-              </a:rPr>
-              <a:t>parentNode.appendChild(node)</a:t>
-            </a:r>
-            <a:r>
-              <a:rPr kumimoji="0" lang="en-US" sz="1700" b="1" i="0" u="none" strike="noStrike" kern="1200" cap="none" spc="0" normalizeH="0" baseline="0" noProof="0" smtClean="0">
-                <a:ln>
-                  <a:noFill/>
-                </a:ln>
-                <a:solidFill>
-                  <a:srgbClr val="EBFFD2"/>
-                </a:solidFill>
-                <a:effectLst>
-                  <a:outerShdw blurRad="38100" dist="38100" dir="2700000" algn="tl">
-                    <a:srgbClr val="000000">
-                      <a:alpha val="43137"/>
-                    </a:srgbClr>
-                  </a:outerShdw>
-                </a:effectLst>
-                <a:uLnTx/>
-                <a:uFillTx/>
-                <a:latin typeface="+mn-lt"/>
-                <a:ea typeface="+mn-ea"/>
-                <a:cs typeface="+mn-cs"/>
-              </a:rPr>
-              <a:t> appends the DOM element </a:t>
-            </a:r>
-            <a:r>
-              <a:rPr kumimoji="0" lang="en-US" sz="1700" b="1" i="0" u="none" strike="noStrike" kern="1200" cap="none" spc="0" normalizeH="0" baseline="0" noProof="0" smtClean="0">
-                <a:ln>
-                  <a:noFill/>
-                </a:ln>
-                <a:solidFill>
-                  <a:schemeClr val="accent5">
-                    <a:lumMod val="20000"/>
-                    <a:lumOff val="80000"/>
-                  </a:schemeClr>
-                </a:solidFill>
-                <a:effectLst>
-                  <a:outerShdw blurRad="38100" dist="38100" dir="2700000" algn="tl">
-                    <a:srgbClr val="000000">
-                      <a:alpha val="43137"/>
-                    </a:srgbClr>
-                  </a:outerShdw>
-                </a:effectLst>
-                <a:uLnTx/>
-                <a:uFillTx/>
-                <a:latin typeface="Consolas" panose="020B0609020204030204" pitchFamily="49" charset="0"/>
-                <a:ea typeface="+mn-ea"/>
-                <a:cs typeface="Consolas" panose="020B0609020204030204" pitchFamily="49" charset="0"/>
-              </a:rPr>
-              <a:t>node</a:t>
-            </a:r>
-            <a:r>
-              <a:rPr kumimoji="0" lang="en-US" sz="1700" b="1" i="0" u="none" strike="noStrike" kern="1200" cap="none" spc="0" normalizeH="0" baseline="0" noProof="0" smtClean="0">
-                <a:ln>
-                  <a:noFill/>
-                </a:ln>
-                <a:solidFill>
-                  <a:srgbClr val="EBFFD2"/>
-                </a:solidFill>
-                <a:effectLst>
-                  <a:outerShdw blurRad="38100" dist="38100" dir="2700000" algn="tl">
-                    <a:srgbClr val="000000">
-                      <a:alpha val="43137"/>
-                    </a:srgbClr>
-                  </a:outerShdw>
-                </a:effectLst>
-                <a:uLnTx/>
-                <a:uFillTx/>
-                <a:latin typeface="+mn-lt"/>
-                <a:ea typeface="+mn-ea"/>
-                <a:cs typeface="+mn-cs"/>
-              </a:rPr>
-              <a:t> to the DOM element </a:t>
-            </a:r>
-            <a:r>
-              <a:rPr kumimoji="0" lang="en-US" sz="1700" b="1" i="0" u="none" strike="noStrike" kern="1200" cap="none" spc="0" normalizeH="0" baseline="0" noProof="0" smtClean="0">
-                <a:ln>
-                  <a:noFill/>
-                </a:ln>
-                <a:solidFill>
-                  <a:schemeClr val="accent5">
-                    <a:lumMod val="20000"/>
-                    <a:lumOff val="80000"/>
-                  </a:schemeClr>
-                </a:solidFill>
-                <a:effectLst>
-                  <a:outerShdw blurRad="38100" dist="38100" dir="2700000" algn="tl">
-                    <a:srgbClr val="000000">
-                      <a:alpha val="43137"/>
-                    </a:srgbClr>
-                  </a:outerShdw>
-                </a:effectLst>
-                <a:uLnTx/>
-                <a:uFillTx/>
-                <a:latin typeface="Consolas" panose="020B0609020204030204" pitchFamily="49" charset="0"/>
-                <a:ea typeface="+mn-ea"/>
-                <a:cs typeface="Consolas" panose="020B0609020204030204" pitchFamily="49" charset="0"/>
-              </a:rPr>
-              <a:t>parentNode</a:t>
-            </a:r>
-            <a:endParaRPr kumimoji="0" lang="bg-BG" sz="1700" b="1" i="0" u="none" strike="noStrike" kern="1200" cap="none" spc="0" normalizeH="0" baseline="0" noProof="0" smtClean="0">
-              <a:ln>
-                <a:noFill/>
-              </a:ln>
-              <a:solidFill>
-                <a:schemeClr val="accent5">
-                  <a:lumMod val="20000"/>
-                  <a:lumOff val="80000"/>
-                </a:schemeClr>
-              </a:solidFill>
-              <a:effectLst>
-                <a:outerShdw blurRad="38100" dist="38100" dir="2700000" algn="tl">
-                  <a:srgbClr val="000000">
-                    <a:alpha val="43137"/>
-                  </a:srgbClr>
-                </a:outerShdw>
-              </a:effectLst>
-              <a:uLnTx/>
-              <a:uFillTx/>
-              <a:latin typeface="Consolas" panose="020B0609020204030204" pitchFamily="49" charset="0"/>
-              <a:ea typeface="+mn-ea"/>
-              <a:cs typeface="Consolas" panose="020B0609020204030204" pitchFamily="49" charset="0"/>
-            </a:endParaRPr>
-          </a:p>
-          <a:p>
-            <a:pPr marL="630238" marR="0" lvl="1" indent="-273050" algn="l" defTabSz="914400" rtl="0" eaLnBrk="1" fontAlgn="base" latinLnBrk="0" hangingPunct="1">
-              <a:lnSpc>
-                <a:spcPct val="105000"/>
-              </a:lnSpc>
-              <a:spcBef>
-                <a:spcPts val="600"/>
-              </a:spcBef>
-              <a:spcAft>
-                <a:spcPts val="600"/>
-              </a:spcAft>
-              <a:buClr>
-                <a:srgbClr val="8FD600"/>
-              </a:buClr>
-              <a:buSzTx/>
-              <a:buFont typeface="Wingdings 2" pitchFamily="18" charset="2"/>
-              <a:buChar char=""/>
-              <a:tabLst/>
-              <a:defRPr/>
-            </a:pPr>
-            <a:r>
-              <a:rPr kumimoji="0" lang="en-US" sz="1700" b="1" i="0" u="none" strike="noStrike" kern="1200" cap="none" spc="0" normalizeH="0" baseline="0" noProof="0" smtClean="0">
-                <a:ln>
-                  <a:noFill/>
-                </a:ln>
-                <a:solidFill>
-                  <a:schemeClr val="tx1">
-                    <a:lumMod val="40000"/>
-                    <a:lumOff val="60000"/>
-                  </a:schemeClr>
-                </a:solidFill>
-                <a:effectLst>
-                  <a:outerShdw blurRad="38100" dist="38100" dir="2700000" algn="tl">
-                    <a:srgbClr val="000000">
-                      <a:alpha val="43137"/>
-                    </a:srgbClr>
-                  </a:outerShdw>
-                </a:effectLst>
-                <a:uLnTx/>
-                <a:uFillTx/>
-                <a:latin typeface="+mn-lt"/>
-                <a:ea typeface="+mn-ea"/>
-                <a:cs typeface="+mn-cs"/>
-              </a:rPr>
-              <a:t>If </a:t>
-            </a:r>
-            <a:r>
-              <a:rPr kumimoji="0" lang="en-US" sz="1700" b="1" i="0" u="none" strike="noStrike" kern="1200" cap="none" spc="0" normalizeH="0" baseline="0" noProof="0" smtClean="0">
-                <a:ln>
-                  <a:noFill/>
-                </a:ln>
-                <a:solidFill>
-                  <a:schemeClr val="accent5">
-                    <a:lumMod val="20000"/>
-                    <a:lumOff val="80000"/>
-                  </a:schemeClr>
-                </a:solidFill>
-                <a:effectLst>
-                  <a:outerShdw blurRad="38100" dist="38100" dir="2700000" algn="tl">
-                    <a:srgbClr val="000000">
-                      <a:alpha val="43137"/>
-                    </a:srgbClr>
-                  </a:outerShdw>
-                </a:effectLst>
-                <a:uLnTx/>
-                <a:uFillTx/>
-                <a:latin typeface="Consolas" panose="020B0609020204030204" pitchFamily="49" charset="0"/>
-                <a:ea typeface="+mn-ea"/>
-                <a:cs typeface="Consolas" panose="020B0609020204030204" pitchFamily="49" charset="0"/>
-              </a:rPr>
-              <a:t>parentNode</a:t>
-            </a:r>
-            <a:r>
-              <a:rPr kumimoji="0" lang="en-US" sz="1700" b="1" i="0" u="none" strike="noStrike" kern="1200" cap="none" spc="0" normalizeH="0" baseline="0" noProof="0" smtClean="0">
-                <a:ln>
-                  <a:noFill/>
-                </a:ln>
-                <a:solidFill>
-                  <a:schemeClr val="accent5">
-                    <a:lumMod val="20000"/>
-                    <a:lumOff val="80000"/>
-                  </a:schemeClr>
-                </a:solidFill>
-                <a:effectLst>
-                  <a:outerShdw blurRad="38100" dist="38100" dir="2700000" algn="tl">
-                    <a:srgbClr val="000000">
-                      <a:alpha val="43137"/>
-                    </a:srgbClr>
-                  </a:outerShdw>
-                </a:effectLst>
-                <a:uLnTx/>
-                <a:uFillTx/>
-                <a:latin typeface="+mn-lt"/>
-                <a:ea typeface="+mn-ea"/>
-                <a:cs typeface="+mn-cs"/>
-              </a:rPr>
-              <a:t> </a:t>
-            </a:r>
-            <a:r>
-              <a:rPr kumimoji="0" lang="en-US" sz="1700" b="1" i="0" u="none" strike="noStrike" kern="1200" cap="none" spc="0" normalizeH="0" baseline="0" noProof="0" smtClean="0">
-                <a:ln>
-                  <a:noFill/>
-                </a:ln>
-                <a:solidFill>
-                  <a:schemeClr val="tx1">
-                    <a:lumMod val="40000"/>
-                    <a:lumOff val="60000"/>
-                  </a:schemeClr>
-                </a:solidFill>
-                <a:effectLst>
-                  <a:outerShdw blurRad="38100" dist="38100" dir="2700000" algn="tl">
-                    <a:srgbClr val="000000">
-                      <a:alpha val="43137"/>
-                    </a:srgbClr>
-                  </a:outerShdw>
-                </a:effectLst>
-                <a:uLnTx/>
-                <a:uFillTx/>
-                <a:latin typeface="+mn-lt"/>
-                <a:ea typeface="+mn-ea"/>
-                <a:cs typeface="+mn-cs"/>
-              </a:rPr>
-              <a:t>is appended to the DOM, the </a:t>
-            </a:r>
-            <a:r>
-              <a:rPr kumimoji="0" lang="en-US" sz="1700" b="1" i="0" u="none" strike="noStrike" kern="1200" cap="none" spc="0" normalizeH="0" baseline="0" noProof="0" smtClean="0">
-                <a:ln>
-                  <a:noFill/>
-                </a:ln>
-                <a:solidFill>
-                  <a:schemeClr val="accent5">
-                    <a:lumMod val="20000"/>
-                    <a:lumOff val="80000"/>
-                  </a:schemeClr>
-                </a:solidFill>
-                <a:effectLst>
-                  <a:outerShdw blurRad="38100" dist="38100" dir="2700000" algn="tl">
-                    <a:srgbClr val="000000">
-                      <a:alpha val="43137"/>
-                    </a:srgbClr>
-                  </a:outerShdw>
-                </a:effectLst>
-                <a:uLnTx/>
-                <a:uFillTx/>
-                <a:latin typeface="Consolas" panose="020B0609020204030204" pitchFamily="49" charset="0"/>
-                <a:ea typeface="+mn-ea"/>
-                <a:cs typeface="Consolas" panose="020B0609020204030204" pitchFamily="49" charset="0"/>
-              </a:rPr>
-              <a:t>node</a:t>
-            </a:r>
-            <a:r>
-              <a:rPr kumimoji="0" lang="en-US" sz="1700" b="1" i="0" u="none" strike="noStrike" kern="1200" cap="none" spc="0" normalizeH="0" baseline="0" noProof="0" smtClean="0">
-                <a:ln>
-                  <a:noFill/>
-                </a:ln>
-                <a:solidFill>
-                  <a:schemeClr val="accent5">
-                    <a:lumMod val="20000"/>
-                    <a:lumOff val="80000"/>
-                  </a:schemeClr>
-                </a:solidFill>
-                <a:effectLst>
-                  <a:outerShdw blurRad="38100" dist="38100" dir="2700000" algn="tl">
-                    <a:srgbClr val="000000">
-                      <a:alpha val="43137"/>
-                    </a:srgbClr>
-                  </a:outerShdw>
-                </a:effectLst>
-                <a:uLnTx/>
-                <a:uFillTx/>
-                <a:latin typeface="+mn-lt"/>
-                <a:ea typeface="+mn-ea"/>
-                <a:cs typeface="+mn-cs"/>
-              </a:rPr>
-              <a:t> </a:t>
-            </a:r>
-            <a:r>
-              <a:rPr kumimoji="0" lang="en-US" sz="1700" b="1" i="0" u="none" strike="noStrike" kern="1200" cap="none" spc="0" normalizeH="0" baseline="0" noProof="0" smtClean="0">
-                <a:ln>
-                  <a:noFill/>
-                </a:ln>
-                <a:solidFill>
-                  <a:schemeClr val="tx1">
-                    <a:lumMod val="40000"/>
-                    <a:lumOff val="60000"/>
-                  </a:schemeClr>
-                </a:solidFill>
-                <a:effectLst>
-                  <a:outerShdw blurRad="38100" dist="38100" dir="2700000" algn="tl">
-                    <a:srgbClr val="000000">
-                      <a:alpha val="43137"/>
-                    </a:srgbClr>
-                  </a:outerShdw>
-                </a:effectLst>
-                <a:uLnTx/>
-                <a:uFillTx/>
-                <a:latin typeface="+mn-lt"/>
-                <a:ea typeface="+mn-ea"/>
-                <a:cs typeface="+mn-cs"/>
-              </a:rPr>
-              <a:t>is also appended</a:t>
-            </a:r>
-            <a:endParaRPr kumimoji="0" lang="bg-BG" sz="1700" b="1" i="0" u="none" strike="noStrike" kern="1200" cap="none" spc="0" normalizeH="0" baseline="0" noProof="0" dirty="0" smtClean="0">
-              <a:ln>
-                <a:noFill/>
-              </a:ln>
-              <a:solidFill>
-                <a:schemeClr val="tx1">
-                  <a:lumMod val="40000"/>
-                  <a:lumOff val="60000"/>
-                </a:schemeClr>
-              </a:solidFill>
-              <a:effectLst>
-                <a:outerShdw blurRad="38100" dist="38100" dir="2700000" algn="tl">
-                  <a:srgbClr val="000000">
-                    <a:alpha val="43137"/>
-                  </a:srgbClr>
-                </a:outerShdw>
-              </a:effectLst>
-              <a:uLnTx/>
-              <a:uFillTx/>
-              <a:latin typeface="+mn-lt"/>
-              <a:ea typeface="+mn-ea"/>
-              <a:cs typeface="+mn-cs"/>
-            </a:endParaRPr>
-          </a:p>
-        </p:txBody>
-      </p:sp>
-    </p:spTree>
-    <p:extLst>
-      <p:ext uri="{BB962C8B-B14F-4D97-AF65-F5344CB8AC3E}">
-        <p14:creationId xmlns="" xmlns:p14="http://schemas.microsoft.com/office/powerpoint/2010/main" val="1265075290"/>
-      </p:ext>
-    </p:extLst>
-  </p:cSld>
-  <p:clrMapOvr>
-    <a:masterClrMapping/>
-  </p:clrMapOvr>
-  <p:timing>
-    <p:tnLst>
-      <p:par>
-        <p:cTn id="1" dur="indefinite" restart="never" nodeType="tmRoot"/>
-      </p:par>
-    </p:tnLst>
-  </p:timing>
-</p:sld>
-</file>
-
-<file path=ppt/slides/slide4.xml><?xml version="1.0" encoding="utf-8"?>
-<p:sld xmlns:a="http://schemas.openxmlformats.org/drawingml/2006/main" xmlns:r="http://schemas.openxmlformats.org/officeDocument/2006/relationships" xmlns:p="http://schemas.openxmlformats.org/presentationml/2006/main">
-  <p:cSld>
-    <p:spTree>
-      <p:nvGrpSpPr>
-        <p:cNvPr id="1" name=""/>
-        <p:cNvGrpSpPr/>
-        <p:nvPr/>
-      </p:nvGrpSpPr>
-      <p:grpSpPr>
-        <a:xfrm>
-          <a:off x="0" y="0"/>
-          <a:ext cx="0" cy="0"/>
-          <a:chOff x="0" y="0"/>
-          <a:chExt cx="0" cy="0"/>
-        </a:xfrm>
-      </p:grpSpPr>
-      <p:sp>
-        <p:nvSpPr>
-          <p:cNvPr id="4" name="Title 3"/>
-          <p:cNvSpPr>
-            <a:spLocks noGrp="1"/>
-          </p:cNvSpPr>
-          <p:nvPr>
-            <p:ph type="title"/>
-          </p:nvPr>
-        </p:nvSpPr>
-        <p:spPr>
-          <a:xfrm>
-            <a:off x="1828800" y="152400"/>
-            <a:ext cx="7086600" cy="838200"/>
-          </a:xfrm>
-        </p:spPr>
-        <p:txBody>
-          <a:bodyPr/>
-          <a:lstStyle/>
-          <a:p>
-            <a:r>
-              <a:rPr lang="en-US" dirty="0" smtClean="0"/>
-              <a:t>Optimizing the </a:t>
-            </a:r>
-            <a:br>
-              <a:rPr lang="en-US" dirty="0" smtClean="0"/>
-            </a:br>
-            <a:r>
-              <a:rPr lang="en-US" dirty="0" smtClean="0"/>
-              <a:t>Appending of Elements</a:t>
-            </a:r>
-            <a:endParaRPr lang="en-US" dirty="0"/>
-          </a:p>
-        </p:txBody>
-      </p:sp>
-      <p:sp>
-        <p:nvSpPr>
-          <p:cNvPr id="5" name="Content Placeholder 4"/>
-          <p:cNvSpPr>
-            <a:spLocks noGrp="1"/>
-          </p:cNvSpPr>
-          <p:nvPr>
-            <p:ph idx="1"/>
-          </p:nvPr>
-        </p:nvSpPr>
-        <p:spPr>
-          <a:xfrm>
-            <a:off x="228600" y="990600"/>
-            <a:ext cx="8686800" cy="1447800"/>
-          </a:xfrm>
-        </p:spPr>
-        <p:txBody>
-          <a:bodyPr/>
-          <a:lstStyle/>
-          <a:p>
-            <a:pPr>
-              <a:lnSpc>
-                <a:spcPct val="100000"/>
-              </a:lnSpc>
-            </a:pPr>
-            <a:r>
-              <a:rPr lang="en-US" sz="1700" dirty="0" smtClean="0"/>
-              <a:t>Appending elements to the DOM is a</a:t>
-            </a:r>
-            <a:r>
-              <a:rPr lang="bg-BG" sz="1700" dirty="0" smtClean="0"/>
-              <a:t> </a:t>
-            </a:r>
-            <a:r>
-              <a:rPr lang="en-US" sz="1700" dirty="0" smtClean="0"/>
-              <a:t>very </a:t>
-            </a:r>
-            <a:r>
-              <a:rPr lang="en-US" sz="1700" dirty="0" smtClean="0">
-                <a:solidFill>
-                  <a:schemeClr val="accent5">
-                    <a:lumMod val="20000"/>
-                    <a:lumOff val="80000"/>
-                  </a:schemeClr>
-                </a:solidFill>
-              </a:rPr>
-              <a:t>slow</a:t>
-            </a:r>
-          </a:p>
-          <a:p>
-            <a:pPr>
-              <a:lnSpc>
-                <a:spcPct val="100000"/>
-              </a:lnSpc>
-            </a:pPr>
-            <a:r>
-              <a:rPr lang="en-US" sz="1700" dirty="0" smtClean="0"/>
-              <a:t>Here comes the </a:t>
-            </a:r>
-            <a:r>
-              <a:rPr lang="en-US" sz="1700" dirty="0" err="1" smtClean="0">
-                <a:solidFill>
-                  <a:schemeClr val="accent5">
-                    <a:lumMod val="20000"/>
-                    <a:lumOff val="80000"/>
-                  </a:schemeClr>
-                </a:solidFill>
-                <a:latin typeface="Consolas" panose="020B0609020204030204" pitchFamily="49" charset="0"/>
-                <a:cs typeface="Consolas" panose="020B0609020204030204" pitchFamily="49" charset="0"/>
-              </a:rPr>
-              <a:t>DocumentFragment</a:t>
-            </a:r>
-            <a:r>
-              <a:rPr lang="en-US" sz="1700" dirty="0" smtClean="0"/>
-              <a:t> element; It is a minimal DOM element, with no parent; It is used </a:t>
-            </a:r>
-            <a:r>
-              <a:rPr lang="en-US" sz="1700" dirty="0" smtClean="0">
-                <a:solidFill>
-                  <a:schemeClr val="accent5">
-                    <a:lumMod val="20000"/>
-                    <a:lumOff val="80000"/>
-                  </a:schemeClr>
-                </a:solidFill>
-              </a:rPr>
-              <a:t>to store ready-to-append </a:t>
-            </a:r>
-            <a:r>
-              <a:rPr lang="en-US" sz="1700" dirty="0" smtClean="0"/>
-              <a:t>elements</a:t>
-            </a:r>
-            <a:r>
-              <a:rPr lang="en-US" sz="1700" dirty="0"/>
-              <a:t> </a:t>
-            </a:r>
-            <a:r>
-              <a:rPr lang="en-US" sz="1700" dirty="0" smtClean="0"/>
-              <a:t>and append them at once to the DOM</a:t>
-            </a:r>
-          </a:p>
-        </p:txBody>
-      </p:sp>
-    </p:spTree>
-    <p:extLst>
-      <p:ext uri="{BB962C8B-B14F-4D97-AF65-F5344CB8AC3E}">
-        <p14:creationId xmlns="" xmlns:p14="http://schemas.microsoft.com/office/powerpoint/2010/main" val="3967784193"/>
-      </p:ext>
-    </p:extLst>
-  </p:cSld>
-  <p:clrMapOvr>
-    <a:masterClrMapping/>
-  </p:clrMapOvr>
-  <p:timing>
-    <p:tnLst>
-      <p:par>
-        <p:cTn id="1" dur="indefinite" restart="never" nodeType="tmRoot"/>
-      </p:par>
-    </p:tnLst>
-  </p:timing>
-</p:sld>
-</file>
-
-<file path=ppt/slides/slide5.xml><?xml version="1.0" encoding="utf-8"?>
-<p:sld xmlns:a="http://schemas.openxmlformats.org/drawingml/2006/main" xmlns:r="http://schemas.openxmlformats.org/officeDocument/2006/relationships" xmlns:p="http://schemas.openxmlformats.org/presentationml/2006/main">
-  <p:cSld>
-    <p:spTree>
-      <p:nvGrpSpPr>
-        <p:cNvPr id="1" name=""/>
-        <p:cNvGrpSpPr/>
-        <p:nvPr/>
-      </p:nvGrpSpPr>
-      <p:grpSpPr>
-        <a:xfrm>
-          <a:off x="0" y="0"/>
-          <a:ext cx="0" cy="0"/>
-          <a:chOff x="0" y="0"/>
-          <a:chExt cx="0" cy="0"/>
-        </a:xfrm>
-      </p:grpSpPr>
-      <p:sp>
-        <p:nvSpPr>
-          <p:cNvPr id="4" name="Title 3"/>
-          <p:cNvSpPr>
-            <a:spLocks noGrp="1"/>
-          </p:cNvSpPr>
-          <p:nvPr>
-            <p:ph type="title"/>
-          </p:nvPr>
-        </p:nvSpPr>
-        <p:spPr/>
-        <p:txBody>
-          <a:bodyPr/>
-          <a:lstStyle/>
-          <a:p>
-            <a:r>
-              <a:rPr lang="en-US" dirty="0" smtClean="0"/>
-              <a:t>Appending Elements (2)</a:t>
-            </a:r>
-            <a:endParaRPr lang="en-US" dirty="0"/>
-          </a:p>
-        </p:txBody>
-      </p:sp>
-      <p:sp>
-        <p:nvSpPr>
-          <p:cNvPr id="5" name="Content Placeholder 4"/>
-          <p:cNvSpPr>
-            <a:spLocks noGrp="1"/>
-          </p:cNvSpPr>
-          <p:nvPr>
-            <p:ph idx="1"/>
-          </p:nvPr>
-        </p:nvSpPr>
-        <p:spPr>
-          <a:xfrm>
-            <a:off x="228600" y="914400"/>
-            <a:ext cx="8686800" cy="1676400"/>
-          </a:xfrm>
-        </p:spPr>
-        <p:txBody>
-          <a:bodyPr/>
-          <a:lstStyle/>
-          <a:p>
-            <a:r>
-              <a:rPr lang="en-US" sz="1700" dirty="0" err="1" smtClean="0">
-                <a:solidFill>
-                  <a:schemeClr val="accent5">
-                    <a:lumMod val="20000"/>
-                    <a:lumOff val="80000"/>
-                  </a:schemeClr>
-                </a:solidFill>
-                <a:latin typeface="Consolas" panose="020B0609020204030204" pitchFamily="49" charset="0"/>
-                <a:cs typeface="Consolas" panose="020B0609020204030204" pitchFamily="49" charset="0"/>
-              </a:rPr>
-              <a:t>DocumentFragment</a:t>
-            </a:r>
-            <a:r>
-              <a:rPr lang="en-US" sz="1700" dirty="0" smtClean="0">
-                <a:solidFill>
-                  <a:schemeClr val="accent5">
-                    <a:lumMod val="20000"/>
-                    <a:lumOff val="80000"/>
-                  </a:schemeClr>
-                </a:solidFill>
-                <a:latin typeface="Consolas" panose="020B0609020204030204" pitchFamily="49" charset="0"/>
-                <a:cs typeface="Consolas" panose="020B0609020204030204" pitchFamily="49" charset="0"/>
-              </a:rPr>
-              <a:t> - </a:t>
-            </a:r>
-            <a:r>
-              <a:rPr lang="en-US" sz="1700" dirty="0" smtClean="0"/>
-              <a:t>Append </a:t>
-            </a:r>
-            <a:r>
-              <a:rPr lang="en-US" sz="1700" dirty="0" err="1" smtClean="0">
-                <a:solidFill>
-                  <a:schemeClr val="accent5">
-                    <a:lumMod val="20000"/>
-                    <a:lumOff val="80000"/>
-                  </a:schemeClr>
-                </a:solidFill>
-                <a:latin typeface="Consolas" panose="020B0609020204030204" pitchFamily="49" charset="0"/>
-                <a:cs typeface="Consolas" panose="020B0609020204030204" pitchFamily="49" charset="0"/>
-              </a:rPr>
-              <a:t>DocumentFragment</a:t>
-            </a:r>
-            <a:r>
-              <a:rPr lang="en-US" sz="1700" dirty="0" smtClean="0"/>
-              <a:t> to the DOM appends only its child elements</a:t>
-            </a:r>
-          </a:p>
-          <a:p>
-            <a:pPr lvl="1"/>
-            <a:r>
-              <a:rPr lang="en-US" dirty="0">
-                <a:hlinkClick r:id="rId2"/>
-              </a:rPr>
-              <a:t>http://</a:t>
-            </a:r>
-            <a:r>
-              <a:rPr lang="en-US" dirty="0" smtClean="0">
-                <a:hlinkClick r:id="rId2"/>
-              </a:rPr>
-              <a:t>jsperf.com/append-doc-fragment/2</a:t>
-            </a:r>
-            <a:r>
-              <a:rPr lang="en-US" dirty="0" smtClean="0"/>
-              <a:t> </a:t>
-            </a:r>
-          </a:p>
-        </p:txBody>
-      </p:sp>
-      <p:sp>
-        <p:nvSpPr>
-          <p:cNvPr id="6" name="Rectangle 3"/>
-          <p:cNvSpPr>
-            <a:spLocks noChangeArrowheads="1"/>
-          </p:cNvSpPr>
-          <p:nvPr/>
-        </p:nvSpPr>
-        <p:spPr bwMode="auto">
-          <a:xfrm>
-            <a:off x="228600" y="4182208"/>
-            <a:ext cx="8610600" cy="1938992"/>
-          </a:xfrm>
-          <a:prstGeom prst="rect">
-            <a:avLst/>
-          </a:prstGeom>
-          <a:solidFill>
-            <a:schemeClr val="accent5">
-              <a:lumMod val="40000"/>
-              <a:lumOff val="60000"/>
-              <a:alpha val="15000"/>
-            </a:schemeClr>
-          </a:solidFill>
-          <a:ln w="12700">
-            <a:solidFill>
-              <a:schemeClr val="accent5">
-                <a:lumMod val="60000"/>
-                <a:lumOff val="40000"/>
-              </a:schemeClr>
-            </a:solidFill>
-          </a:ln>
-        </p:spPr>
-        <p:txBody>
-          <a:bodyPr wrap="square">
-            <a:spAutoFit/>
-          </a:bodyPr>
-          <a:lstStyle/>
-          <a:p>
-            <a:pPr eaLnBrk="0" hangingPunct="0">
-              <a:buClr>
-                <a:schemeClr val="accent5">
-                  <a:lumMod val="40000"/>
-                  <a:lumOff val="60000"/>
-                </a:schemeClr>
-              </a:buClr>
-              <a:buSzPct val="70000"/>
-              <a:defRPr/>
-            </a:pPr>
-            <a:r>
-              <a:rPr lang="en-US" sz="2000" b="1" noProof="1" smtClean="0">
-                <a:solidFill>
-                  <a:srgbClr val="8CF4F2"/>
-                </a:solidFill>
-                <a:effectLst>
-                  <a:outerShdw blurRad="38100" dist="38100" dir="2700000" algn="tl">
-                    <a:srgbClr val="000000">
-                      <a:alpha val="43137"/>
-                    </a:srgbClr>
-                  </a:outerShdw>
-                </a:effectLst>
-                <a:latin typeface="Consolas" pitchFamily="49" charset="0"/>
-                <a:cs typeface="Consolas" pitchFamily="49" charset="0"/>
-                <a:sym typeface="Wingdings" pitchFamily="2" charset="2"/>
-              </a:rPr>
-              <a:t>dFrag = document.createDocumentFragment();</a:t>
-            </a:r>
-          </a:p>
-          <a:p>
-            <a:pPr eaLnBrk="0" hangingPunct="0">
-              <a:buClr>
-                <a:schemeClr val="accent5">
-                  <a:lumMod val="40000"/>
-                  <a:lumOff val="60000"/>
-                </a:schemeClr>
-              </a:buClr>
-              <a:buSzPct val="70000"/>
-              <a:defRPr/>
-            </a:pPr>
-            <a:endParaRPr lang="en-US" sz="2000" b="1" noProof="1" smtClean="0">
-              <a:solidFill>
-                <a:srgbClr val="8CF4F2"/>
-              </a:solidFill>
-              <a:effectLst>
-                <a:outerShdw blurRad="38100" dist="38100" dir="2700000" algn="tl">
-                  <a:srgbClr val="000000">
-                    <a:alpha val="43137"/>
-                  </a:srgbClr>
-                </a:outerShdw>
-              </a:effectLst>
-              <a:latin typeface="Consolas" pitchFamily="49" charset="0"/>
-              <a:cs typeface="Consolas" pitchFamily="49" charset="0"/>
-              <a:sym typeface="Wingdings" pitchFamily="2" charset="2"/>
-            </a:endParaRPr>
-          </a:p>
-          <a:p>
-            <a:pPr eaLnBrk="0" hangingPunct="0">
-              <a:buClr>
-                <a:schemeClr val="accent5">
-                  <a:lumMod val="40000"/>
-                  <a:lumOff val="60000"/>
-                </a:schemeClr>
-              </a:buClr>
-              <a:buSzPct val="70000"/>
-              <a:defRPr/>
-            </a:pPr>
-            <a:r>
-              <a:rPr lang="en-US" sz="2000" b="1" noProof="1" smtClean="0">
-                <a:solidFill>
-                  <a:srgbClr val="8CF4F2"/>
-                </a:solidFill>
-                <a:effectLst>
-                  <a:outerShdw blurRad="38100" dist="38100" dir="2700000" algn="tl">
-                    <a:srgbClr val="000000">
-                      <a:alpha val="43137"/>
-                    </a:srgbClr>
-                  </a:outerShdw>
-                </a:effectLst>
-                <a:latin typeface="Consolas" pitchFamily="49" charset="0"/>
-                <a:cs typeface="Consolas" pitchFamily="49" charset="0"/>
-                <a:sym typeface="Wingdings" pitchFamily="2" charset="2"/>
-              </a:rPr>
-              <a:t>dFrag.appendChild(div);</a:t>
-            </a:r>
-          </a:p>
-          <a:p>
-            <a:pPr eaLnBrk="0" hangingPunct="0">
-              <a:buClr>
-                <a:schemeClr val="accent5">
-                  <a:lumMod val="40000"/>
-                  <a:lumOff val="60000"/>
-                </a:schemeClr>
-              </a:buClr>
-              <a:buSzPct val="70000"/>
-              <a:defRPr/>
-            </a:pPr>
-            <a:r>
-              <a:rPr lang="en-US" sz="2000" b="1" noProof="1" smtClean="0">
-                <a:solidFill>
-                  <a:srgbClr val="8CF4F2"/>
-                </a:solidFill>
-                <a:effectLst>
-                  <a:outerShdw blurRad="38100" dist="38100" dir="2700000" algn="tl">
-                    <a:srgbClr val="000000">
-                      <a:alpha val="43137"/>
-                    </a:srgbClr>
-                  </a:outerShdw>
-                </a:effectLst>
-                <a:latin typeface="Consolas" pitchFamily="49" charset="0"/>
-                <a:cs typeface="Consolas" pitchFamily="49" charset="0"/>
-                <a:sym typeface="Wingdings" pitchFamily="2" charset="2"/>
-              </a:rPr>
-              <a:t>…</a:t>
-            </a:r>
-          </a:p>
-          <a:p>
-            <a:pPr eaLnBrk="0" hangingPunct="0">
-              <a:buClr>
-                <a:schemeClr val="accent5">
-                  <a:lumMod val="40000"/>
-                  <a:lumOff val="60000"/>
-                </a:schemeClr>
-              </a:buClr>
-              <a:buSzPct val="70000"/>
-              <a:defRPr/>
-            </a:pPr>
-            <a:endParaRPr lang="en-US" sz="2000" b="1" noProof="1">
-              <a:solidFill>
-                <a:srgbClr val="8CF4F2"/>
-              </a:solidFill>
-              <a:effectLst>
-                <a:outerShdw blurRad="38100" dist="38100" dir="2700000" algn="tl">
-                  <a:srgbClr val="000000">
-                    <a:alpha val="43137"/>
-                  </a:srgbClr>
-                </a:outerShdw>
-              </a:effectLst>
-              <a:latin typeface="Consolas" pitchFamily="49" charset="0"/>
-              <a:cs typeface="Consolas" pitchFamily="49" charset="0"/>
-              <a:sym typeface="Wingdings" pitchFamily="2" charset="2"/>
-            </a:endParaRPr>
-          </a:p>
-          <a:p>
-            <a:pPr eaLnBrk="0" hangingPunct="0">
-              <a:buClr>
-                <a:schemeClr val="accent5">
-                  <a:lumMod val="40000"/>
-                  <a:lumOff val="60000"/>
-                </a:schemeClr>
-              </a:buClr>
-              <a:buSzPct val="70000"/>
-              <a:defRPr/>
-            </a:pPr>
-            <a:r>
-              <a:rPr lang="en-US" sz="2000" b="1" noProof="1" smtClean="0">
-                <a:solidFill>
-                  <a:srgbClr val="8CF4F2"/>
-                </a:solidFill>
-                <a:effectLst>
-                  <a:outerShdw blurRad="38100" dist="38100" dir="2700000" algn="tl">
-                    <a:srgbClr val="000000">
-                      <a:alpha val="43137"/>
-                    </a:srgbClr>
-                  </a:outerShdw>
-                </a:effectLst>
-                <a:latin typeface="Consolas" pitchFamily="49" charset="0"/>
-                <a:cs typeface="Consolas" pitchFamily="49" charset="0"/>
-                <a:sym typeface="Wingdings" pitchFamily="2" charset="2"/>
-              </a:rPr>
-              <a:t>document.body.appendChild(dFrag);</a:t>
-            </a:r>
-            <a:endParaRPr lang="en-US" sz="2000" b="1" noProof="1">
-              <a:solidFill>
-                <a:srgbClr val="8CF4F2"/>
-              </a:solidFill>
-              <a:effectLst>
-                <a:outerShdw blurRad="38100" dist="38100" dir="2700000" algn="tl">
-                  <a:srgbClr val="000000">
-                    <a:alpha val="43137"/>
-                  </a:srgbClr>
-                </a:outerShdw>
-              </a:effectLst>
-              <a:latin typeface="Consolas" pitchFamily="49" charset="0"/>
-              <a:cs typeface="Consolas" pitchFamily="49" charset="0"/>
-              <a:sym typeface="Wingdings" pitchFamily="2" charset="2"/>
-            </a:endParaRPr>
-          </a:p>
-        </p:txBody>
-      </p:sp>
-    </p:spTree>
-    <p:extLst>
-      <p:ext uri="{BB962C8B-B14F-4D97-AF65-F5344CB8AC3E}">
-        <p14:creationId xmlns="" xmlns:p14="http://schemas.microsoft.com/office/powerpoint/2010/main" val="521743601"/>
-      </p:ext>
-    </p:extLst>
-  </p:cSld>
-  <p:clrMapOvr>
-    <a:masterClrMapping/>
-  </p:clrMapOvr>
-  <p:timing>
-    <p:tnLst>
-      <p:par>
-        <p:cTn id="1" dur="indefinite" restart="never" nodeType="tmRoot"/>
-      </p:par>
-    </p:tnLst>
-  </p:timing>
-</p:sld>
-</file>
-
-<file path=ppt/slides/slide6.xml><?xml version="1.0" encoding="utf-8"?>
-<p:sld xmlns:a="http://schemas.openxmlformats.org/drawingml/2006/main" xmlns:r="http://schemas.openxmlformats.org/officeDocument/2006/relationships" xmlns:p="http://schemas.openxmlformats.org/presentationml/2006/main">
-  <p:cSld>
-    <p:spTree>
-      <p:nvGrpSpPr>
-        <p:cNvPr id="1" name=""/>
-        <p:cNvGrpSpPr/>
-        <p:nvPr/>
-      </p:nvGrpSpPr>
-      <p:grpSpPr>
-        <a:xfrm>
-          <a:off x="0" y="0"/>
-          <a:ext cx="0" cy="0"/>
-          <a:chOff x="0" y="0"/>
-          <a:chExt cx="0" cy="0"/>
-        </a:xfrm>
-      </p:grpSpPr>
-      <p:sp>
-        <p:nvSpPr>
-          <p:cNvPr id="4" name="Title 3"/>
-          <p:cNvSpPr>
-            <a:spLocks noGrp="1"/>
-          </p:cNvSpPr>
-          <p:nvPr>
-            <p:ph type="title"/>
-          </p:nvPr>
-        </p:nvSpPr>
-        <p:spPr/>
-        <p:txBody>
-          <a:bodyPr/>
-          <a:lstStyle/>
-          <a:p>
-            <a:r>
-              <a:rPr lang="en-US" dirty="0" smtClean="0"/>
-              <a:t>Faster Creation of Elements</a:t>
-            </a:r>
-            <a:endParaRPr lang="en-US" dirty="0"/>
-          </a:p>
-        </p:txBody>
-      </p:sp>
-      <p:sp>
-        <p:nvSpPr>
-          <p:cNvPr id="5" name="Content Placeholder 4"/>
-          <p:cNvSpPr>
-            <a:spLocks noGrp="1"/>
-          </p:cNvSpPr>
-          <p:nvPr>
-            <p:ph idx="1"/>
-          </p:nvPr>
-        </p:nvSpPr>
-        <p:spPr>
-          <a:xfrm>
-            <a:off x="228600" y="990600"/>
-            <a:ext cx="8686800" cy="3431709"/>
-          </a:xfrm>
-        </p:spPr>
-        <p:txBody>
-          <a:bodyPr/>
-          <a:lstStyle/>
-          <a:p>
-            <a:r>
-              <a:rPr lang="en-US" dirty="0" smtClean="0"/>
-              <a:t>Creating a dynamic list of elements</a:t>
-            </a:r>
-          </a:p>
-          <a:p>
-            <a:pPr lvl="1"/>
-            <a:r>
-              <a:rPr lang="en-US" dirty="0" smtClean="0"/>
-              <a:t>All of the LI elements have the same classes, styles, attributes</a:t>
-            </a:r>
-          </a:p>
-          <a:p>
-            <a:pPr lvl="1"/>
-            <a:r>
-              <a:rPr lang="en-US" dirty="0" smtClean="0"/>
-              <a:t>Only the </a:t>
-            </a:r>
-            <a:r>
-              <a:rPr lang="en-US" dirty="0" err="1" smtClean="0"/>
-              <a:t>innerHTML</a:t>
-            </a:r>
-            <a:r>
-              <a:rPr lang="en-US" dirty="0" smtClean="0"/>
-              <a:t> is different</a:t>
-            </a:r>
-          </a:p>
-          <a:p>
-            <a:r>
-              <a:rPr lang="en-US" dirty="0" err="1" smtClean="0"/>
-              <a:t>DOMElement.cloneNode</a:t>
-            </a:r>
-            <a:r>
-              <a:rPr lang="en-US" dirty="0" smtClean="0"/>
-              <a:t>(true)</a:t>
-            </a:r>
-            <a:r>
-              <a:rPr lang="en-US" dirty="0"/>
-              <a:t> </a:t>
-            </a:r>
-            <a:r>
-              <a:rPr lang="en-US" dirty="0" smtClean="0"/>
-              <a:t>can be used</a:t>
-            </a:r>
-          </a:p>
-          <a:p>
-            <a:pPr lvl="1"/>
-            <a:r>
-              <a:rPr lang="en-US" dirty="0" smtClean="0"/>
-              <a:t>Creates a full copy (deep copy) of the element</a:t>
-            </a:r>
-          </a:p>
-        </p:txBody>
-      </p:sp>
-    </p:spTree>
-    <p:extLst>
-      <p:ext uri="{BB962C8B-B14F-4D97-AF65-F5344CB8AC3E}">
-        <p14:creationId xmlns="" xmlns:p14="http://schemas.microsoft.com/office/powerpoint/2010/main" val="4103660868"/>
-      </p:ext>
-    </p:extLst>
-  </p:cSld>
-  <p:clrMapOvr>
-    <a:masterClrMapping/>
-  </p:clrMapOvr>
-</p:sld>
-</file>
-
-<file path=ppt/slides/slide7.xml><?xml version="1.0" encoding="utf-8"?>
-<p:sld xmlns:a="http://schemas.openxmlformats.org/drawingml/2006/main" xmlns:r="http://schemas.openxmlformats.org/officeDocument/2006/relationships" xmlns:p="http://schemas.openxmlformats.org/presentationml/2006/main">
-  <p:cSld>
-    <p:spTree>
-      <p:nvGrpSpPr>
-        <p:cNvPr id="1" name=""/>
-        <p:cNvGrpSpPr/>
-        <p:nvPr/>
-      </p:nvGrpSpPr>
-      <p:grpSpPr>
-        <a:xfrm>
-          <a:off x="0" y="0"/>
-          <a:ext cx="0" cy="0"/>
-          <a:chOff x="0" y="0"/>
-          <a:chExt cx="0" cy="0"/>
-        </a:xfrm>
-      </p:grpSpPr>
-      <p:sp>
-        <p:nvSpPr>
-          <p:cNvPr id="4" name="Title 3"/>
-          <p:cNvSpPr>
-            <a:spLocks noGrp="1"/>
-          </p:cNvSpPr>
-          <p:nvPr>
-            <p:ph type="title"/>
-          </p:nvPr>
-        </p:nvSpPr>
-        <p:spPr/>
-        <p:txBody>
-          <a:bodyPr/>
-          <a:lstStyle/>
-          <a:p>
-            <a:r>
-              <a:rPr lang="en-US" dirty="0" smtClean="0"/>
-              <a:t>Homework</a:t>
-            </a:r>
-            <a:endParaRPr lang="en-US" dirty="0"/>
-          </a:p>
-        </p:txBody>
-      </p:sp>
-      <p:sp>
-        <p:nvSpPr>
-          <p:cNvPr id="5" name="Content Placeholder 4"/>
-          <p:cNvSpPr>
-            <a:spLocks noGrp="1"/>
-          </p:cNvSpPr>
-          <p:nvPr>
-            <p:ph idx="1"/>
-          </p:nvPr>
-        </p:nvSpPr>
-        <p:spPr>
-          <a:xfrm>
-            <a:off x="228600" y="762000"/>
-            <a:ext cx="8686800" cy="5791200"/>
-          </a:xfrm>
-        </p:spPr>
-        <p:txBody>
-          <a:bodyPr/>
-          <a:lstStyle/>
-          <a:p>
-            <a:pPr marL="342900" indent="-285750">
-              <a:lnSpc>
-                <a:spcPct val="100000"/>
-              </a:lnSpc>
-              <a:buFont typeface="+mj-lt"/>
-              <a:buAutoNum type="arabicPeriod"/>
-              <a:tabLst>
-                <a:tab pos="282575" algn="l"/>
-                <a:tab pos="404813" algn="l"/>
-              </a:tabLst>
-            </a:pPr>
-            <a:r>
-              <a:rPr lang="en-US" sz="2800" dirty="0" smtClean="0"/>
-              <a:t>Write a script that creates a number of div elements. Each div element must have the following</a:t>
-            </a:r>
-          </a:p>
-          <a:p>
-            <a:pPr marL="685800" lvl="1" indent="-280988">
-              <a:lnSpc>
-                <a:spcPct val="100000"/>
-              </a:lnSpc>
-              <a:tabLst>
-                <a:tab pos="282575" algn="l"/>
-                <a:tab pos="404813" algn="l"/>
-              </a:tabLst>
-            </a:pPr>
-            <a:r>
-              <a:rPr lang="en-US" sz="2600" dirty="0" smtClean="0"/>
-              <a:t>Random width and height between </a:t>
-            </a:r>
-            <a:r>
-              <a:rPr lang="en-US" sz="2600" dirty="0" smtClean="0">
-                <a:latin typeface="Consolas" panose="020B0609020204030204" pitchFamily="49" charset="0"/>
-                <a:cs typeface="Consolas" panose="020B0609020204030204" pitchFamily="49" charset="0"/>
-              </a:rPr>
-              <a:t>20</a:t>
-            </a:r>
-            <a:r>
-              <a:rPr lang="en-US" sz="2600" dirty="0" smtClean="0"/>
-              <a:t>px and </a:t>
-            </a:r>
-            <a:r>
-              <a:rPr lang="en-US" sz="2600" dirty="0" smtClean="0">
-                <a:latin typeface="Consolas" panose="020B0609020204030204" pitchFamily="49" charset="0"/>
-                <a:cs typeface="Consolas" panose="020B0609020204030204" pitchFamily="49" charset="0"/>
-              </a:rPr>
-              <a:t>100</a:t>
-            </a:r>
-            <a:r>
-              <a:rPr lang="en-US" sz="2600" dirty="0" smtClean="0"/>
-              <a:t>px</a:t>
-            </a:r>
-          </a:p>
-          <a:p>
-            <a:pPr marL="685800" lvl="1" indent="-280988">
-              <a:lnSpc>
-                <a:spcPct val="100000"/>
-              </a:lnSpc>
-              <a:tabLst>
-                <a:tab pos="282575" algn="l"/>
-                <a:tab pos="404813" algn="l"/>
-              </a:tabLst>
-            </a:pPr>
-            <a:r>
-              <a:rPr lang="en-US" sz="2600" dirty="0" smtClean="0"/>
-              <a:t>Random background color</a:t>
-            </a:r>
-          </a:p>
-          <a:p>
-            <a:pPr marL="685800" lvl="1" indent="-280988">
-              <a:lnSpc>
-                <a:spcPct val="100000"/>
-              </a:lnSpc>
-              <a:tabLst>
-                <a:tab pos="282575" algn="l"/>
-                <a:tab pos="404813" algn="l"/>
-              </a:tabLst>
-            </a:pPr>
-            <a:r>
-              <a:rPr lang="en-US" sz="2600" dirty="0" smtClean="0"/>
-              <a:t>Random font color</a:t>
-            </a:r>
-          </a:p>
-          <a:p>
-            <a:pPr marL="685800" lvl="1" indent="-280988">
-              <a:lnSpc>
-                <a:spcPct val="100000"/>
-              </a:lnSpc>
-              <a:tabLst>
-                <a:tab pos="282575" algn="l"/>
-                <a:tab pos="404813" algn="l"/>
-              </a:tabLst>
-            </a:pPr>
-            <a:r>
-              <a:rPr lang="en-US" sz="2600" dirty="0" smtClean="0"/>
-              <a:t>Random position on the screen (</a:t>
-            </a:r>
-            <a:r>
-              <a:rPr lang="en-US" sz="2600" dirty="0" err="1" smtClean="0"/>
-              <a:t>position:absolute</a:t>
-            </a:r>
-            <a:r>
-              <a:rPr lang="en-US" sz="2600" dirty="0" smtClean="0"/>
-              <a:t>)</a:t>
-            </a:r>
-          </a:p>
-          <a:p>
-            <a:pPr marL="685800" lvl="1" indent="-280988">
-              <a:lnSpc>
-                <a:spcPct val="100000"/>
-              </a:lnSpc>
-              <a:tabLst>
-                <a:tab pos="282575" algn="l"/>
-                <a:tab pos="404813" algn="l"/>
-              </a:tabLst>
-            </a:pPr>
-            <a:r>
-              <a:rPr lang="en-US" sz="2600" dirty="0" smtClean="0"/>
-              <a:t>A strong element with text "div" inside the div</a:t>
-            </a:r>
-          </a:p>
-          <a:p>
-            <a:pPr marL="685800" lvl="1" indent="-280988">
-              <a:lnSpc>
-                <a:spcPct val="100000"/>
-              </a:lnSpc>
-              <a:tabLst>
-                <a:tab pos="282575" algn="l"/>
-                <a:tab pos="404813" algn="l"/>
-              </a:tabLst>
-            </a:pPr>
-            <a:r>
-              <a:rPr lang="en-US" sz="2600" dirty="0" smtClean="0"/>
-              <a:t>Random border radius</a:t>
-            </a:r>
-          </a:p>
-          <a:p>
-            <a:pPr marL="685800" lvl="1" indent="-280988">
-              <a:lnSpc>
-                <a:spcPct val="100000"/>
-              </a:lnSpc>
-              <a:tabLst>
-                <a:tab pos="282575" algn="l"/>
-                <a:tab pos="404813" algn="l"/>
-              </a:tabLst>
-            </a:pPr>
-            <a:r>
-              <a:rPr lang="en-US" sz="2600" dirty="0" smtClean="0"/>
-              <a:t>Random border color</a:t>
-            </a:r>
-          </a:p>
-          <a:p>
-            <a:pPr marL="685800" lvl="1" indent="-280988">
-              <a:lnSpc>
-                <a:spcPct val="100000"/>
-              </a:lnSpc>
-              <a:tabLst>
-                <a:tab pos="282575" algn="l"/>
-                <a:tab pos="404813" algn="l"/>
-              </a:tabLst>
-            </a:pPr>
-            <a:r>
-              <a:rPr lang="en-US" sz="2600" dirty="0" smtClean="0"/>
-              <a:t>Random border width between </a:t>
-            </a:r>
-            <a:r>
-              <a:rPr lang="en-US" sz="2600" dirty="0" smtClean="0">
-                <a:latin typeface="Consolas" panose="020B0609020204030204" pitchFamily="49" charset="0"/>
-                <a:cs typeface="Consolas" panose="020B0609020204030204" pitchFamily="49" charset="0"/>
-              </a:rPr>
-              <a:t>1</a:t>
-            </a:r>
-            <a:r>
-              <a:rPr lang="en-US" sz="2600" dirty="0" smtClean="0"/>
-              <a:t>px and </a:t>
-            </a:r>
-            <a:r>
-              <a:rPr lang="en-US" sz="2600" dirty="0" smtClean="0">
-                <a:latin typeface="Consolas" panose="020B0609020204030204" pitchFamily="49" charset="0"/>
-                <a:cs typeface="Consolas" panose="020B0609020204030204" pitchFamily="49" charset="0"/>
-              </a:rPr>
-              <a:t>20</a:t>
-            </a:r>
-            <a:r>
-              <a:rPr lang="en-US" sz="2600" dirty="0" smtClean="0"/>
-              <a:t>px</a:t>
-            </a:r>
-            <a:endParaRPr lang="en-US" sz="2600" dirty="0"/>
-          </a:p>
-          <a:p>
-            <a:pPr marL="685800" lvl="1" indent="-280988">
-              <a:lnSpc>
-                <a:spcPct val="100000"/>
-              </a:lnSpc>
-              <a:tabLst>
-                <a:tab pos="282575" algn="l"/>
-                <a:tab pos="404813" algn="l"/>
-              </a:tabLst>
-            </a:pPr>
-            <a:endParaRPr lang="en-US" sz="2600" dirty="0" smtClean="0"/>
-          </a:p>
-        </p:txBody>
-      </p:sp>
-    </p:spTree>
-    <p:extLst>
-      <p:ext uri="{BB962C8B-B14F-4D97-AF65-F5344CB8AC3E}">
-        <p14:creationId xmlns="" xmlns:p14="http://schemas.microsoft.com/office/powerpoint/2010/main" val="4077870162"/>
-      </p:ext>
-    </p:extLst>
-  </p:cSld>
-  <p:clrMapOvr>
-    <a:masterClrMapping/>
-  </p:clrMapOvr>
-  <p:timing>
-    <p:tnLst>
-      <p:par>
-        <p:cTn id="1" dur="indefinite" restart="never" nodeType="tmRoot"/>
-      </p:par>
-    </p:tnLst>
-  </p:timing>
-</p:sld>
-</file>
-
-<file path=ppt/slides/slide8.xml><?xml version="1.0" encoding="utf-8"?>
-<p:sld xmlns:a="http://schemas.openxmlformats.org/drawingml/2006/main" xmlns:r="http://schemas.openxmlformats.org/officeDocument/2006/relationships" xmlns:p="http://schemas.openxmlformats.org/presentationml/2006/main">
-  <p:cSld>
-    <p:spTree>
-      <p:nvGrpSpPr>
-        <p:cNvPr id="1" name=""/>
-        <p:cNvGrpSpPr/>
-        <p:nvPr/>
-      </p:nvGrpSpPr>
-      <p:grpSpPr>
-        <a:xfrm>
-          <a:off x="0" y="0"/>
-          <a:ext cx="0" cy="0"/>
-          <a:chOff x="0" y="0"/>
-          <a:chExt cx="0" cy="0"/>
-        </a:xfrm>
-      </p:grpSpPr>
-      <p:sp>
-        <p:nvSpPr>
-          <p:cNvPr id="4" name="Title 3"/>
-          <p:cNvSpPr>
-            <a:spLocks noGrp="1"/>
-          </p:cNvSpPr>
-          <p:nvPr>
-            <p:ph type="title"/>
-          </p:nvPr>
-        </p:nvSpPr>
-        <p:spPr/>
-        <p:txBody>
-          <a:bodyPr/>
-          <a:lstStyle/>
-          <a:p>
-            <a:r>
-              <a:rPr lang="en-US" dirty="0" smtClean="0"/>
-              <a:t>Homework (2)</a:t>
-            </a:r>
-            <a:endParaRPr lang="en-US" dirty="0"/>
-          </a:p>
-        </p:txBody>
-      </p:sp>
-      <p:sp>
-        <p:nvSpPr>
-          <p:cNvPr id="5" name="Content Placeholder 4"/>
-          <p:cNvSpPr>
-            <a:spLocks noGrp="1"/>
-          </p:cNvSpPr>
-          <p:nvPr>
-            <p:ph idx="1"/>
-          </p:nvPr>
-        </p:nvSpPr>
-        <p:spPr>
-          <a:xfrm>
-            <a:off x="228600" y="762000"/>
-            <a:ext cx="8686800" cy="5791200"/>
-          </a:xfrm>
-        </p:spPr>
-        <p:txBody>
-          <a:bodyPr/>
-          <a:lstStyle/>
-          <a:p>
-            <a:pPr marL="342900" indent="-285750">
-              <a:lnSpc>
-                <a:spcPct val="100000"/>
-              </a:lnSpc>
-              <a:buFont typeface="+mj-lt"/>
-              <a:buAutoNum type="arabicPeriod" startAt="2"/>
-              <a:tabLst>
-                <a:tab pos="282575" algn="l"/>
-                <a:tab pos="404813" algn="l"/>
-              </a:tabLst>
-            </a:pPr>
-            <a:r>
-              <a:rPr lang="en-US" sz="2800" dirty="0" smtClean="0"/>
-              <a:t>Write a script that creates 5 div elements and moves them in circular path with interval of 100 milliseconds</a:t>
-            </a:r>
-          </a:p>
-          <a:p>
-            <a:pPr marL="342900" indent="-285750">
-              <a:lnSpc>
-                <a:spcPct val="100000"/>
-              </a:lnSpc>
-              <a:buFont typeface="+mj-lt"/>
-              <a:buAutoNum type="arabicPeriod" startAt="2"/>
-              <a:tabLst>
-                <a:tab pos="282575" algn="l"/>
-                <a:tab pos="404813" algn="l"/>
-              </a:tabLst>
-            </a:pPr>
-            <a:r>
-              <a:rPr lang="en-US" sz="2800" dirty="0" smtClean="0"/>
-              <a:t>Create a text area and two inputs with type="color"</a:t>
-            </a:r>
-          </a:p>
-          <a:p>
-            <a:pPr marL="685800" lvl="1" indent="-280988">
-              <a:lnSpc>
-                <a:spcPct val="100000"/>
-              </a:lnSpc>
-              <a:tabLst>
-                <a:tab pos="282575" algn="l"/>
-                <a:tab pos="404813" algn="l"/>
-              </a:tabLst>
-            </a:pPr>
-            <a:r>
-              <a:rPr lang="en-US" sz="2600" dirty="0" smtClean="0">
-                <a:solidFill>
-                  <a:srgbClr val="CCFF66">
-                    <a:lumMod val="40000"/>
-                    <a:lumOff val="60000"/>
-                  </a:srgbClr>
-                </a:solidFill>
-              </a:rPr>
-              <a:t>Make the font color of the text area as the value of the first color input</a:t>
-            </a:r>
-          </a:p>
-          <a:p>
-            <a:pPr marL="685800" lvl="1" indent="-280988">
-              <a:lnSpc>
-                <a:spcPct val="100000"/>
-              </a:lnSpc>
-              <a:tabLst>
-                <a:tab pos="282575" algn="l"/>
-                <a:tab pos="404813" algn="l"/>
-              </a:tabLst>
-            </a:pPr>
-            <a:r>
-              <a:rPr lang="en-US" sz="2600" dirty="0" smtClean="0">
-                <a:solidFill>
-                  <a:srgbClr val="CCFF66">
-                    <a:lumMod val="40000"/>
-                    <a:lumOff val="60000"/>
-                  </a:srgbClr>
-                </a:solidFill>
-              </a:rPr>
-              <a:t>Make the background color of the text area as the value of the second input</a:t>
-            </a:r>
-            <a:endParaRPr lang="en-US" sz="2600" dirty="0" smtClean="0"/>
-          </a:p>
-        </p:txBody>
-      </p:sp>
-    </p:spTree>
-    <p:extLst>
-      <p:ext uri="{BB962C8B-B14F-4D97-AF65-F5344CB8AC3E}">
-        <p14:creationId xmlns="" xmlns:p14="http://schemas.microsoft.com/office/powerpoint/2010/main" val="1056160077"/>
-      </p:ext>
-    </p:extLst>
-  </p:cSld>
-  <p:clrMapOvr>
-    <a:masterClrMapping/>
-  </p:clrMapOvr>
-  <p:timing>
-    <p:tnLst>
-      <p:par>
-        <p:cTn id="1" dur="indefinite" restart="never" nodeType="tmRoot"/>
-      </p:par>
-    </p:tnLst>
-  </p:timing>
-</p:sld>
-</file>
-
-<file path=ppt/slides/slide9.xml><?xml version="1.0" encoding="utf-8"?>
-<p:sld xmlns:a="http://schemas.openxmlformats.org/drawingml/2006/main" xmlns:r="http://schemas.openxmlformats.org/officeDocument/2006/relationships" xmlns:p="http://schemas.openxmlformats.org/presentationml/2006/main">
-  <p:cSld>
-    <p:spTree>
-      <p:nvGrpSpPr>
-        <p:cNvPr id="1" name=""/>
-        <p:cNvGrpSpPr/>
-        <p:nvPr/>
-      </p:nvGrpSpPr>
-      <p:grpSpPr>
-        <a:xfrm>
-          <a:off x="0" y="0"/>
-          <a:ext cx="0" cy="0"/>
-          <a:chOff x="0" y="0"/>
-          <a:chExt cx="0" cy="0"/>
-        </a:xfrm>
-      </p:grpSpPr>
-      <p:sp>
-        <p:nvSpPr>
-          <p:cNvPr id="4" name="Title 3"/>
-          <p:cNvSpPr>
-            <a:spLocks noGrp="1"/>
-          </p:cNvSpPr>
-          <p:nvPr>
-            <p:ph type="title"/>
-          </p:nvPr>
-        </p:nvSpPr>
-        <p:spPr/>
-        <p:txBody>
-          <a:bodyPr/>
-          <a:lstStyle/>
-          <a:p>
-            <a:r>
-              <a:rPr lang="en-US" dirty="0" smtClean="0"/>
-              <a:t>Homework (3)</a:t>
-            </a:r>
-            <a:endParaRPr lang="en-US" dirty="0"/>
-          </a:p>
-        </p:txBody>
-      </p:sp>
-      <p:sp>
-        <p:nvSpPr>
-          <p:cNvPr id="5" name="Content Placeholder 4"/>
-          <p:cNvSpPr>
-            <a:spLocks noGrp="1"/>
-          </p:cNvSpPr>
-          <p:nvPr>
-            <p:ph idx="1"/>
-          </p:nvPr>
-        </p:nvSpPr>
-        <p:spPr>
-          <a:xfrm>
-            <a:off x="228600" y="762000"/>
-            <a:ext cx="8686800" cy="5791200"/>
-          </a:xfrm>
-        </p:spPr>
-        <p:txBody>
-          <a:bodyPr/>
-          <a:lstStyle/>
-          <a:p>
-            <a:pPr marL="400050" indent="-342900">
-              <a:lnSpc>
-                <a:spcPct val="100000"/>
-              </a:lnSpc>
-              <a:buFont typeface="+mj-lt"/>
-              <a:buAutoNum type="arabicPeriod" startAt="4"/>
-              <a:tabLst>
-                <a:tab pos="282575" algn="l"/>
-                <a:tab pos="404813" algn="l"/>
-              </a:tabLst>
-            </a:pPr>
-            <a:r>
-              <a:rPr lang="en-US" sz="2800" dirty="0" smtClean="0"/>
-              <a:t>Create a tag cloud:</a:t>
-            </a:r>
-          </a:p>
-          <a:p>
-            <a:pPr marL="685800" lvl="1" indent="-280988">
-              <a:lnSpc>
-                <a:spcPct val="100000"/>
-              </a:lnSpc>
-              <a:tabLst>
-                <a:tab pos="282575" algn="l"/>
-                <a:tab pos="404813" algn="l"/>
-              </a:tabLst>
-            </a:pPr>
-            <a:r>
-              <a:rPr lang="en-US" sz="2600" dirty="0" smtClean="0">
-                <a:solidFill>
-                  <a:srgbClr val="CCFF66">
-                    <a:lumMod val="40000"/>
-                    <a:lumOff val="60000"/>
-                  </a:srgbClr>
-                </a:solidFill>
-              </a:rPr>
-              <a:t>Visualize a string of tags (strings) in a given container</a:t>
-            </a:r>
-          </a:p>
-          <a:p>
-            <a:pPr marL="685800" lvl="1" indent="-280988">
-              <a:lnSpc>
-                <a:spcPct val="100000"/>
-              </a:lnSpc>
-              <a:tabLst>
-                <a:tab pos="282575" algn="l"/>
-                <a:tab pos="404813" algn="l"/>
-              </a:tabLst>
-            </a:pPr>
-            <a:r>
-              <a:rPr lang="en-US" sz="2600" dirty="0" smtClean="0">
-                <a:solidFill>
-                  <a:srgbClr val="CCFF66">
-                    <a:lumMod val="40000"/>
-                    <a:lumOff val="60000"/>
-                  </a:srgbClr>
-                </a:solidFill>
-              </a:rPr>
-              <a:t>By given </a:t>
-            </a:r>
-            <a:r>
-              <a:rPr lang="en-US" sz="2600" dirty="0" err="1" smtClean="0">
-                <a:solidFill>
-                  <a:srgbClr val="CCFF66">
-                    <a:lumMod val="40000"/>
-                    <a:lumOff val="60000"/>
-                  </a:srgbClr>
-                </a:solidFill>
-              </a:rPr>
-              <a:t>minFontSize</a:t>
-            </a:r>
-            <a:r>
-              <a:rPr lang="en-US" sz="2600" dirty="0" smtClean="0">
-                <a:solidFill>
-                  <a:srgbClr val="CCFF66">
-                    <a:lumMod val="40000"/>
-                    <a:lumOff val="60000"/>
-                  </a:srgbClr>
-                </a:solidFill>
-              </a:rPr>
-              <a:t> and </a:t>
-            </a:r>
-            <a:r>
-              <a:rPr lang="en-US" sz="2600" dirty="0" err="1" smtClean="0">
-                <a:solidFill>
-                  <a:srgbClr val="CCFF66">
-                    <a:lumMod val="40000"/>
-                    <a:lumOff val="60000"/>
-                  </a:srgbClr>
-                </a:solidFill>
-              </a:rPr>
-              <a:t>maxFontSize</a:t>
-            </a:r>
-            <a:r>
-              <a:rPr lang="en-US" sz="2600" dirty="0" smtClean="0">
-                <a:solidFill>
-                  <a:srgbClr val="CCFF66">
-                    <a:lumMod val="40000"/>
-                    <a:lumOff val="60000"/>
-                  </a:srgbClr>
-                </a:solidFill>
-              </a:rPr>
-              <a:t>, generate the tags with different font-size, depending on the number of occurrences</a:t>
-            </a:r>
-          </a:p>
-        </p:txBody>
-      </p:sp>
-      <p:sp>
-        <p:nvSpPr>
-          <p:cNvPr id="6" name="Rectangle 5"/>
-          <p:cNvSpPr>
-            <a:spLocks noChangeArrowheads="1"/>
-          </p:cNvSpPr>
-          <p:nvPr/>
-        </p:nvSpPr>
-        <p:spPr bwMode="auto">
-          <a:xfrm>
-            <a:off x="603250" y="3429000"/>
-            <a:ext cx="7931150" cy="2862322"/>
-          </a:xfrm>
-          <a:prstGeom prst="rect">
-            <a:avLst/>
-          </a:prstGeom>
-          <a:solidFill>
-            <a:schemeClr val="accent5">
-              <a:lumMod val="40000"/>
-              <a:lumOff val="60000"/>
-              <a:alpha val="15000"/>
-            </a:schemeClr>
-          </a:solidFill>
-          <a:ln w="12700">
-            <a:solidFill>
-              <a:schemeClr val="accent5">
-                <a:lumMod val="60000"/>
-                <a:lumOff val="40000"/>
-              </a:schemeClr>
-            </a:solidFill>
-          </a:ln>
-        </p:spPr>
-        <p:txBody>
-          <a:bodyPr wrap="square">
-            <a:spAutoFit/>
-          </a:bodyPr>
-          <a:lstStyle/>
-          <a:p>
-            <a:pPr eaLnBrk="0" hangingPunct="0">
-              <a:buClr>
-                <a:schemeClr val="accent5">
-                  <a:lumMod val="40000"/>
-                  <a:lumOff val="60000"/>
-                </a:schemeClr>
-              </a:buClr>
-              <a:buSzPct val="70000"/>
-              <a:defRPr/>
-            </a:pPr>
-            <a:r>
-              <a:rPr lang="en-US" sz="2000" b="1" noProof="1">
-                <a:solidFill>
-                  <a:srgbClr val="8CF4F2"/>
-                </a:solidFill>
-                <a:effectLst>
-                  <a:outerShdw blurRad="38100" dist="38100" dir="2700000" algn="tl">
-                    <a:srgbClr val="000000">
-                      <a:alpha val="43137"/>
-                    </a:srgbClr>
-                  </a:outerShdw>
-                </a:effectLst>
-                <a:latin typeface="Consolas" pitchFamily="49" charset="0"/>
-                <a:cs typeface="Consolas" pitchFamily="49" charset="0"/>
-                <a:sym typeface="Wingdings" pitchFamily="2" charset="2"/>
-              </a:rPr>
-              <a:t>var </a:t>
-            </a:r>
-            <a:r>
-              <a:rPr lang="en-US" sz="2000" b="1" noProof="1" smtClean="0">
-                <a:solidFill>
-                  <a:srgbClr val="8CF4F2"/>
-                </a:solidFill>
-                <a:effectLst>
-                  <a:outerShdw blurRad="38100" dist="38100" dir="2700000" algn="tl">
-                    <a:srgbClr val="000000">
-                      <a:alpha val="43137"/>
-                    </a:srgbClr>
-                  </a:outerShdw>
-                </a:effectLst>
-                <a:latin typeface="Consolas" pitchFamily="49" charset="0"/>
-                <a:cs typeface="Consolas" pitchFamily="49" charset="0"/>
-                <a:sym typeface="Wingdings" pitchFamily="2" charset="2"/>
-              </a:rPr>
-              <a:t>tags </a:t>
-            </a:r>
-            <a:r>
-              <a:rPr lang="en-US" sz="2000" b="1" noProof="1">
-                <a:solidFill>
-                  <a:srgbClr val="8CF4F2"/>
-                </a:solidFill>
-                <a:effectLst>
-                  <a:outerShdw blurRad="38100" dist="38100" dir="2700000" algn="tl">
-                    <a:srgbClr val="000000">
-                      <a:alpha val="43137"/>
-                    </a:srgbClr>
-                  </a:outerShdw>
-                </a:effectLst>
-                <a:latin typeface="Consolas" pitchFamily="49" charset="0"/>
-                <a:cs typeface="Consolas" pitchFamily="49" charset="0"/>
-                <a:sym typeface="Wingdings" pitchFamily="2" charset="2"/>
-              </a:rPr>
-              <a:t>= ["cms", "javascript", "js", </a:t>
-            </a:r>
-            <a:r>
-              <a:rPr lang="en-US" sz="2000" b="1" noProof="1" smtClean="0">
-                <a:solidFill>
-                  <a:srgbClr val="8CF4F2"/>
-                </a:solidFill>
-                <a:effectLst>
-                  <a:outerShdw blurRad="38100" dist="38100" dir="2700000" algn="tl">
-                    <a:srgbClr val="000000">
-                      <a:alpha val="43137"/>
-                    </a:srgbClr>
-                  </a:outerShdw>
-                </a:effectLst>
-                <a:latin typeface="Consolas" pitchFamily="49" charset="0"/>
-                <a:cs typeface="Consolas" pitchFamily="49" charset="0"/>
-                <a:sym typeface="Wingdings" pitchFamily="2" charset="2"/>
-              </a:rPr>
-              <a:t/>
-            </a:r>
-            <a:br>
-              <a:rPr lang="en-US" sz="2000" b="1" noProof="1" smtClean="0">
-                <a:solidFill>
-                  <a:srgbClr val="8CF4F2"/>
-                </a:solidFill>
-                <a:effectLst>
-                  <a:outerShdw blurRad="38100" dist="38100" dir="2700000" algn="tl">
-                    <a:srgbClr val="000000">
-                      <a:alpha val="43137"/>
-                    </a:srgbClr>
-                  </a:outerShdw>
-                </a:effectLst>
-                <a:latin typeface="Consolas" pitchFamily="49" charset="0"/>
-                <a:cs typeface="Consolas" pitchFamily="49" charset="0"/>
-                <a:sym typeface="Wingdings" pitchFamily="2" charset="2"/>
-              </a:rPr>
-            </a:br>
-            <a:r>
-              <a:rPr lang="en-US" sz="2000" b="1" noProof="1" smtClean="0">
-                <a:solidFill>
-                  <a:srgbClr val="8CF4F2"/>
-                </a:solidFill>
-                <a:effectLst>
-                  <a:outerShdw blurRad="38100" dist="38100" dir="2700000" algn="tl">
-                    <a:srgbClr val="000000">
-                      <a:alpha val="43137"/>
-                    </a:srgbClr>
-                  </a:outerShdw>
-                </a:effectLst>
-                <a:latin typeface="Consolas" pitchFamily="49" charset="0"/>
-                <a:cs typeface="Consolas" pitchFamily="49" charset="0"/>
-                <a:sym typeface="Wingdings" pitchFamily="2" charset="2"/>
-              </a:rPr>
-              <a:t>"</a:t>
-            </a:r>
-            <a:r>
-              <a:rPr lang="en-US" sz="2000" b="1" noProof="1">
-                <a:solidFill>
-                  <a:srgbClr val="8CF4F2"/>
-                </a:solidFill>
-                <a:effectLst>
-                  <a:outerShdw blurRad="38100" dist="38100" dir="2700000" algn="tl">
-                    <a:srgbClr val="000000">
-                      <a:alpha val="43137"/>
-                    </a:srgbClr>
-                  </a:outerShdw>
-                </a:effectLst>
-                <a:latin typeface="Consolas" pitchFamily="49" charset="0"/>
-                <a:cs typeface="Consolas" pitchFamily="49" charset="0"/>
-                <a:sym typeface="Wingdings" pitchFamily="2" charset="2"/>
-              </a:rPr>
-              <a:t>ASP.NET MVC", ".net", ".net", "css", </a:t>
-            </a:r>
-            <a:r>
-              <a:rPr lang="en-US" sz="2000" b="1" noProof="1" smtClean="0">
-                <a:solidFill>
-                  <a:srgbClr val="8CF4F2"/>
-                </a:solidFill>
-                <a:effectLst>
-                  <a:outerShdw blurRad="38100" dist="38100" dir="2700000" algn="tl">
-                    <a:srgbClr val="000000">
-                      <a:alpha val="43137"/>
-                    </a:srgbClr>
-                  </a:outerShdw>
-                </a:effectLst>
-                <a:latin typeface="Consolas" pitchFamily="49" charset="0"/>
-                <a:cs typeface="Consolas" pitchFamily="49" charset="0"/>
-                <a:sym typeface="Wingdings" pitchFamily="2" charset="2"/>
-              </a:rPr>
-              <a:t/>
-            </a:r>
-            <a:br>
-              <a:rPr lang="en-US" sz="2000" b="1" noProof="1" smtClean="0">
-                <a:solidFill>
-                  <a:srgbClr val="8CF4F2"/>
-                </a:solidFill>
-                <a:effectLst>
-                  <a:outerShdw blurRad="38100" dist="38100" dir="2700000" algn="tl">
-                    <a:srgbClr val="000000">
-                      <a:alpha val="43137"/>
-                    </a:srgbClr>
-                  </a:outerShdw>
-                </a:effectLst>
-                <a:latin typeface="Consolas" pitchFamily="49" charset="0"/>
-                <a:cs typeface="Consolas" pitchFamily="49" charset="0"/>
-                <a:sym typeface="Wingdings" pitchFamily="2" charset="2"/>
-              </a:rPr>
-            </a:br>
-            <a:r>
-              <a:rPr lang="en-US" sz="2000" b="1" noProof="1" smtClean="0">
-                <a:solidFill>
-                  <a:srgbClr val="8CF4F2"/>
-                </a:solidFill>
-                <a:effectLst>
-                  <a:outerShdw blurRad="38100" dist="38100" dir="2700000" algn="tl">
-                    <a:srgbClr val="000000">
-                      <a:alpha val="43137"/>
-                    </a:srgbClr>
-                  </a:outerShdw>
-                </a:effectLst>
-                <a:latin typeface="Consolas" pitchFamily="49" charset="0"/>
-                <a:cs typeface="Consolas" pitchFamily="49" charset="0"/>
-                <a:sym typeface="Wingdings" pitchFamily="2" charset="2"/>
-              </a:rPr>
-              <a:t>"</a:t>
-            </a:r>
-            <a:r>
-              <a:rPr lang="en-US" sz="2000" b="1" noProof="1">
-                <a:solidFill>
-                  <a:srgbClr val="8CF4F2"/>
-                </a:solidFill>
-                <a:effectLst>
-                  <a:outerShdw blurRad="38100" dist="38100" dir="2700000" algn="tl">
-                    <a:srgbClr val="000000">
-                      <a:alpha val="43137"/>
-                    </a:srgbClr>
-                  </a:outerShdw>
-                </a:effectLst>
-                <a:latin typeface="Consolas" pitchFamily="49" charset="0"/>
-                <a:cs typeface="Consolas" pitchFamily="49" charset="0"/>
-                <a:sym typeface="Wingdings" pitchFamily="2" charset="2"/>
-              </a:rPr>
-              <a:t>wordpress", "xaml", "js", "http", "web", </a:t>
-            </a:r>
-            <a:r>
-              <a:rPr lang="en-US" sz="2000" b="1" noProof="1" smtClean="0">
-                <a:solidFill>
-                  <a:srgbClr val="8CF4F2"/>
-                </a:solidFill>
-                <a:effectLst>
-                  <a:outerShdw blurRad="38100" dist="38100" dir="2700000" algn="tl">
-                    <a:srgbClr val="000000">
-                      <a:alpha val="43137"/>
-                    </a:srgbClr>
-                  </a:outerShdw>
-                </a:effectLst>
-                <a:latin typeface="Consolas" pitchFamily="49" charset="0"/>
-                <a:cs typeface="Consolas" pitchFamily="49" charset="0"/>
-                <a:sym typeface="Wingdings" pitchFamily="2" charset="2"/>
-              </a:rPr>
-              <a:t/>
-            </a:r>
-            <a:br>
-              <a:rPr lang="en-US" sz="2000" b="1" noProof="1" smtClean="0">
-                <a:solidFill>
-                  <a:srgbClr val="8CF4F2"/>
-                </a:solidFill>
-                <a:effectLst>
-                  <a:outerShdw blurRad="38100" dist="38100" dir="2700000" algn="tl">
-                    <a:srgbClr val="000000">
-                      <a:alpha val="43137"/>
-                    </a:srgbClr>
-                  </a:outerShdw>
-                </a:effectLst>
-                <a:latin typeface="Consolas" pitchFamily="49" charset="0"/>
-                <a:cs typeface="Consolas" pitchFamily="49" charset="0"/>
-                <a:sym typeface="Wingdings" pitchFamily="2" charset="2"/>
-              </a:rPr>
-            </a:br>
-            <a:r>
-              <a:rPr lang="en-US" sz="2000" b="1" noProof="1" smtClean="0">
-                <a:solidFill>
-                  <a:srgbClr val="8CF4F2"/>
-                </a:solidFill>
-                <a:effectLst>
-                  <a:outerShdw blurRad="38100" dist="38100" dir="2700000" algn="tl">
-                    <a:srgbClr val="000000">
-                      <a:alpha val="43137"/>
-                    </a:srgbClr>
-                  </a:outerShdw>
-                </a:effectLst>
-                <a:latin typeface="Consolas" pitchFamily="49" charset="0"/>
-                <a:cs typeface="Consolas" pitchFamily="49" charset="0"/>
-                <a:sym typeface="Wingdings" pitchFamily="2" charset="2"/>
-              </a:rPr>
-              <a:t>"</a:t>
-            </a:r>
-            <a:r>
-              <a:rPr lang="en-US" sz="2000" b="1" noProof="1">
-                <a:solidFill>
-                  <a:srgbClr val="8CF4F2"/>
-                </a:solidFill>
-                <a:effectLst>
-                  <a:outerShdw blurRad="38100" dist="38100" dir="2700000" algn="tl">
-                    <a:srgbClr val="000000">
-                      <a:alpha val="43137"/>
-                    </a:srgbClr>
-                  </a:outerShdw>
-                </a:effectLst>
-                <a:latin typeface="Consolas" pitchFamily="49" charset="0"/>
-                <a:cs typeface="Consolas" pitchFamily="49" charset="0"/>
-                <a:sym typeface="Wingdings" pitchFamily="2" charset="2"/>
-              </a:rPr>
-              <a:t>asp.net", "asp.net MVC", "ASP.NET MVC", </a:t>
-            </a:r>
-            <a:r>
-              <a:rPr lang="en-US" sz="2000" b="1" noProof="1" smtClean="0">
-                <a:solidFill>
-                  <a:srgbClr val="8CF4F2"/>
-                </a:solidFill>
-                <a:effectLst>
-                  <a:outerShdw blurRad="38100" dist="38100" dir="2700000" algn="tl">
-                    <a:srgbClr val="000000">
-                      <a:alpha val="43137"/>
-                    </a:srgbClr>
-                  </a:outerShdw>
-                </a:effectLst>
-                <a:latin typeface="Consolas" pitchFamily="49" charset="0"/>
-                <a:cs typeface="Consolas" pitchFamily="49" charset="0"/>
-                <a:sym typeface="Wingdings" pitchFamily="2" charset="2"/>
-              </a:rPr>
-              <a:t/>
-            </a:r>
-            <a:br>
-              <a:rPr lang="en-US" sz="2000" b="1" noProof="1" smtClean="0">
-                <a:solidFill>
-                  <a:srgbClr val="8CF4F2"/>
-                </a:solidFill>
-                <a:effectLst>
-                  <a:outerShdw blurRad="38100" dist="38100" dir="2700000" algn="tl">
-                    <a:srgbClr val="000000">
-                      <a:alpha val="43137"/>
-                    </a:srgbClr>
-                  </a:outerShdw>
-                </a:effectLst>
-                <a:latin typeface="Consolas" pitchFamily="49" charset="0"/>
-                <a:cs typeface="Consolas" pitchFamily="49" charset="0"/>
-                <a:sym typeface="Wingdings" pitchFamily="2" charset="2"/>
-              </a:rPr>
-            </a:br>
-            <a:r>
-              <a:rPr lang="en-US" sz="2000" b="1" noProof="1" smtClean="0">
-                <a:solidFill>
-                  <a:srgbClr val="8CF4F2"/>
-                </a:solidFill>
-                <a:effectLst>
-                  <a:outerShdw blurRad="38100" dist="38100" dir="2700000" algn="tl">
-                    <a:srgbClr val="000000">
-                      <a:alpha val="43137"/>
-                    </a:srgbClr>
-                  </a:outerShdw>
-                </a:effectLst>
-                <a:latin typeface="Consolas" pitchFamily="49" charset="0"/>
-                <a:cs typeface="Consolas" pitchFamily="49" charset="0"/>
-                <a:sym typeface="Wingdings" pitchFamily="2" charset="2"/>
-              </a:rPr>
-              <a:t>"</a:t>
-            </a:r>
-            <a:r>
-              <a:rPr lang="en-US" sz="2000" b="1" noProof="1">
-                <a:solidFill>
-                  <a:srgbClr val="8CF4F2"/>
-                </a:solidFill>
-                <a:effectLst>
-                  <a:outerShdw blurRad="38100" dist="38100" dir="2700000" algn="tl">
-                    <a:srgbClr val="000000">
-                      <a:alpha val="43137"/>
-                    </a:srgbClr>
-                  </a:outerShdw>
-                </a:effectLst>
-                <a:latin typeface="Consolas" pitchFamily="49" charset="0"/>
-                <a:cs typeface="Consolas" pitchFamily="49" charset="0"/>
-                <a:sym typeface="Wingdings" pitchFamily="2" charset="2"/>
-              </a:rPr>
-              <a:t>wp", "javascript", "js", "cms", "html", </a:t>
-            </a:r>
-            <a:r>
-              <a:rPr lang="en-US" sz="2000" b="1" noProof="1" smtClean="0">
-                <a:solidFill>
-                  <a:srgbClr val="8CF4F2"/>
-                </a:solidFill>
-                <a:effectLst>
-                  <a:outerShdw blurRad="38100" dist="38100" dir="2700000" algn="tl">
-                    <a:srgbClr val="000000">
-                      <a:alpha val="43137"/>
-                    </a:srgbClr>
-                  </a:outerShdw>
-                </a:effectLst>
-                <a:latin typeface="Consolas" pitchFamily="49" charset="0"/>
-                <a:cs typeface="Consolas" pitchFamily="49" charset="0"/>
-                <a:sym typeface="Wingdings" pitchFamily="2" charset="2"/>
-              </a:rPr>
-              <a:t/>
-            </a:r>
-            <a:br>
-              <a:rPr lang="en-US" sz="2000" b="1" noProof="1" smtClean="0">
-                <a:solidFill>
-                  <a:srgbClr val="8CF4F2"/>
-                </a:solidFill>
-                <a:effectLst>
-                  <a:outerShdw blurRad="38100" dist="38100" dir="2700000" algn="tl">
-                    <a:srgbClr val="000000">
-                      <a:alpha val="43137"/>
-                    </a:srgbClr>
-                  </a:outerShdw>
-                </a:effectLst>
-                <a:latin typeface="Consolas" pitchFamily="49" charset="0"/>
-                <a:cs typeface="Consolas" pitchFamily="49" charset="0"/>
-                <a:sym typeface="Wingdings" pitchFamily="2" charset="2"/>
-              </a:rPr>
-            </a:br>
-            <a:r>
-              <a:rPr lang="en-US" sz="2000" b="1" noProof="1" smtClean="0">
-                <a:solidFill>
-                  <a:srgbClr val="8CF4F2"/>
-                </a:solidFill>
-                <a:effectLst>
-                  <a:outerShdw blurRad="38100" dist="38100" dir="2700000" algn="tl">
-                    <a:srgbClr val="000000">
-                      <a:alpha val="43137"/>
-                    </a:srgbClr>
-                  </a:outerShdw>
-                </a:effectLst>
-                <a:latin typeface="Consolas" pitchFamily="49" charset="0"/>
-                <a:cs typeface="Consolas" pitchFamily="49" charset="0"/>
-                <a:sym typeface="Wingdings" pitchFamily="2" charset="2"/>
-              </a:rPr>
-              <a:t>"</a:t>
-            </a:r>
-            <a:r>
-              <a:rPr lang="en-US" sz="2000" b="1" noProof="1">
-                <a:solidFill>
-                  <a:srgbClr val="8CF4F2"/>
-                </a:solidFill>
-                <a:effectLst>
-                  <a:outerShdw blurRad="38100" dist="38100" dir="2700000" algn="tl">
-                    <a:srgbClr val="000000">
-                      <a:alpha val="43137"/>
-                    </a:srgbClr>
-                  </a:outerShdw>
-                </a:effectLst>
-                <a:latin typeface="Consolas" pitchFamily="49" charset="0"/>
-                <a:cs typeface="Consolas" pitchFamily="49" charset="0"/>
-                <a:sym typeface="Wingdings" pitchFamily="2" charset="2"/>
-              </a:rPr>
-              <a:t>javascript", "http", "http", "CMS"]</a:t>
-            </a:r>
-          </a:p>
-          <a:p>
-            <a:pPr eaLnBrk="0" hangingPunct="0">
-              <a:buClr>
-                <a:schemeClr val="accent5">
-                  <a:lumMod val="40000"/>
-                  <a:lumOff val="60000"/>
-                </a:schemeClr>
-              </a:buClr>
-              <a:buSzPct val="70000"/>
-              <a:defRPr/>
-            </a:pPr>
-            <a:endParaRPr lang="en-US" sz="2000" b="1" noProof="1" smtClean="0">
-              <a:solidFill>
-                <a:srgbClr val="8CF4F2"/>
-              </a:solidFill>
-              <a:effectLst>
-                <a:outerShdw blurRad="38100" dist="38100" dir="2700000" algn="tl">
-                  <a:srgbClr val="000000">
-                    <a:alpha val="43137"/>
-                  </a:srgbClr>
-                </a:outerShdw>
-              </a:effectLst>
-              <a:latin typeface="Consolas" pitchFamily="49" charset="0"/>
-              <a:cs typeface="Consolas" pitchFamily="49" charset="0"/>
-              <a:sym typeface="Wingdings" pitchFamily="2" charset="2"/>
-            </a:endParaRPr>
-          </a:p>
-          <a:p>
-            <a:pPr eaLnBrk="0" hangingPunct="0">
-              <a:buClr>
-                <a:schemeClr val="accent5">
-                  <a:lumMod val="40000"/>
-                  <a:lumOff val="60000"/>
-                </a:schemeClr>
-              </a:buClr>
-              <a:buSzPct val="70000"/>
-              <a:defRPr/>
-            </a:pPr>
-            <a:r>
-              <a:rPr lang="en-US" sz="2000" b="1" noProof="1" smtClean="0">
-                <a:solidFill>
-                  <a:srgbClr val="8CF4F2"/>
-                </a:solidFill>
-                <a:effectLst>
-                  <a:outerShdw blurRad="38100" dist="38100" dir="2700000" algn="tl">
-                    <a:srgbClr val="000000">
-                      <a:alpha val="43137"/>
-                    </a:srgbClr>
-                  </a:outerShdw>
-                </a:effectLst>
-                <a:latin typeface="Consolas" pitchFamily="49" charset="0"/>
-                <a:cs typeface="Consolas" pitchFamily="49" charset="0"/>
-                <a:sym typeface="Wingdings" pitchFamily="2" charset="2"/>
-              </a:rPr>
-              <a:t>var tagCloud = generateTagCloud(tags,17,42);</a:t>
-            </a:r>
-          </a:p>
-          <a:p>
-            <a:pPr eaLnBrk="0" hangingPunct="0">
-              <a:buClr>
-                <a:schemeClr val="accent5">
-                  <a:lumMod val="40000"/>
-                  <a:lumOff val="60000"/>
-                </a:schemeClr>
-              </a:buClr>
-              <a:buSzPct val="70000"/>
-              <a:defRPr/>
-            </a:pPr>
-            <a:endParaRPr lang="en-US" sz="2000" b="1" noProof="1" smtClean="0">
-              <a:solidFill>
-                <a:srgbClr val="8CF4F2"/>
-              </a:solidFill>
-              <a:effectLst>
-                <a:outerShdw blurRad="38100" dist="38100" dir="2700000" algn="tl">
-                  <a:srgbClr val="000000">
-                    <a:alpha val="43137"/>
-                  </a:srgbClr>
-                </a:outerShdw>
-              </a:effectLst>
-              <a:latin typeface="Consolas" pitchFamily="49" charset="0"/>
-              <a:cs typeface="Consolas" pitchFamily="49" charset="0"/>
-              <a:sym typeface="Wingdings" pitchFamily="2" charset="2"/>
-            </a:endParaRPr>
-          </a:p>
-        </p:txBody>
-      </p:sp>
-      <p:pic>
-        <p:nvPicPr>
-          <p:cNvPr id="3" name="Picture 2"/>
-          <p:cNvPicPr>
-            <a:picLocks noChangeAspect="1"/>
-          </p:cNvPicPr>
-          <p:nvPr/>
-        </p:nvPicPr>
-        <p:blipFill>
-          <a:blip r:embed="rId2">
-            <a:extLst>
-              <a:ext uri="{28A0092B-C50C-407E-A947-70E740481C1C}">
-                <a14:useLocalDpi xmlns="" xmlns:a14="http://schemas.microsoft.com/office/drawing/2010/main"/>
-              </a:ext>
-            </a:extLst>
-          </a:blip>
-          <a:stretch>
-            <a:fillRect/>
-          </a:stretch>
-        </p:blipFill>
-        <p:spPr>
-          <a:xfrm>
-            <a:off x="6533110" y="3048000"/>
-            <a:ext cx="2191790" cy="2313556"/>
-          </a:xfrm>
-          <a:prstGeom prst="roundRect">
-            <a:avLst>
-              <a:gd name="adj" fmla="val 1825"/>
-            </a:avLst>
-          </a:prstGeom>
-          <a:ln w="12700">
-            <a:solidFill>
-              <a:schemeClr val="accent5">
-                <a:lumMod val="20000"/>
-                <a:lumOff val="80000"/>
-              </a:schemeClr>
-            </a:solidFill>
-          </a:ln>
-        </p:spPr>
-      </p:pic>
-    </p:spTree>
-    <p:extLst>
-      <p:ext uri="{BB962C8B-B14F-4D97-AF65-F5344CB8AC3E}">
-        <p14:creationId xmlns="" xmlns:p14="http://schemas.microsoft.com/office/powerpoint/2010/main" val="907983291"/>
+        <p14:creationId xmlns:p14="http://schemas.microsoft.com/office/powerpoint/2010/main" xmlns="" val="3660661022"/>
       </p:ext>
     </p:extLst>
   </p:cSld>
@@ -10607,7 +7759,7 @@
   <a:extraClrSchemeLst/>
   <a:extLst>
     <a:ext uri="{05A4C25C-085E-4340-85A3-A5531E510DB2}">
-      <thm15:themeFamily xmlns="" xmlns:thm15="http://schemas.microsoft.com/office/thememl/2012/main" name="Office Theme" id="{62F939B6-93AF-4DB8-9C6B-D6C7DFDC589F}" vid="{4A3C46E8-61CC-4603-A589-7422A47A8E4A}"/>
+      <thm15:themeFamily xmlns:thm15="http://schemas.microsoft.com/office/thememl/2012/main" xmlns="" name="Office Theme" id="{62F939B6-93AF-4DB8-9C6B-D6C7DFDC589F}" vid="{4A3C46E8-61CC-4603-A589-7422A47A8E4A}"/>
     </a:ext>
   </a:extLst>
 </a:theme>
